--- a/Docs/Project_601.pptx
+++ b/Docs/Project_601.pptx
@@ -8178,7 +8178,7 @@
           <a:p>
             <a:fld id="{B3B7A677-FBB3-1E46-8BD0-0AD2CBC8FEDE}" type="datetimeFigureOut">
               <a:rPr lang="en-IL" smtClean="0"/>
-              <a:t>04/03/2024</a:t>
+              <a:t>04/13/2024</a:t>
             </a:fld>
             <a:endParaRPr lang="en-IL"/>
           </a:p>
@@ -9253,7 +9253,7 @@
           <a:p>
             <a:fld id="{56332E43-BAAC-405E-8CED-B029CA0EF2C0}" type="datetimeFigureOut">
               <a:rPr lang="en-US" smtClean="0"/>
-              <a:t>4/3/2024</a:t>
+              <a:t>4/13/2024</a:t>
             </a:fld>
             <a:endParaRPr lang="en-US"/>
           </a:p>
@@ -9504,7 +9504,7 @@
           <a:p>
             <a:fld id="{56332E43-BAAC-405E-8CED-B029CA0EF2C0}" type="datetimeFigureOut">
               <a:rPr lang="en-US" smtClean="0"/>
-              <a:t>4/3/2024</a:t>
+              <a:t>4/13/2024</a:t>
             </a:fld>
             <a:endParaRPr lang="en-US"/>
           </a:p>
@@ -9818,7 +9818,7 @@
           <a:p>
             <a:fld id="{56332E43-BAAC-405E-8CED-B029CA0EF2C0}" type="datetimeFigureOut">
               <a:rPr lang="en-US" smtClean="0"/>
-              <a:t>4/3/2024</a:t>
+              <a:t>4/13/2024</a:t>
             </a:fld>
             <a:endParaRPr lang="en-US"/>
           </a:p>
@@ -10159,7 +10159,7 @@
           <a:p>
             <a:fld id="{56332E43-BAAC-405E-8CED-B029CA0EF2C0}" type="datetimeFigureOut">
               <a:rPr lang="en-US" smtClean="0"/>
-              <a:t>4/3/2024</a:t>
+              <a:t>4/13/2024</a:t>
             </a:fld>
             <a:endParaRPr lang="en-US"/>
           </a:p>
@@ -10473,7 +10473,7 @@
           <a:p>
             <a:fld id="{56332E43-BAAC-405E-8CED-B029CA0EF2C0}" type="datetimeFigureOut">
               <a:rPr lang="en-US" smtClean="0"/>
-              <a:t>4/3/2024</a:t>
+              <a:t>4/13/2024</a:t>
             </a:fld>
             <a:endParaRPr lang="en-US"/>
           </a:p>
@@ -10866,7 +10866,7 @@
           <a:p>
             <a:fld id="{56332E43-BAAC-405E-8CED-B029CA0EF2C0}" type="datetimeFigureOut">
               <a:rPr lang="en-US" smtClean="0"/>
-              <a:t>4/3/2024</a:t>
+              <a:t>4/13/2024</a:t>
             </a:fld>
             <a:endParaRPr lang="en-US"/>
           </a:p>
@@ -11036,7 +11036,7 @@
           <a:p>
             <a:fld id="{56332E43-BAAC-405E-8CED-B029CA0EF2C0}" type="datetimeFigureOut">
               <a:rPr lang="en-US" smtClean="0"/>
-              <a:t>4/3/2024</a:t>
+              <a:t>4/13/2024</a:t>
             </a:fld>
             <a:endParaRPr lang="en-US"/>
           </a:p>
@@ -11216,7 +11216,7 @@
           <a:p>
             <a:fld id="{56332E43-BAAC-405E-8CED-B029CA0EF2C0}" type="datetimeFigureOut">
               <a:rPr lang="en-US" smtClean="0"/>
-              <a:t>4/3/2024</a:t>
+              <a:t>4/13/2024</a:t>
             </a:fld>
             <a:endParaRPr lang="en-US"/>
           </a:p>
@@ -11392,7 +11392,7 @@
           <a:p>
             <a:fld id="{56332E43-BAAC-405E-8CED-B029CA0EF2C0}" type="datetimeFigureOut">
               <a:rPr lang="en-US" smtClean="0"/>
-              <a:t>4/3/2024</a:t>
+              <a:t>4/13/2024</a:t>
             </a:fld>
             <a:endParaRPr lang="en-US"/>
           </a:p>
@@ -11639,7 +11639,7 @@
           <a:p>
             <a:fld id="{56332E43-BAAC-405E-8CED-B029CA0EF2C0}" type="datetimeFigureOut">
               <a:rPr lang="en-US" smtClean="0"/>
-              <a:t>4/3/2024</a:t>
+              <a:t>4/13/2024</a:t>
             </a:fld>
             <a:endParaRPr lang="en-US"/>
           </a:p>
@@ -11871,7 +11871,7 @@
           <a:p>
             <a:fld id="{56332E43-BAAC-405E-8CED-B029CA0EF2C0}" type="datetimeFigureOut">
               <a:rPr lang="en-US" smtClean="0"/>
-              <a:t>4/3/2024</a:t>
+              <a:t>4/13/2024</a:t>
             </a:fld>
             <a:endParaRPr lang="en-US"/>
           </a:p>
@@ -12245,7 +12245,7 @@
           <a:p>
             <a:fld id="{56332E43-BAAC-405E-8CED-B029CA0EF2C0}" type="datetimeFigureOut">
               <a:rPr lang="en-US" smtClean="0"/>
-              <a:t>4/3/2024</a:t>
+              <a:t>4/13/2024</a:t>
             </a:fld>
             <a:endParaRPr lang="en-US"/>
           </a:p>
@@ -12368,7 +12368,7 @@
           <a:p>
             <a:fld id="{56332E43-BAAC-405E-8CED-B029CA0EF2C0}" type="datetimeFigureOut">
               <a:rPr lang="en-US" smtClean="0"/>
-              <a:t>4/3/2024</a:t>
+              <a:t>4/13/2024</a:t>
             </a:fld>
             <a:endParaRPr lang="en-US"/>
           </a:p>
@@ -12463,7 +12463,7 @@
           <a:p>
             <a:fld id="{56332E43-BAAC-405E-8CED-B029CA0EF2C0}" type="datetimeFigureOut">
               <a:rPr lang="en-US" smtClean="0"/>
-              <a:t>4/3/2024</a:t>
+              <a:t>4/13/2024</a:t>
             </a:fld>
             <a:endParaRPr lang="en-US"/>
           </a:p>
@@ -12718,7 +12718,7 @@
           <a:p>
             <a:fld id="{56332E43-BAAC-405E-8CED-B029CA0EF2C0}" type="datetimeFigureOut">
               <a:rPr lang="en-US" smtClean="0"/>
-              <a:t>4/3/2024</a:t>
+              <a:t>4/13/2024</a:t>
             </a:fld>
             <a:endParaRPr lang="en-US"/>
           </a:p>
@@ -12981,7 +12981,7 @@
           <a:p>
             <a:fld id="{56332E43-BAAC-405E-8CED-B029CA0EF2C0}" type="datetimeFigureOut">
               <a:rPr lang="en-US" smtClean="0"/>
-              <a:t>4/3/2024</a:t>
+              <a:t>4/13/2024</a:t>
             </a:fld>
             <a:endParaRPr lang="en-US"/>
           </a:p>
@@ -13724,7 +13724,7 @@
           <a:p>
             <a:fld id="{56332E43-BAAC-405E-8CED-B029CA0EF2C0}" type="datetimeFigureOut">
               <a:rPr lang="en-US" smtClean="0"/>
-              <a:t>4/3/2024</a:t>
+              <a:t>4/13/2024</a:t>
             </a:fld>
             <a:endParaRPr lang="en-US"/>
           </a:p>
@@ -16393,7 +16393,7 @@
         <p:spPr>
           <a:xfrm>
             <a:off x="640080" y="325369"/>
-            <a:ext cx="5539656" cy="1956841"/>
+            <a:ext cx="7869936" cy="1956841"/>
           </a:xfrm>
         </p:spPr>
         <p:txBody>
@@ -16404,7 +16404,7 @@
           <a:p>
             <a:r>
               <a:rPr lang="en-US" sz="5400" dirty="0"/>
-              <a:t>Reinforcement learning 	</a:t>
+              <a:t>Reinforcement learning Deep Q-Learning</a:t>
             </a:r>
           </a:p>
         </p:txBody>
@@ -16437,110 +16437,91 @@
           </a:bodyPr>
           <a:lstStyle/>
           <a:p>
+            <a:pPr algn="l">
+              <a:buFont typeface="Arial" panose="020B0604020202020204" pitchFamily="34" charset="0"/>
+              <a:buChar char="•"/>
+            </a:pPr>
+            <a:endParaRPr lang="en-US" sz="2000" b="0" i="0" dirty="0">
+              <a:solidFill>
+                <a:srgbClr val="0D0D0D"/>
+              </a:solidFill>
+              <a:effectLst/>
+              <a:highlight>
+                <a:srgbClr val="FFFFFF"/>
+              </a:highlight>
+              <a:latin typeface="Söhne"/>
+            </a:endParaRPr>
+          </a:p>
+          <a:p>
             <a:r>
-              <a:rPr lang="en-US" sz="2200" dirty="0"/>
-              <a:t>Overview -  State:</a:t>
+              <a:rPr lang="en-US" sz="2000" b="0" i="0" dirty="0">
+                <a:solidFill>
+                  <a:srgbClr val="0D0D0D"/>
+                </a:solidFill>
+                <a:effectLst/>
+                <a:highlight>
+                  <a:srgbClr val="FFFFFF"/>
+                </a:highlight>
+                <a:latin typeface="Söhne"/>
+              </a:rPr>
+              <a:t>Implemented DQN-based controller for single drone</a:t>
             </a:r>
-            <a:br>
-              <a:rPr lang="en-US" sz="2200" dirty="0"/>
-            </a:br>
-            <a:r>
-              <a:rPr lang="en-US" sz="2200" dirty="0"/>
-              <a:t>	</a:t>
-            </a:r>
-          </a:p>
-          <a:p>
-            <a:pPr lvl="1"/>
-            <a:r>
-              <a:rPr lang="en-US" sz="2000" dirty="0">
-                <a:latin typeface="+mj-lt"/>
-              </a:rPr>
-              <a:t>18 radar features (6 regions * 3 scopes) +</a:t>
-            </a:r>
-          </a:p>
-          <a:p>
-            <a:pPr marL="457200" lvl="1" indent="0">
-              <a:buNone/>
-            </a:pPr>
-            <a:r>
-              <a:rPr lang="en-US" sz="2000" dirty="0">
-                <a:latin typeface="+mj-lt"/>
-              </a:rPr>
-              <a:t>	</a:t>
-            </a:r>
-            <a:r>
-              <a:rPr lang="en-US" sz="2000" dirty="0" err="1">
-                <a:latin typeface="+mj-lt"/>
-              </a:rPr>
-              <a:t>relative_angle</a:t>
-            </a:r>
-            <a:r>
-              <a:rPr lang="en-US" sz="2000" dirty="0">
-                <a:latin typeface="+mj-lt"/>
-              </a:rPr>
-              <a:t>, </a:t>
-            </a:r>
-            <a:r>
-              <a:rPr lang="en-US" sz="2000" dirty="0" err="1">
-                <a:latin typeface="+mj-lt"/>
-              </a:rPr>
-              <a:t>velocity_magnitude</a:t>
-            </a:r>
-            <a:r>
-              <a:rPr lang="en-US" sz="2000" dirty="0">
-                <a:latin typeface="+mj-lt"/>
-              </a:rPr>
-              <a:t>, </a:t>
-            </a:r>
-            <a:r>
-              <a:rPr lang="en-US" sz="2000" dirty="0" err="1">
-                <a:latin typeface="+mj-lt"/>
-              </a:rPr>
-              <a:t>target_magnitude</a:t>
-            </a:r>
-            <a:r>
-              <a:rPr lang="en-US" sz="2000" dirty="0">
-                <a:latin typeface="+mj-lt"/>
-              </a:rPr>
-              <a:t>,</a:t>
-            </a:r>
+          </a:p>
+          <a:p>
             <a:r>
               <a:rPr lang="en-US" sz="2000" dirty="0">
                 <a:solidFill>
-                  <a:srgbClr val="BCBEC4"/>
+                  <a:srgbClr val="0D0D0D"/>
+                </a:solidFill>
+                <a:highlight>
+                  <a:srgbClr val="FFFFFF"/>
+                </a:highlight>
+                <a:latin typeface="Söhne"/>
+              </a:rPr>
+              <a:t>48-hour training period yielded minimal progress</a:t>
+            </a:r>
+          </a:p>
+          <a:p>
+            <a:r>
+              <a:rPr lang="en-US" sz="2000" dirty="0">
+                <a:solidFill>
+                  <a:srgbClr val="0D0D0D"/>
+                </a:solidFill>
+                <a:highlight>
+                  <a:srgbClr val="FFFFFF"/>
+                </a:highlight>
+                <a:latin typeface="Söhne"/>
+              </a:rPr>
+              <a:t>DQN framework unsuitable due to extensive action vector</a:t>
+            </a:r>
+          </a:p>
+          <a:p>
+            <a:r>
+              <a:rPr lang="en-US" sz="2000" b="0" i="0" dirty="0">
+                <a:solidFill>
+                  <a:srgbClr val="0D0D0D"/>
                 </a:solidFill>
                 <a:effectLst/>
-                <a:latin typeface="+mj-lt"/>
+                <a:highlight>
+                  <a:srgbClr val="FFFFFF"/>
+                </a:highlight>
+                <a:latin typeface="Söhne"/>
               </a:rPr>
-              <a:t> 	</a:t>
+              <a:t>Drone proficient in avoiding collisions, but unable to reach destination</a:t>
             </a:r>
-            <a:r>
-              <a:rPr lang="en-US" sz="2000" dirty="0" err="1">
-                <a:latin typeface="+mj-lt"/>
-              </a:rPr>
-              <a:t>target_angle</a:t>
-            </a:r>
+          </a:p>
+          <a:p>
             <a:r>
               <a:rPr lang="en-US" sz="2000" dirty="0">
-                <a:latin typeface="+mj-lt"/>
+                <a:solidFill>
+                  <a:srgbClr val="0D0D0D"/>
+                </a:solidFill>
+                <a:highlight>
+                  <a:srgbClr val="FFFFFF"/>
+                </a:highlight>
+                <a:latin typeface="Söhne"/>
               </a:rPr>
-              <a:t>, </a:t>
-            </a:r>
-            <a:r>
-              <a:rPr lang="en-US" sz="2000" dirty="0" err="1">
-                <a:latin typeface="+mj-lt"/>
-              </a:rPr>
-              <a:t>battery_level</a:t>
-            </a:r>
-            <a:endParaRPr lang="en-US" sz="2000" dirty="0">
-              <a:latin typeface="+mj-lt"/>
-            </a:endParaRPr>
-          </a:p>
-          <a:p>
-            <a:pPr lvl="1"/>
-            <a:r>
-              <a:rPr lang="en-US" sz="2000" dirty="0"/>
-              <a:t>Each feature is normalized.</a:t>
+              <a:t>Conclusion: DQN inadequate for nuanced problem requirements</a:t>
             </a:r>
             <a:br>
               <a:rPr lang="en-US" sz="2000" dirty="0"/>
@@ -16589,41 +16570,6 @@
       </p:grpSpPr>
       <p:sp>
         <p:nvSpPr>
-          <p:cNvPr id="2" name="Title 1">
-            <a:extLst>
-              <a:ext uri="{FF2B5EF4-FFF2-40B4-BE49-F238E27FC236}">
-                <a16:creationId xmlns:a16="http://schemas.microsoft.com/office/drawing/2014/main" id="{A50DB624-D8D6-1306-C7DA-1C1970C82928}"/>
-              </a:ext>
-            </a:extLst>
-          </p:cNvPr>
-          <p:cNvSpPr>
-            <a:spLocks noGrp="1"/>
-          </p:cNvSpPr>
-          <p:nvPr>
-            <p:ph type="title"/>
-          </p:nvPr>
-        </p:nvSpPr>
-        <p:spPr>
-          <a:xfrm>
-            <a:off x="640080" y="325369"/>
-            <a:ext cx="5539656" cy="1956841"/>
-          </a:xfrm>
-        </p:spPr>
-        <p:txBody>
-          <a:bodyPr anchor="b">
-            <a:normAutofit/>
-          </a:bodyPr>
-          <a:lstStyle/>
-          <a:p>
-            <a:r>
-              <a:rPr lang="en-US" sz="5400" dirty="0"/>
-              <a:t>Reinforcement learning 	</a:t>
-            </a:r>
-          </a:p>
-        </p:txBody>
-      </p:sp>
-      <p:sp>
-        <p:nvSpPr>
           <p:cNvPr id="3" name="Content Placeholder 2">
             <a:extLst>
               <a:ext uri="{FF2B5EF4-FFF2-40B4-BE49-F238E27FC236}">
@@ -16646,76 +16592,274 @@
         </p:spPr>
         <p:txBody>
           <a:bodyPr>
+            <a:normAutofit fontScale="92500" lnSpcReduction="20000"/>
+          </a:bodyPr>
+          <a:lstStyle/>
+          <a:p>
+            <a:r>
+              <a:rPr lang="en-US" sz="2000" dirty="0">
+                <a:solidFill>
+                  <a:srgbClr val="0D0D0D"/>
+                </a:solidFill>
+                <a:highlight>
+                  <a:srgbClr val="FFFFFF"/>
+                </a:highlight>
+                <a:latin typeface="Söhne"/>
+              </a:rPr>
+              <a:t>Utilized KD-Q-Learning for agent training</a:t>
+            </a:r>
+          </a:p>
+          <a:p>
+            <a:r>
+              <a:rPr lang="en-US" sz="2000" dirty="0">
+                <a:solidFill>
+                  <a:srgbClr val="0D0D0D"/>
+                </a:solidFill>
+                <a:highlight>
+                  <a:srgbClr val="FFFFFF"/>
+                </a:highlight>
+                <a:latin typeface="Söhne"/>
+              </a:rPr>
+              <a:t>Some improvement observed in the learning process</a:t>
+            </a:r>
+          </a:p>
+          <a:p>
+            <a:r>
+              <a:rPr lang="en-US" sz="2000" dirty="0">
+                <a:solidFill>
+                  <a:srgbClr val="0D0D0D"/>
+                </a:solidFill>
+                <a:highlight>
+                  <a:srgbClr val="FFFFFF"/>
+                </a:highlight>
+                <a:latin typeface="Söhne"/>
+              </a:rPr>
+              <a:t>Drone adept at avoiding buildings but failed to reach the destination or avoid other drones</a:t>
+            </a:r>
+          </a:p>
+          <a:p>
+            <a:r>
+              <a:rPr lang="en-US" sz="2000" dirty="0">
+                <a:solidFill>
+                  <a:srgbClr val="0D0D0D"/>
+                </a:solidFill>
+                <a:highlight>
+                  <a:srgbClr val="FFFFFF"/>
+                </a:highlight>
+                <a:latin typeface="Söhne"/>
+              </a:rPr>
+              <a:t>Primary reason: inability to reach the intended destination</a:t>
+            </a:r>
+          </a:p>
+          <a:p>
+            <a:r>
+              <a:rPr lang="en-US" sz="2000" dirty="0">
+                <a:solidFill>
+                  <a:srgbClr val="0D0D0D"/>
+                </a:solidFill>
+                <a:highlight>
+                  <a:srgbClr val="FFFFFF"/>
+                </a:highlight>
+                <a:latin typeface="Söhne"/>
+              </a:rPr>
+              <a:t>Challenge: classification of actions for a given state</a:t>
+            </a:r>
+          </a:p>
+          <a:p>
+            <a:r>
+              <a:rPr lang="en-US" sz="2000" dirty="0">
+                <a:solidFill>
+                  <a:srgbClr val="0D0D0D"/>
+                </a:solidFill>
+                <a:highlight>
+                  <a:srgbClr val="FFFFFF"/>
+                </a:highlight>
+                <a:latin typeface="Söhne"/>
+              </a:rPr>
+              <a:t>KD-tree similarity treatment resulted in difficulty distinguishing obstacle encounters</a:t>
+            </a:r>
+          </a:p>
+          <a:p>
+            <a:r>
+              <a:rPr lang="en-US" sz="2000" dirty="0">
+                <a:solidFill>
+                  <a:srgbClr val="0D0D0D"/>
+                </a:solidFill>
+                <a:highlight>
+                  <a:srgbClr val="FFFFFF"/>
+                </a:highlight>
+                <a:latin typeface="Söhne"/>
+              </a:rPr>
+              <a:t>Consequently, the agent struggled with accurate actions, especially navigation</a:t>
+            </a:r>
+          </a:p>
+          <a:p>
+            <a:r>
+              <a:rPr lang="en-US" sz="2000" dirty="0">
+                <a:solidFill>
+                  <a:srgbClr val="0D0D0D"/>
+                </a:solidFill>
+                <a:highlight>
+                  <a:srgbClr val="FFFFFF"/>
+                </a:highlight>
+                <a:latin typeface="Söhne"/>
+              </a:rPr>
+              <a:t>KD-Q-Learning is effective in obstacle avoidance but inadequate for precise destination navigation</a:t>
+            </a:r>
+          </a:p>
+          <a:p>
+            <a:endParaRPr lang="en-US" sz="2000" dirty="0"/>
+          </a:p>
+        </p:txBody>
+      </p:sp>
+      <p:sp>
+        <p:nvSpPr>
+          <p:cNvPr id="6" name="Title 1">
+            <a:extLst>
+              <a:ext uri="{FF2B5EF4-FFF2-40B4-BE49-F238E27FC236}">
+                <a16:creationId xmlns:a16="http://schemas.microsoft.com/office/drawing/2014/main" id="{280CA9D7-C666-1EBE-082B-750682930A1F}"/>
+              </a:ext>
+            </a:extLst>
+          </p:cNvPr>
+          <p:cNvSpPr txBox="1">
+            <a:spLocks/>
+          </p:cNvSpPr>
+          <p:nvPr/>
+        </p:nvSpPr>
+        <p:spPr>
+          <a:xfrm>
+            <a:off x="640080" y="325369"/>
+            <a:ext cx="7869936" cy="1956841"/>
+          </a:xfrm>
+          <a:prstGeom prst="rect">
+            <a:avLst/>
+          </a:prstGeom>
+        </p:spPr>
+        <p:txBody>
+          <a:bodyPr vert="horz" lIns="91440" tIns="45720" rIns="91440" bIns="45720" rtlCol="0" anchor="b">
             <a:normAutofit/>
           </a:bodyPr>
-          <a:lstStyle/>
+          <a:lstStyle>
+            <a:lvl1pPr algn="l" defTabSz="457200" rtl="0" eaLnBrk="1" latinLnBrk="0" hangingPunct="1">
+              <a:spcBef>
+                <a:spcPct val="0"/>
+              </a:spcBef>
+              <a:buNone/>
+              <a:defRPr sz="3600" kern="1200">
+                <a:solidFill>
+                  <a:schemeClr val="accent1"/>
+                </a:solidFill>
+                <a:latin typeface="+mj-lt"/>
+                <a:ea typeface="+mj-ea"/>
+                <a:cs typeface="+mj-cs"/>
+              </a:defRPr>
+            </a:lvl1pPr>
+            <a:lvl2pPr eaLnBrk="1" hangingPunct="1">
+              <a:defRPr>
+                <a:solidFill>
+                  <a:schemeClr val="tx2"/>
+                </a:solidFill>
+              </a:defRPr>
+            </a:lvl2pPr>
+            <a:lvl3pPr eaLnBrk="1" hangingPunct="1">
+              <a:defRPr>
+                <a:solidFill>
+                  <a:schemeClr val="tx2"/>
+                </a:solidFill>
+              </a:defRPr>
+            </a:lvl3pPr>
+            <a:lvl4pPr eaLnBrk="1" hangingPunct="1">
+              <a:defRPr>
+                <a:solidFill>
+                  <a:schemeClr val="tx2"/>
+                </a:solidFill>
+              </a:defRPr>
+            </a:lvl4pPr>
+            <a:lvl5pPr eaLnBrk="1" hangingPunct="1">
+              <a:defRPr>
+                <a:solidFill>
+                  <a:schemeClr val="tx2"/>
+                </a:solidFill>
+              </a:defRPr>
+            </a:lvl5pPr>
+            <a:lvl6pPr eaLnBrk="1" hangingPunct="1">
+              <a:defRPr>
+                <a:solidFill>
+                  <a:schemeClr val="tx2"/>
+                </a:solidFill>
+              </a:defRPr>
+            </a:lvl6pPr>
+            <a:lvl7pPr eaLnBrk="1" hangingPunct="1">
+              <a:defRPr>
+                <a:solidFill>
+                  <a:schemeClr val="tx2"/>
+                </a:solidFill>
+              </a:defRPr>
+            </a:lvl7pPr>
+            <a:lvl8pPr eaLnBrk="1" hangingPunct="1">
+              <a:defRPr>
+                <a:solidFill>
+                  <a:schemeClr val="tx2"/>
+                </a:solidFill>
+              </a:defRPr>
+            </a:lvl8pPr>
+            <a:lvl9pPr eaLnBrk="1" hangingPunct="1">
+              <a:defRPr>
+                <a:solidFill>
+                  <a:schemeClr val="tx2"/>
+                </a:solidFill>
+              </a:defRPr>
+            </a:lvl9pPr>
+          </a:lstStyle>
           <a:p>
             <a:r>
-              <a:rPr lang="en-US" sz="2200" dirty="0"/>
-              <a:t>Overview -  Reward:</a:t>
+              <a:rPr lang="en-US" sz="5400" dirty="0"/>
+              <a:t>Reinforcement learning KD-Tree Q-Learning</a:t>
             </a:r>
-            <a:br>
-              <a:rPr lang="en-US" sz="2200" dirty="0"/>
-            </a:br>
-            <a:r>
-              <a:rPr lang="en-US" sz="2200" dirty="0"/>
-              <a:t>	</a:t>
-            </a:r>
-          </a:p>
-          <a:p>
-            <a:pPr lvl="1"/>
-            <a:r>
-              <a:rPr lang="en-US" sz="2000" dirty="0"/>
-              <a:t>Terminate episode if : out of bounds\ hit obstacle (-1000000)</a:t>
-            </a:r>
-          </a:p>
-          <a:p>
-            <a:pPr marL="457200" lvl="1" indent="0">
-              <a:buNone/>
-            </a:pPr>
-            <a:r>
-              <a:rPr lang="en-US" sz="2000" dirty="0"/>
-              <a:t>	or if meet target (+1000000)</a:t>
-            </a:r>
-          </a:p>
-          <a:p>
-            <a:pPr lvl="1"/>
-            <a:r>
-              <a:rPr lang="en-US" sz="2000" dirty="0"/>
-              <a:t>O.W reward = (90-abs(</a:t>
-            </a:r>
-            <a:r>
-              <a:rPr lang="en-US" sz="2000" dirty="0" err="1"/>
-              <a:t>relative_angle</a:t>
-            </a:r>
-            <a:r>
-              <a:rPr lang="en-US" sz="2000" dirty="0"/>
-              <a:t>)*100)*</a:t>
-            </a:r>
-            <a:r>
-              <a:rPr lang="en-US" sz="2000" dirty="0" err="1"/>
-              <a:t>velocity_magnitude</a:t>
-            </a:r>
-            <a:endParaRPr lang="en-US" sz="2000" dirty="0"/>
-          </a:p>
-          <a:p>
-            <a:pPr lvl="1"/>
-            <a:r>
-              <a:rPr lang="en-US" sz="2000" dirty="0"/>
-              <a:t>(we did handle it, so it’ll reach target with minimal velocity)</a:t>
-            </a:r>
-          </a:p>
-          <a:p>
-            <a:pPr marL="457200" lvl="1" indent="0">
-              <a:buNone/>
-            </a:pPr>
-            <a:br>
-              <a:rPr lang="en-US" sz="2000" dirty="0"/>
-            </a:br>
-            <a:endParaRPr lang="en-US" sz="2000" dirty="0"/>
           </a:p>
         </p:txBody>
       </p:sp>
+      <p:pic>
+        <p:nvPicPr>
+          <p:cNvPr id="7" name="Picture 6" descr="kD Trees">
+            <a:extLst>
+              <a:ext uri="{FF2B5EF4-FFF2-40B4-BE49-F238E27FC236}">
+                <a16:creationId xmlns:a16="http://schemas.microsoft.com/office/drawing/2014/main" id="{D6863CB0-7642-170C-F716-FDB34F1938CF}"/>
+              </a:ext>
+            </a:extLst>
+          </p:cNvPr>
+          <p:cNvPicPr>
+            <a:picLocks noChangeAspect="1"/>
+          </p:cNvPicPr>
+          <p:nvPr/>
+        </p:nvPicPr>
+        <p:blipFill>
+          <a:blip r:embed="rId2">
+            <a:extLst>
+              <a:ext uri="{28A0092B-C50C-407E-A947-70E740481C1C}">
+                <a14:useLocalDpi xmlns:a14="http://schemas.microsoft.com/office/drawing/2010/main" val="0"/>
+              </a:ext>
+            </a:extLst>
+          </a:blip>
+          <a:srcRect/>
+          <a:stretch>
+            <a:fillRect/>
+          </a:stretch>
+        </p:blipFill>
+        <p:spPr bwMode="auto">
+          <a:xfrm>
+            <a:off x="8206105" y="1303789"/>
+            <a:ext cx="3846257" cy="1956841"/>
+          </a:xfrm>
+          <a:prstGeom prst="rect">
+            <a:avLst/>
+          </a:prstGeom>
+          <a:noFill/>
+          <a:ln>
+            <a:noFill/>
+          </a:ln>
+        </p:spPr>
+      </p:pic>
     </p:spTree>
     <p:extLst>
       <p:ext uri="{BB962C8B-B14F-4D97-AF65-F5344CB8AC3E}">
@@ -16773,7 +16917,7 @@
         <p:spPr>
           <a:xfrm>
             <a:off x="640080" y="325369"/>
-            <a:ext cx="5539656" cy="1956841"/>
+            <a:ext cx="5539656" cy="1064519"/>
           </a:xfrm>
         </p:spPr>
         <p:txBody>
@@ -16784,7 +16928,7 @@
           <a:p>
             <a:r>
               <a:rPr lang="en-US" sz="5400" dirty="0"/>
-              <a:t>Reinforcement learning 	</a:t>
+              <a:t>conclusion	</a:t>
             </a:r>
           </a:p>
         </p:txBody>
@@ -16813,86 +16957,106 @@
         </p:spPr>
         <p:txBody>
           <a:bodyPr>
-            <a:normAutofit fontScale="70000" lnSpcReduction="20000"/>
+            <a:normAutofit/>
           </a:bodyPr>
           <a:lstStyle/>
           <a:p>
             <a:r>
-              <a:rPr lang="en-US" sz="3100" dirty="0"/>
-              <a:t>Main Challenge - State Space. (~23^100)</a:t>
+              <a:rPr lang="en-US" sz="2000" dirty="0">
+                <a:solidFill>
+                  <a:srgbClr val="0D0D0D"/>
+                </a:solidFill>
+                <a:highlight>
+                  <a:srgbClr val="FFFFFF"/>
+                </a:highlight>
+                <a:latin typeface="Söhne"/>
+              </a:rPr>
+              <a:t>Introduction of novel training approach</a:t>
             </a:r>
           </a:p>
           <a:p>
-            <a:pPr marL="0" indent="0">
-              <a:buNone/>
-            </a:pPr>
             <a:r>
-              <a:rPr lang="en-US" sz="3100" dirty="0"/>
-              <a:t>	</a:t>
+              <a:rPr lang="en-US" sz="2000" dirty="0">
+                <a:solidFill>
+                  <a:srgbClr val="0D0D0D"/>
+                </a:solidFill>
+                <a:highlight>
+                  <a:srgbClr val="FFFFFF"/>
+                </a:highlight>
+                <a:latin typeface="Söhne"/>
+              </a:rPr>
+              <a:t>Centralized controller manages all drones in simulation</a:t>
             </a:r>
           </a:p>
           <a:p>
             <a:r>
-              <a:rPr lang="en-US" sz="3100" dirty="0"/>
-              <a:t>In order to train the agents (currently one at a time).</a:t>
+              <a:rPr lang="en-US" sz="2000" dirty="0">
+                <a:solidFill>
+                  <a:srgbClr val="0D0D0D"/>
+                </a:solidFill>
+                <a:highlight>
+                  <a:srgbClr val="FFFFFF"/>
+                </a:highlight>
+                <a:latin typeface="Söhne"/>
+              </a:rPr>
+              <a:t>Preflight phase involves map transformation into a 3D graph</a:t>
             </a:r>
-            <a:br>
-              <a:rPr lang="en-US" sz="3100" dirty="0"/>
-            </a:br>
+          </a:p>
+          <a:p>
             <a:r>
-              <a:rPr lang="en-US" sz="3100" dirty="0"/>
-              <a:t>We tried to utilize two methods – </a:t>
+              <a:rPr lang="en-US" sz="2000" dirty="0">
+                <a:solidFill>
+                  <a:srgbClr val="0D0D0D"/>
+                </a:solidFill>
+                <a:highlight>
+                  <a:srgbClr val="FFFFFF"/>
+                </a:highlight>
+                <a:latin typeface="Söhne"/>
+              </a:rPr>
+              <a:t>Controller calculates the shortest path for each drone</a:t>
             </a:r>
-            <a:br>
-              <a:rPr lang="en-US" sz="2200" dirty="0"/>
-            </a:br>
-            <a:endParaRPr lang="en-US" sz="2400" dirty="0"/>
-          </a:p>
-          <a:p>
-            <a:pPr lvl="1"/>
+          </a:p>
+          <a:p>
             <a:r>
-              <a:rPr lang="en-US" sz="2400" dirty="0"/>
-              <a:t>Solution 1: Deep Q-Learning, we manage to create all the infrastructure, but the model did not converge.</a:t>
+              <a:rPr lang="en-US" sz="2000" dirty="0">
+                <a:solidFill>
+                  <a:srgbClr val="0D0D0D"/>
+                </a:solidFill>
+                <a:highlight>
+                  <a:srgbClr val="FFFFFF"/>
+                </a:highlight>
+                <a:latin typeface="Söhne"/>
+              </a:rPr>
+              <a:t>Supervisory role during drone flights, ensuring adherence to designated paths</a:t>
             </a:r>
           </a:p>
           <a:p>
-            <a:pPr lvl="1"/>
             <a:r>
-              <a:rPr lang="en-US" sz="2400" dirty="0"/>
-              <a:t>Solution 2: Q-Learning, with special data structure that will reduce the number of states the agent will calc for every run. (evolution </a:t>
+              <a:rPr lang="en-US" sz="2000" dirty="0">
+                <a:solidFill>
+                  <a:srgbClr val="0D0D0D"/>
+                </a:solidFill>
+                <a:highlight>
+                  <a:srgbClr val="FFFFFF"/>
+                </a:highlight>
+                <a:latin typeface="Söhne"/>
+              </a:rPr>
+              <a:t>KD-Q-Learning utilized for collision avoidance</a:t>
             </a:r>
+          </a:p>
+          <a:p>
             <a:r>
-              <a:rPr lang="en-US" sz="2400" dirty="0" err="1"/>
-              <a:t>kd</a:t>
+              <a:rPr lang="en-US" sz="2000" dirty="0">
+                <a:solidFill>
+                  <a:srgbClr val="0D0D0D"/>
+                </a:solidFill>
+                <a:highlight>
+                  <a:srgbClr val="FFFFFF"/>
+                </a:highlight>
+                <a:latin typeface="Söhne"/>
+              </a:rPr>
+              <a:t>Controller trained to minimize deviations from shortest paths and avoid collisions</a:t>
             </a:r>
-            <a:r>
-              <a:rPr lang="en-US" sz="2400" dirty="0"/>
-              <a:t>-tree)</a:t>
-            </a:r>
-          </a:p>
-          <a:p>
-            <a:pPr marL="457200" lvl="1" indent="0">
-              <a:buNone/>
-            </a:pPr>
-            <a:br>
-              <a:rPr lang="en-US" sz="2000" dirty="0"/>
-            </a:br>
-            <a:r>
-              <a:rPr lang="en-US" sz="2000" dirty="0"/>
-              <a:t>	</a:t>
-            </a:r>
-          </a:p>
-          <a:p>
-            <a:pPr marL="0" indent="0">
-              <a:buNone/>
-            </a:pPr>
-            <a:r>
-              <a:rPr lang="en-US" sz="2200" dirty="0"/>
-              <a:t>	</a:t>
-            </a:r>
-            <a:br>
-              <a:rPr lang="en-US" sz="2000" dirty="0"/>
-            </a:br>
             <a:endParaRPr lang="en-US" sz="2000" dirty="0"/>
           </a:p>
         </p:txBody>

--- a/Docs/Project_601.pptx
+++ b/Docs/Project_601.pptx
@@ -2288,12 +2288,8 @@
         <a:lstStyle/>
         <a:p>
           <a:r>
-            <a:rPr lang="en-US"/>
-            <a:t>Graph </a:t>
-          </a:r>
-          <a:r>
             <a:rPr lang="en-US" dirty="0"/>
-            <a:t>server</a:t>
+            <a:t>Drone server</a:t>
           </a:r>
         </a:p>
       </dgm:t>
@@ -2328,12 +2324,8 @@
         <a:lstStyle/>
         <a:p>
           <a:r>
-            <a:rPr lang="en-US"/>
-            <a:t>Drone </a:t>
-          </a:r>
-          <a:r>
             <a:rPr lang="en-US" dirty="0"/>
-            <a:t>server</a:t>
+            <a:t>Graph server</a:t>
           </a:r>
         </a:p>
       </dgm:t>
@@ -2381,11 +2373,11 @@
       <dgm:spPr/>
     </dgm:pt>
     <dgm:pt modelId="{08946C2F-2E8D-4153-9BFE-8B8C10E7904B}" type="pres">
-      <dgm:prSet presAssocID="{E23C31D8-D3AC-425A-AAB0-275257CEEBA5}" presName="background" presStyleLbl="node0" presStyleIdx="0" presStyleCnt="5"/>
+      <dgm:prSet presAssocID="{E23C31D8-D3AC-425A-AAB0-275257CEEBA5}" presName="background" presStyleLbl="node0" presStyleIdx="0" presStyleCnt="3"/>
       <dgm:spPr/>
     </dgm:pt>
     <dgm:pt modelId="{D93F9769-9FA5-42D0-B42A-B8F2351E4082}" type="pres">
-      <dgm:prSet presAssocID="{E23C31D8-D3AC-425A-AAB0-275257CEEBA5}" presName="text" presStyleLbl="fgAcc0" presStyleIdx="0" presStyleCnt="5">
+      <dgm:prSet presAssocID="{E23C31D8-D3AC-425A-AAB0-275257CEEBA5}" presName="text" presStyleLbl="fgAcc0" presStyleIdx="0" presStyleCnt="3">
         <dgm:presLayoutVars>
           <dgm:chPref val="3"/>
         </dgm:presLayoutVars>
@@ -2396,79 +2388,163 @@
       <dgm:prSet presAssocID="{E23C31D8-D3AC-425A-AAB0-275257CEEBA5}" presName="hierChild2" presStyleCnt="0"/>
       <dgm:spPr/>
     </dgm:pt>
-    <dgm:pt modelId="{00AA4F40-9488-4F07-97A8-68324A222B93}" type="pres">
-      <dgm:prSet presAssocID="{E3B1403E-AB6F-4FCF-AD1E-F3CE23E9E79A}" presName="Name10" presStyleLbl="parChTrans1D2" presStyleIdx="0" presStyleCnt="1"/>
+    <dgm:pt modelId="{0BDF7E12-6962-274E-85CD-EB37CA7EB5C9}" type="pres">
+      <dgm:prSet presAssocID="{E3B1403E-AB6F-4FCF-AD1E-F3CE23E9E79A}" presName="Name10" presStyleLbl="parChTrans1D2" presStyleIdx="0" presStyleCnt="4"/>
       <dgm:spPr/>
     </dgm:pt>
-    <dgm:pt modelId="{EAD25F60-C27C-4B18-9FB0-727D32102A26}" type="pres">
+    <dgm:pt modelId="{0B572A04-FAB2-4146-A413-45BEC5877EF3}" type="pres">
       <dgm:prSet presAssocID="{BBCEB914-6A20-4D4C-B68C-4463DAD087AC}" presName="hierRoot2" presStyleCnt="0"/>
       <dgm:spPr/>
     </dgm:pt>
-    <dgm:pt modelId="{4581C209-CF93-4C41-A66D-4D1D14EBAD94}" type="pres">
+    <dgm:pt modelId="{1A1BF2CC-DEFD-A249-8CD5-89E37709568A}" type="pres">
       <dgm:prSet presAssocID="{BBCEB914-6A20-4D4C-B68C-4463DAD087AC}" presName="composite2" presStyleCnt="0"/>
       <dgm:spPr/>
     </dgm:pt>
-    <dgm:pt modelId="{E643E68D-7A88-41E6-8531-06CAB73B8D1D}" type="pres">
-      <dgm:prSet presAssocID="{BBCEB914-6A20-4D4C-B68C-4463DAD087AC}" presName="background2" presStyleLbl="node2" presStyleIdx="0" presStyleCnt="1"/>
+    <dgm:pt modelId="{F69FCAD8-18CC-A848-A59B-CDA048317AA9}" type="pres">
+      <dgm:prSet presAssocID="{BBCEB914-6A20-4D4C-B68C-4463DAD087AC}" presName="background2" presStyleLbl="node2" presStyleIdx="0" presStyleCnt="4"/>
       <dgm:spPr/>
     </dgm:pt>
-    <dgm:pt modelId="{18E153F8-1841-4496-8066-C80E747D7C35}" type="pres">
-      <dgm:prSet presAssocID="{BBCEB914-6A20-4D4C-B68C-4463DAD087AC}" presName="text2" presStyleLbl="fgAcc2" presStyleIdx="0" presStyleCnt="1">
+    <dgm:pt modelId="{60886B65-FBD7-3244-B035-C27610542378}" type="pres">
+      <dgm:prSet presAssocID="{BBCEB914-6A20-4D4C-B68C-4463DAD087AC}" presName="text2" presStyleLbl="fgAcc2" presStyleIdx="0" presStyleCnt="4">
         <dgm:presLayoutVars>
           <dgm:chPref val="3"/>
         </dgm:presLayoutVars>
       </dgm:prSet>
       <dgm:spPr/>
     </dgm:pt>
-    <dgm:pt modelId="{80EAD981-9603-42A6-8927-C208461F0CBD}" type="pres">
+    <dgm:pt modelId="{C4BDF23B-66AA-754B-8A81-5E5EA19AEFAD}" type="pres">
       <dgm:prSet presAssocID="{BBCEB914-6A20-4D4C-B68C-4463DAD087AC}" presName="hierChild3" presStyleCnt="0"/>
       <dgm:spPr/>
     </dgm:pt>
-    <dgm:pt modelId="{060BA2E6-BC2F-4814-A85C-6DC7253BD97B}" type="pres">
-      <dgm:prSet presAssocID="{1426985E-D600-4C00-A345-1C80A96A5A22}" presName="Name17" presStyleLbl="parChTrans1D3" presStyleIdx="0" presStyleCnt="2"/>
+    <dgm:pt modelId="{99AC887F-33B1-5C4B-A7EA-E6254A4B2B6D}" type="pres">
+      <dgm:prSet presAssocID="{D30E055E-D607-49F8-85CD-B84BB4CE6177}" presName="Name10" presStyleLbl="parChTrans1D2" presStyleIdx="1" presStyleCnt="4"/>
       <dgm:spPr/>
     </dgm:pt>
-    <dgm:pt modelId="{381CE038-1E97-4A4B-8FF0-786A26DD5FFB}" type="pres">
-      <dgm:prSet presAssocID="{78843328-906C-4924-BD0D-2FB02D997F23}" presName="hierRoot3" presStyleCnt="0"/>
+    <dgm:pt modelId="{14035768-E76C-6040-A187-B880B4B39641}" type="pres">
+      <dgm:prSet presAssocID="{374E0AD8-B951-4B39-876A-D99BFA958D77}" presName="hierRoot2" presStyleCnt="0"/>
       <dgm:spPr/>
     </dgm:pt>
-    <dgm:pt modelId="{78F26FC0-0EF5-42B7-8C5E-9D60AD92A37F}" type="pres">
-      <dgm:prSet presAssocID="{78843328-906C-4924-BD0D-2FB02D997F23}" presName="composite3" presStyleCnt="0"/>
+    <dgm:pt modelId="{19D33241-189B-144B-A203-8E4B205E82E2}" type="pres">
+      <dgm:prSet presAssocID="{374E0AD8-B951-4B39-876A-D99BFA958D77}" presName="composite2" presStyleCnt="0"/>
       <dgm:spPr/>
     </dgm:pt>
-    <dgm:pt modelId="{E0699E82-1611-4960-B549-DDF77DA1FB71}" type="pres">
-      <dgm:prSet presAssocID="{78843328-906C-4924-BD0D-2FB02D997F23}" presName="background3" presStyleLbl="node3" presStyleIdx="0" presStyleCnt="2"/>
+    <dgm:pt modelId="{B25A926C-83AC-6341-BA31-F6A7AF7BB34E}" type="pres">
+      <dgm:prSet presAssocID="{374E0AD8-B951-4B39-876A-D99BFA958D77}" presName="background2" presStyleLbl="node2" presStyleIdx="1" presStyleCnt="4"/>
       <dgm:spPr/>
     </dgm:pt>
-    <dgm:pt modelId="{C97349B7-3A58-4D34-BBE2-11C9CC4C8382}" type="pres">
-      <dgm:prSet presAssocID="{78843328-906C-4924-BD0D-2FB02D997F23}" presName="text3" presStyleLbl="fgAcc3" presStyleIdx="0" presStyleCnt="2">
+    <dgm:pt modelId="{43DD81C4-94F9-3348-8F6E-DD1CAAC37F14}" type="pres">
+      <dgm:prSet presAssocID="{374E0AD8-B951-4B39-876A-D99BFA958D77}" presName="text2" presStyleLbl="fgAcc2" presStyleIdx="1" presStyleCnt="4">
         <dgm:presLayoutVars>
           <dgm:chPref val="3"/>
         </dgm:presLayoutVars>
       </dgm:prSet>
       <dgm:spPr/>
     </dgm:pt>
-    <dgm:pt modelId="{C55766E4-BD87-443D-AD06-41111BCCA9E8}" type="pres">
+    <dgm:pt modelId="{5884C76D-B718-8648-BD19-B4C78BC226AD}" type="pres">
+      <dgm:prSet presAssocID="{374E0AD8-B951-4B39-876A-D99BFA958D77}" presName="hierChild3" presStyleCnt="0"/>
+      <dgm:spPr/>
+    </dgm:pt>
+    <dgm:pt modelId="{A457EF02-6141-BD41-B5FB-062B73745800}" type="pres">
+      <dgm:prSet presAssocID="{94C49DB8-46D8-4526-A99A-7DE191796341}" presName="Name10" presStyleLbl="parChTrans1D2" presStyleIdx="2" presStyleCnt="4"/>
+      <dgm:spPr/>
+    </dgm:pt>
+    <dgm:pt modelId="{32D8A7EF-6037-3C45-89F2-5BEEF1A1BDEF}" type="pres">
+      <dgm:prSet presAssocID="{48C58C6D-24C3-4822-BF0C-88AF81791917}" presName="hierRoot2" presStyleCnt="0"/>
+      <dgm:spPr/>
+    </dgm:pt>
+    <dgm:pt modelId="{C210AFE1-5557-CE42-BA74-83069D1916B8}" type="pres">
+      <dgm:prSet presAssocID="{48C58C6D-24C3-4822-BF0C-88AF81791917}" presName="composite2" presStyleCnt="0"/>
+      <dgm:spPr/>
+    </dgm:pt>
+    <dgm:pt modelId="{53EA03DA-1543-1E4A-89F5-CE677A06B0D4}" type="pres">
+      <dgm:prSet presAssocID="{48C58C6D-24C3-4822-BF0C-88AF81791917}" presName="background2" presStyleLbl="node2" presStyleIdx="2" presStyleCnt="4"/>
+      <dgm:spPr/>
+    </dgm:pt>
+    <dgm:pt modelId="{22A887B8-4862-A04B-A5C8-AF2EF10C6B45}" type="pres">
+      <dgm:prSet presAssocID="{48C58C6D-24C3-4822-BF0C-88AF81791917}" presName="text2" presStyleLbl="fgAcc2" presStyleIdx="2" presStyleCnt="4">
+        <dgm:presLayoutVars>
+          <dgm:chPref val="3"/>
+        </dgm:presLayoutVars>
+      </dgm:prSet>
+      <dgm:spPr/>
+    </dgm:pt>
+    <dgm:pt modelId="{1F7BE7E7-6747-A24F-8706-50C67C0DB330}" type="pres">
+      <dgm:prSet presAssocID="{48C58C6D-24C3-4822-BF0C-88AF81791917}" presName="hierChild3" presStyleCnt="0"/>
+      <dgm:spPr/>
+    </dgm:pt>
+    <dgm:pt modelId="{A1E4A5CD-BF3B-7A4E-BE82-6B3CC2E56B81}" type="pres">
+      <dgm:prSet presAssocID="{076117A5-CE37-4461-A9CB-732EDE5945BE}" presName="Name10" presStyleLbl="parChTrans1D2" presStyleIdx="3" presStyleCnt="4"/>
+      <dgm:spPr/>
+    </dgm:pt>
+    <dgm:pt modelId="{5F87D028-F7F4-5746-87BD-3C392AFB80BD}" type="pres">
+      <dgm:prSet presAssocID="{74CEB8FD-15FF-412A-9600-8271050BED58}" presName="hierRoot2" presStyleCnt="0"/>
+      <dgm:spPr/>
+    </dgm:pt>
+    <dgm:pt modelId="{C4C886F9-2B94-4848-B3EA-CFE528921D5F}" type="pres">
+      <dgm:prSet presAssocID="{74CEB8FD-15FF-412A-9600-8271050BED58}" presName="composite2" presStyleCnt="0"/>
+      <dgm:spPr/>
+    </dgm:pt>
+    <dgm:pt modelId="{FB8DD86C-0B47-AE4E-85D0-59C116CCBB62}" type="pres">
+      <dgm:prSet presAssocID="{74CEB8FD-15FF-412A-9600-8271050BED58}" presName="background2" presStyleLbl="node2" presStyleIdx="3" presStyleCnt="4"/>
+      <dgm:spPr/>
+    </dgm:pt>
+    <dgm:pt modelId="{0F522DE3-D9B8-3542-BE72-F479BAA3FB13}" type="pres">
+      <dgm:prSet presAssocID="{74CEB8FD-15FF-412A-9600-8271050BED58}" presName="text2" presStyleLbl="fgAcc2" presStyleIdx="3" presStyleCnt="4">
+        <dgm:presLayoutVars>
+          <dgm:chPref val="3"/>
+        </dgm:presLayoutVars>
+      </dgm:prSet>
+      <dgm:spPr/>
+    </dgm:pt>
+    <dgm:pt modelId="{2F2E419F-015F-5943-9474-E804406BE4F3}" type="pres">
+      <dgm:prSet presAssocID="{74CEB8FD-15FF-412A-9600-8271050BED58}" presName="hierChild3" presStyleCnt="0"/>
+      <dgm:spPr/>
+    </dgm:pt>
+    <dgm:pt modelId="{A87B2D47-FF3A-0C4A-BF84-6D8831E376F4}" type="pres">
+      <dgm:prSet presAssocID="{1426985E-D600-4C00-A345-1C80A96A5A22}" presName="Name17" presStyleLbl="parChTrans1D3" presStyleIdx="0" presStyleCnt="1"/>
+      <dgm:spPr/>
+    </dgm:pt>
+    <dgm:pt modelId="{F00CD17C-C067-1B4D-AF5E-E2647EDA20B8}" type="pres">
+      <dgm:prSet presAssocID="{78843328-906C-4924-BD0D-2FB02D997F23}" presName="hierRoot3" presStyleCnt="0"/>
+      <dgm:spPr/>
+    </dgm:pt>
+    <dgm:pt modelId="{8E818DD1-24A9-B14A-AABE-3E0277CEE382}" type="pres">
+      <dgm:prSet presAssocID="{78843328-906C-4924-BD0D-2FB02D997F23}" presName="composite3" presStyleCnt="0"/>
+      <dgm:spPr/>
+    </dgm:pt>
+    <dgm:pt modelId="{7078F264-EA29-3949-89F1-AEBE9C767A77}" type="pres">
+      <dgm:prSet presAssocID="{78843328-906C-4924-BD0D-2FB02D997F23}" presName="background3" presStyleLbl="node3" presStyleIdx="0" presStyleCnt="1"/>
+      <dgm:spPr/>
+    </dgm:pt>
+    <dgm:pt modelId="{52354F52-903C-964E-9C70-F0085EDCEA54}" type="pres">
+      <dgm:prSet presAssocID="{78843328-906C-4924-BD0D-2FB02D997F23}" presName="text3" presStyleLbl="fgAcc3" presStyleIdx="0" presStyleCnt="1">
+        <dgm:presLayoutVars>
+          <dgm:chPref val="3"/>
+        </dgm:presLayoutVars>
+      </dgm:prSet>
+      <dgm:spPr/>
+    </dgm:pt>
+    <dgm:pt modelId="{551BDD7A-8F86-B24E-8BE2-8371BC1553E7}" type="pres">
       <dgm:prSet presAssocID="{78843328-906C-4924-BD0D-2FB02D997F23}" presName="hierChild4" presStyleCnt="0"/>
       <dgm:spPr/>
     </dgm:pt>
-    <dgm:pt modelId="{CA334296-A724-406C-A91A-6BBD1B0B3DC1}" type="pres">
+    <dgm:pt modelId="{7E2B656D-C82E-8444-99CA-19D3B6FACA64}" type="pres">
       <dgm:prSet presAssocID="{CD756865-78CE-44C1-811F-E0312E421B0E}" presName="Name23" presStyleLbl="parChTrans1D4" presStyleIdx="0" presStyleCnt="4"/>
       <dgm:spPr/>
     </dgm:pt>
-    <dgm:pt modelId="{B9677301-D2AD-46A6-B20F-2B9950FA223D}" type="pres">
+    <dgm:pt modelId="{2117A2A7-54DE-F441-B042-B55AA639DE28}" type="pres">
       <dgm:prSet presAssocID="{6796CB94-8280-43F3-AAA0-6734710FAFF4}" presName="hierRoot4" presStyleCnt="0"/>
       <dgm:spPr/>
     </dgm:pt>
-    <dgm:pt modelId="{5BAA20B7-E947-4937-8EA3-B37204FA4BD9}" type="pres">
+    <dgm:pt modelId="{29031202-9ABA-D44A-8FD6-B8317F9CAF63}" type="pres">
       <dgm:prSet presAssocID="{6796CB94-8280-43F3-AAA0-6734710FAFF4}" presName="composite4" presStyleCnt="0"/>
       <dgm:spPr/>
     </dgm:pt>
-    <dgm:pt modelId="{9D1C7C49-97ED-4C21-B919-DF2850165668}" type="pres">
+    <dgm:pt modelId="{3B375CF9-B02A-5D4D-933E-07834968E434}" type="pres">
       <dgm:prSet presAssocID="{6796CB94-8280-43F3-AAA0-6734710FAFF4}" presName="background4" presStyleLbl="node4" presStyleIdx="0" presStyleCnt="4"/>
       <dgm:spPr/>
     </dgm:pt>
-    <dgm:pt modelId="{C903BF03-0D96-4C3E-BF6C-AC78B3361F84}" type="pres">
+    <dgm:pt modelId="{EF0E4FE6-1AC1-BE44-B1A4-30FD7443D3BC}" type="pres">
       <dgm:prSet presAssocID="{6796CB94-8280-43F3-AAA0-6734710FAFF4}" presName="text4" presStyleLbl="fgAcc4" presStyleIdx="0" presStyleCnt="4">
         <dgm:presLayoutVars>
           <dgm:chPref val="3"/>
@@ -2476,27 +2552,27 @@
       </dgm:prSet>
       <dgm:spPr/>
     </dgm:pt>
-    <dgm:pt modelId="{31F5FAC6-E190-4D22-AA7D-0E9585D2B5CF}" type="pres">
+    <dgm:pt modelId="{BE1D5A24-8FFB-6648-9C0B-38DF676DB0BE}" type="pres">
       <dgm:prSet presAssocID="{6796CB94-8280-43F3-AAA0-6734710FAFF4}" presName="hierChild5" presStyleCnt="0"/>
       <dgm:spPr/>
     </dgm:pt>
-    <dgm:pt modelId="{E60AB85E-9CF8-414F-B7FB-ACE9A6A94276}" type="pres">
+    <dgm:pt modelId="{EBB40B41-17FA-664B-B3C4-90A585B668D5}" type="pres">
       <dgm:prSet presAssocID="{A0182BB4-A04E-4566-95B9-F30C839836E6}" presName="Name23" presStyleLbl="parChTrans1D4" presStyleIdx="1" presStyleCnt="4"/>
       <dgm:spPr/>
     </dgm:pt>
-    <dgm:pt modelId="{B417B829-AB66-466D-9F6B-F442DAC24757}" type="pres">
+    <dgm:pt modelId="{3EDDA0DD-B02D-B147-B0BE-FF8E5B50D558}" type="pres">
       <dgm:prSet presAssocID="{7ABDAF2D-7AB6-4B4C-AA93-A07C5C1188AF}" presName="hierRoot4" presStyleCnt="0"/>
       <dgm:spPr/>
     </dgm:pt>
-    <dgm:pt modelId="{8ACB5E48-1022-4BC8-A246-08BDB16138A7}" type="pres">
+    <dgm:pt modelId="{24EC06F1-7D22-D441-A320-915B6830F29C}" type="pres">
       <dgm:prSet presAssocID="{7ABDAF2D-7AB6-4B4C-AA93-A07C5C1188AF}" presName="composite4" presStyleCnt="0"/>
       <dgm:spPr/>
     </dgm:pt>
-    <dgm:pt modelId="{9B095961-EF97-4CE7-9715-3F40B20A25AB}" type="pres">
+    <dgm:pt modelId="{DBF3BB4C-1F54-4448-91A2-357930BB67E8}" type="pres">
       <dgm:prSet presAssocID="{7ABDAF2D-7AB6-4B4C-AA93-A07C5C1188AF}" presName="background4" presStyleLbl="node4" presStyleIdx="1" presStyleCnt="4"/>
       <dgm:spPr/>
     </dgm:pt>
-    <dgm:pt modelId="{1E8A9D08-188A-4ABC-AD24-B95FC4EF99F1}" type="pres">
+    <dgm:pt modelId="{383B2FC9-B311-4A4F-B20C-2AD448DEF120}" type="pres">
       <dgm:prSet presAssocID="{7ABDAF2D-7AB6-4B4C-AA93-A07C5C1188AF}" presName="text4" presStyleLbl="fgAcc4" presStyleIdx="1" presStyleCnt="4">
         <dgm:presLayoutVars>
           <dgm:chPref val="3"/>
@@ -2504,27 +2580,27 @@
       </dgm:prSet>
       <dgm:spPr/>
     </dgm:pt>
-    <dgm:pt modelId="{2F69423F-3851-47AF-BF01-D5CEBB1F0023}" type="pres">
+    <dgm:pt modelId="{7A0F3779-50B9-3A47-A9D2-3EF534BC4A8A}" type="pres">
       <dgm:prSet presAssocID="{7ABDAF2D-7AB6-4B4C-AA93-A07C5C1188AF}" presName="hierChild5" presStyleCnt="0"/>
       <dgm:spPr/>
     </dgm:pt>
-    <dgm:pt modelId="{7AD761FC-F065-4ACA-9B4E-6D3957656451}" type="pres">
+    <dgm:pt modelId="{167BB921-9B78-3F49-BAE0-034F4BBC19D9}" type="pres">
       <dgm:prSet presAssocID="{74BB6DDE-8B53-4F51-B942-95A1C0B261C8}" presName="Name23" presStyleLbl="parChTrans1D4" presStyleIdx="2" presStyleCnt="4"/>
       <dgm:spPr/>
     </dgm:pt>
-    <dgm:pt modelId="{1C509DDA-F4A3-45DF-B375-816C151A9848}" type="pres">
+    <dgm:pt modelId="{9E989B97-F661-7348-B821-B302B8E6EA19}" type="pres">
       <dgm:prSet presAssocID="{0128EE23-9AAA-49DE-A11C-D667C6948C9E}" presName="hierRoot4" presStyleCnt="0"/>
       <dgm:spPr/>
     </dgm:pt>
-    <dgm:pt modelId="{9EF31CAE-CFD9-47A7-9DC0-A910A6A5D27D}" type="pres">
+    <dgm:pt modelId="{6EA69BAC-0720-344F-9A66-B922869B27D1}" type="pres">
       <dgm:prSet presAssocID="{0128EE23-9AAA-49DE-A11C-D667C6948C9E}" presName="composite4" presStyleCnt="0"/>
       <dgm:spPr/>
     </dgm:pt>
-    <dgm:pt modelId="{8A814E02-9FEC-4835-9266-F9D1EEB210CC}" type="pres">
+    <dgm:pt modelId="{493AC69D-AB27-EE4B-83D4-41285055D9B8}" type="pres">
       <dgm:prSet presAssocID="{0128EE23-9AAA-49DE-A11C-D667C6948C9E}" presName="background4" presStyleLbl="node4" presStyleIdx="2" presStyleCnt="4"/>
       <dgm:spPr/>
     </dgm:pt>
-    <dgm:pt modelId="{E1E4A42E-2D13-4D7D-A766-A7499CD73E67}" type="pres">
+    <dgm:pt modelId="{424A924C-A6C9-7E49-A58A-5491C147BDA0}" type="pres">
       <dgm:prSet presAssocID="{0128EE23-9AAA-49DE-A11C-D667C6948C9E}" presName="text4" presStyleLbl="fgAcc4" presStyleIdx="2" presStyleCnt="4">
         <dgm:presLayoutVars>
           <dgm:chPref val="3"/>
@@ -2532,27 +2608,27 @@
       </dgm:prSet>
       <dgm:spPr/>
     </dgm:pt>
-    <dgm:pt modelId="{68EF1DF5-581A-4115-B778-32D9BD06CFEE}" type="pres">
+    <dgm:pt modelId="{8CA14ECD-01CC-644E-9A64-73A3B053D22F}" type="pres">
       <dgm:prSet presAssocID="{0128EE23-9AAA-49DE-A11C-D667C6948C9E}" presName="hierChild5" presStyleCnt="0"/>
       <dgm:spPr/>
     </dgm:pt>
-    <dgm:pt modelId="{CC8A275F-AD2B-4809-880E-7A32583020DC}" type="pres">
+    <dgm:pt modelId="{F91058B3-518B-9B4B-9248-C5D4B7CD7348}" type="pres">
       <dgm:prSet presAssocID="{F6742098-15D4-40B6-851F-521E7185192E}" presName="Name23" presStyleLbl="parChTrans1D4" presStyleIdx="3" presStyleCnt="4"/>
       <dgm:spPr/>
     </dgm:pt>
-    <dgm:pt modelId="{94303F46-E7F0-4295-AEE1-C71F0A866022}" type="pres">
+    <dgm:pt modelId="{98059102-3C96-4641-9676-7D641D5B0F3F}" type="pres">
       <dgm:prSet presAssocID="{28E1E02D-522A-4557-8F45-C854FA76D5A6}" presName="hierRoot4" presStyleCnt="0"/>
       <dgm:spPr/>
     </dgm:pt>
-    <dgm:pt modelId="{BDFECF95-C9CE-4F93-AAC2-99112DE99128}" type="pres">
+    <dgm:pt modelId="{05E25E38-0214-9247-B5D0-A344539286ED}" type="pres">
       <dgm:prSet presAssocID="{28E1E02D-522A-4557-8F45-C854FA76D5A6}" presName="composite4" presStyleCnt="0"/>
       <dgm:spPr/>
     </dgm:pt>
-    <dgm:pt modelId="{22283078-E456-4BA5-ACD1-CAB945606245}" type="pres">
+    <dgm:pt modelId="{47E08C33-E9D9-E64A-9614-C2C145183E9A}" type="pres">
       <dgm:prSet presAssocID="{28E1E02D-522A-4557-8F45-C854FA76D5A6}" presName="background4" presStyleLbl="node4" presStyleIdx="3" presStyleCnt="4"/>
       <dgm:spPr/>
     </dgm:pt>
-    <dgm:pt modelId="{6A7714B3-215F-43AF-B3E3-668E1E0F1271}" type="pres">
+    <dgm:pt modelId="{06D1F2E0-29F1-FA41-B53E-B71E7EBE1937}" type="pres">
       <dgm:prSet presAssocID="{28E1E02D-522A-4557-8F45-C854FA76D5A6}" presName="text4" presStyleLbl="fgAcc4" presStyleIdx="3" presStyleCnt="4">
         <dgm:presLayoutVars>
           <dgm:chPref val="3"/>
@@ -2560,84 +2636,32 @@
       </dgm:prSet>
       <dgm:spPr/>
     </dgm:pt>
-    <dgm:pt modelId="{C26AA891-A36E-4C27-BCDE-B6B67DDF27FA}" type="pres">
+    <dgm:pt modelId="{7EC3FE7B-E9EF-844D-9E79-DC23A0F24195}" type="pres">
       <dgm:prSet presAssocID="{28E1E02D-522A-4557-8F45-C854FA76D5A6}" presName="hierChild5" presStyleCnt="0"/>
       <dgm:spPr/>
     </dgm:pt>
-    <dgm:pt modelId="{19A712F4-D926-4704-ACA3-CA8041362B98}" type="pres">
-      <dgm:prSet presAssocID="{D30E055E-D607-49F8-85CD-B84BB4CE6177}" presName="Name17" presStyleLbl="parChTrans1D3" presStyleIdx="1" presStyleCnt="2"/>
+    <dgm:pt modelId="{9CCEA304-0603-804D-AFA2-7FA9C8670113}" type="pres">
+      <dgm:prSet presAssocID="{53ECB418-F142-4673-9A50-F16BB291B098}" presName="hierRoot1" presStyleCnt="0"/>
       <dgm:spPr/>
     </dgm:pt>
-    <dgm:pt modelId="{703765E8-F9EF-4461-8A73-D54138EF8DC1}" type="pres">
-      <dgm:prSet presAssocID="{374E0AD8-B951-4B39-876A-D99BFA958D77}" presName="hierRoot3" presStyleCnt="0"/>
+    <dgm:pt modelId="{5E8C38BE-1926-E849-8013-2674C0B39085}" type="pres">
+      <dgm:prSet presAssocID="{53ECB418-F142-4673-9A50-F16BB291B098}" presName="composite" presStyleCnt="0"/>
       <dgm:spPr/>
     </dgm:pt>
-    <dgm:pt modelId="{2F8B6C04-0345-4168-81B1-5A9B681FBB9C}" type="pres">
-      <dgm:prSet presAssocID="{374E0AD8-B951-4B39-876A-D99BFA958D77}" presName="composite3" presStyleCnt="0"/>
+    <dgm:pt modelId="{74789294-2F5B-9040-BF5F-AC429ECD8B9D}" type="pres">
+      <dgm:prSet presAssocID="{53ECB418-F142-4673-9A50-F16BB291B098}" presName="background" presStyleLbl="node0" presStyleIdx="1" presStyleCnt="3"/>
       <dgm:spPr/>
     </dgm:pt>
-    <dgm:pt modelId="{35568C11-3B94-408D-8217-0898C81C0278}" type="pres">
-      <dgm:prSet presAssocID="{374E0AD8-B951-4B39-876A-D99BFA958D77}" presName="background3" presStyleLbl="node3" presStyleIdx="1" presStyleCnt="2"/>
-      <dgm:spPr/>
-    </dgm:pt>
-    <dgm:pt modelId="{93BBEF11-035C-4D84-8357-D8F86E0B6105}" type="pres">
-      <dgm:prSet presAssocID="{374E0AD8-B951-4B39-876A-D99BFA958D77}" presName="text3" presStyleLbl="fgAcc3" presStyleIdx="1" presStyleCnt="2" custLinFactNeighborX="30746" custLinFactNeighborY="3062">
+    <dgm:pt modelId="{09C1D2D3-B245-CC4E-ACCE-BD041DCECD09}" type="pres">
+      <dgm:prSet presAssocID="{53ECB418-F142-4673-9A50-F16BB291B098}" presName="text" presStyleLbl="fgAcc0" presStyleIdx="1" presStyleCnt="3">
         <dgm:presLayoutVars>
           <dgm:chPref val="3"/>
         </dgm:presLayoutVars>
       </dgm:prSet>
       <dgm:spPr/>
     </dgm:pt>
-    <dgm:pt modelId="{C3BB6071-F0FB-4E5A-BD68-EC34A7A27FAD}" type="pres">
-      <dgm:prSet presAssocID="{374E0AD8-B951-4B39-876A-D99BFA958D77}" presName="hierChild4" presStyleCnt="0"/>
-      <dgm:spPr/>
-    </dgm:pt>
-    <dgm:pt modelId="{3C0BBE62-614C-462D-9550-8DE14C696243}" type="pres">
-      <dgm:prSet presAssocID="{53ECB418-F142-4673-9A50-F16BB291B098}" presName="hierRoot1" presStyleCnt="0"/>
-      <dgm:spPr/>
-    </dgm:pt>
-    <dgm:pt modelId="{AFAF7BDF-26B3-445A-8C52-FB83492C7F8B}" type="pres">
-      <dgm:prSet presAssocID="{53ECB418-F142-4673-9A50-F16BB291B098}" presName="composite" presStyleCnt="0"/>
-      <dgm:spPr/>
-    </dgm:pt>
-    <dgm:pt modelId="{904EFECA-047E-45E3-8C4E-ED289A715E23}" type="pres">
-      <dgm:prSet presAssocID="{53ECB418-F142-4673-9A50-F16BB291B098}" presName="background" presStyleLbl="node0" presStyleIdx="1" presStyleCnt="5"/>
-      <dgm:spPr/>
-    </dgm:pt>
-    <dgm:pt modelId="{25BBB2D9-3631-4FBD-BF4D-CEEC5CAFFFAE}" type="pres">
-      <dgm:prSet presAssocID="{53ECB418-F142-4673-9A50-F16BB291B098}" presName="text" presStyleLbl="fgAcc0" presStyleIdx="1" presStyleCnt="5">
-        <dgm:presLayoutVars>
-          <dgm:chPref val="3"/>
-        </dgm:presLayoutVars>
-      </dgm:prSet>
-      <dgm:spPr/>
-    </dgm:pt>
-    <dgm:pt modelId="{322F4565-07B0-4F54-B2F7-B72096512B3E}" type="pres">
+    <dgm:pt modelId="{DCA8393C-52F8-4A41-A8FD-C56512D5FC70}" type="pres">
       <dgm:prSet presAssocID="{53ECB418-F142-4673-9A50-F16BB291B098}" presName="hierChild2" presStyleCnt="0"/>
-      <dgm:spPr/>
-    </dgm:pt>
-    <dgm:pt modelId="{80752E3B-B17A-4609-BCE8-5730C62FB87C}" type="pres">
-      <dgm:prSet presAssocID="{74CEB8FD-15FF-412A-9600-8271050BED58}" presName="hierRoot1" presStyleCnt="0"/>
-      <dgm:spPr/>
-    </dgm:pt>
-    <dgm:pt modelId="{E72715EC-E535-42C7-B079-928CA873DC0E}" type="pres">
-      <dgm:prSet presAssocID="{74CEB8FD-15FF-412A-9600-8271050BED58}" presName="composite" presStyleCnt="0"/>
-      <dgm:spPr/>
-    </dgm:pt>
-    <dgm:pt modelId="{BF1D155D-345E-4E6D-9D48-95854F58DD89}" type="pres">
-      <dgm:prSet presAssocID="{74CEB8FD-15FF-412A-9600-8271050BED58}" presName="background" presStyleLbl="node0" presStyleIdx="2" presStyleCnt="5"/>
-      <dgm:spPr/>
-    </dgm:pt>
-    <dgm:pt modelId="{F0C44D0B-DBEC-4EC7-A5DC-5526B94D7B7F}" type="pres">
-      <dgm:prSet presAssocID="{74CEB8FD-15FF-412A-9600-8271050BED58}" presName="text" presStyleLbl="fgAcc0" presStyleIdx="2" presStyleCnt="5">
-        <dgm:presLayoutVars>
-          <dgm:chPref val="3"/>
-        </dgm:presLayoutVars>
-      </dgm:prSet>
-      <dgm:spPr/>
-    </dgm:pt>
-    <dgm:pt modelId="{CC0DFED7-AE4F-44AD-BA20-4E371D8C6B08}" type="pres">
-      <dgm:prSet presAssocID="{74CEB8FD-15FF-412A-9600-8271050BED58}" presName="hierChild2" presStyleCnt="0"/>
       <dgm:spPr/>
     </dgm:pt>
     <dgm:pt modelId="{C8AB7B1F-F186-40B2-AF67-821451E95766}" type="pres">
@@ -2649,11 +2673,11 @@
       <dgm:spPr/>
     </dgm:pt>
     <dgm:pt modelId="{E6D57BCF-B9A3-4CD3-83B3-8F8B66EB32FB}" type="pres">
-      <dgm:prSet presAssocID="{11FBABEF-6C42-4A6F-BCA2-F180F73FA1CA}" presName="background" presStyleLbl="node0" presStyleIdx="3" presStyleCnt="5"/>
+      <dgm:prSet presAssocID="{11FBABEF-6C42-4A6F-BCA2-F180F73FA1CA}" presName="background" presStyleLbl="node0" presStyleIdx="2" presStyleCnt="3"/>
       <dgm:spPr/>
     </dgm:pt>
     <dgm:pt modelId="{835094C1-6C42-48BA-A297-CCAD381C1138}" type="pres">
-      <dgm:prSet presAssocID="{11FBABEF-6C42-4A6F-BCA2-F180F73FA1CA}" presName="text" presStyleLbl="fgAcc0" presStyleIdx="3" presStyleCnt="5">
+      <dgm:prSet presAssocID="{11FBABEF-6C42-4A6F-BCA2-F180F73FA1CA}" presName="text" presStyleLbl="fgAcc0" presStyleIdx="2" presStyleCnt="3">
         <dgm:presLayoutVars>
           <dgm:chPref val="3"/>
         </dgm:presLayoutVars>
@@ -2664,131 +2688,111 @@
       <dgm:prSet presAssocID="{11FBABEF-6C42-4A6F-BCA2-F180F73FA1CA}" presName="hierChild2" presStyleCnt="0"/>
       <dgm:spPr/>
     </dgm:pt>
-    <dgm:pt modelId="{A227F808-5A6F-4499-A501-FD276F6C2E52}" type="pres">
-      <dgm:prSet presAssocID="{48C58C6D-24C3-4822-BF0C-88AF81791917}" presName="hierRoot1" presStyleCnt="0"/>
-      <dgm:spPr/>
-    </dgm:pt>
-    <dgm:pt modelId="{FDDA6D9C-F386-4A1C-BC04-B91611B746FB}" type="pres">
-      <dgm:prSet presAssocID="{48C58C6D-24C3-4822-BF0C-88AF81791917}" presName="composite" presStyleCnt="0"/>
-      <dgm:spPr/>
-    </dgm:pt>
-    <dgm:pt modelId="{08959B5D-762C-44E4-92B0-95599D3AD295}" type="pres">
-      <dgm:prSet presAssocID="{48C58C6D-24C3-4822-BF0C-88AF81791917}" presName="background" presStyleLbl="node0" presStyleIdx="4" presStyleCnt="5"/>
-      <dgm:spPr/>
-    </dgm:pt>
-    <dgm:pt modelId="{EBCA1C42-7D11-4FFB-AA6A-94DEA5511FA7}" type="pres">
-      <dgm:prSet presAssocID="{48C58C6D-24C3-4822-BF0C-88AF81791917}" presName="text" presStyleLbl="fgAcc0" presStyleIdx="4" presStyleCnt="5">
-        <dgm:presLayoutVars>
-          <dgm:chPref val="3"/>
-        </dgm:presLayoutVars>
-      </dgm:prSet>
-      <dgm:spPr/>
-    </dgm:pt>
-    <dgm:pt modelId="{4633B20E-F8CE-47C1-BF06-90ADF5186C6B}" type="pres">
-      <dgm:prSet presAssocID="{48C58C6D-24C3-4822-BF0C-88AF81791917}" presName="hierChild2" presStyleCnt="0"/>
-      <dgm:spPr/>
-    </dgm:pt>
   </dgm:ptLst>
   <dgm:cxnLst>
+    <dgm:cxn modelId="{6F093201-BEAD-F749-BFCF-56E85E1DB15B}" type="presOf" srcId="{E3B1403E-AB6F-4FCF-AD1E-F3CE23E9E79A}" destId="{0BDF7E12-6962-274E-85CD-EB37CA7EB5C9}" srcOrd="0" destOrd="0" presId="urn:microsoft.com/office/officeart/2005/8/layout/hierarchy1"/>
     <dgm:cxn modelId="{465C2A02-47BF-43AD-B30B-84308AFBF830}" srcId="{A0C052F7-8892-41EC-8574-9D187E83A1F4}" destId="{53ECB418-F142-4673-9A50-F16BB291B098}" srcOrd="1" destOrd="0" parTransId="{ED38DD21-0ADB-47C9-A8ED-7D5F62FDD823}" sibTransId="{60EC493E-D0D7-4B65-BACA-DB8B0E92DD93}"/>
-    <dgm:cxn modelId="{AEC80011-5191-4164-9DEC-BBFD72F6F68C}" type="presOf" srcId="{374E0AD8-B951-4B39-876A-D99BFA958D77}" destId="{93BBEF11-035C-4D84-8357-D8F86E0B6105}" srcOrd="0" destOrd="0" presId="urn:microsoft.com/office/officeart/2005/8/layout/hierarchy1"/>
+    <dgm:cxn modelId="{F45D570A-F29F-1B46-A1C9-72A0C15A0413}" type="presOf" srcId="{11FBABEF-6C42-4A6F-BCA2-F180F73FA1CA}" destId="{835094C1-6C42-48BA-A297-CCAD381C1138}" srcOrd="0" destOrd="0" presId="urn:microsoft.com/office/officeart/2005/8/layout/hierarchy1"/>
+    <dgm:cxn modelId="{D3461010-3006-194C-9529-AB61C9C316AE}" type="presOf" srcId="{1426985E-D600-4C00-A345-1C80A96A5A22}" destId="{A87B2D47-FF3A-0C4A-BF84-6D8831E376F4}" srcOrd="0" destOrd="0" presId="urn:microsoft.com/office/officeart/2005/8/layout/hierarchy1"/>
+    <dgm:cxn modelId="{19F66710-AB79-6643-A092-C147C5EEDD42}" type="presOf" srcId="{53ECB418-F142-4673-9A50-F16BB291B098}" destId="{09C1D2D3-B245-CC4E-ACCE-BD041DCECD09}" srcOrd="0" destOrd="0" presId="urn:microsoft.com/office/officeart/2005/8/layout/hierarchy1"/>
     <dgm:cxn modelId="{9B707714-933A-49AF-AF23-B802C6A54EA8}" srcId="{78843328-906C-4924-BD0D-2FB02D997F23}" destId="{7ABDAF2D-7AB6-4B4C-AA93-A07C5C1188AF}" srcOrd="1" destOrd="0" parTransId="{A0182BB4-A04E-4566-95B9-F30C839836E6}" sibTransId="{9B1D7582-96A1-4A42-A268-F15B05F4B8F6}"/>
-    <dgm:cxn modelId="{82B01C17-F873-414C-8E8B-A227E38F9713}" type="presOf" srcId="{74BB6DDE-8B53-4F51-B942-95A1C0B261C8}" destId="{7AD761FC-F065-4ACA-9B4E-6D3957656451}" srcOrd="0" destOrd="0" presId="urn:microsoft.com/office/officeart/2005/8/layout/hierarchy1"/>
-    <dgm:cxn modelId="{3D899D22-CCDB-4147-8232-B38F9DE0DD0A}" type="presOf" srcId="{48C58C6D-24C3-4822-BF0C-88AF81791917}" destId="{EBCA1C42-7D11-4FFB-AA6A-94DEA5511FA7}" srcOrd="0" destOrd="0" presId="urn:microsoft.com/office/officeart/2005/8/layout/hierarchy1"/>
-    <dgm:cxn modelId="{F2211033-DAA5-4013-BB28-6BE7B56C3ADE}" srcId="{A0C052F7-8892-41EC-8574-9D187E83A1F4}" destId="{11FBABEF-6C42-4A6F-BCA2-F180F73FA1CA}" srcOrd="3" destOrd="0" parTransId="{F8BA1E54-2E61-4053-8994-F14D29BFC330}" sibTransId="{C6BE0FAE-2162-412F-B29C-991C2B6D5E64}"/>
+    <dgm:cxn modelId="{F600BF1B-28A6-7540-A4ED-79A26F78E40D}" type="presOf" srcId="{BBCEB914-6A20-4D4C-B68C-4463DAD087AC}" destId="{60886B65-FBD7-3244-B035-C27610542378}" srcOrd="0" destOrd="0" presId="urn:microsoft.com/office/officeart/2005/8/layout/hierarchy1"/>
+    <dgm:cxn modelId="{F2211033-DAA5-4013-BB28-6BE7B56C3ADE}" srcId="{A0C052F7-8892-41EC-8574-9D187E83A1F4}" destId="{11FBABEF-6C42-4A6F-BCA2-F180F73FA1CA}" srcOrd="2" destOrd="0" parTransId="{F8BA1E54-2E61-4053-8994-F14D29BFC330}" sibTransId="{C6BE0FAE-2162-412F-B29C-991C2B6D5E64}"/>
     <dgm:cxn modelId="{BEDB1A3F-5FC8-474E-9F5B-C96E7DE85544}" type="presOf" srcId="{A0C052F7-8892-41EC-8574-9D187E83A1F4}" destId="{528D0D30-2D33-4EC2-AD47-2F7ABB88FBED}" srcOrd="0" destOrd="0" presId="urn:microsoft.com/office/officeart/2005/8/layout/hierarchy1"/>
-    <dgm:cxn modelId="{51CA5C61-383B-4B00-B2B0-E38DA250E02B}" type="presOf" srcId="{E3B1403E-AB6F-4FCF-AD1E-F3CE23E9E79A}" destId="{00AA4F40-9488-4F07-97A8-68324A222B93}" srcOrd="0" destOrd="0" presId="urn:microsoft.com/office/officeart/2005/8/layout/hierarchy1"/>
-    <dgm:cxn modelId="{4409EF61-6600-4C49-8285-048EBAEF0921}" type="presOf" srcId="{74CEB8FD-15FF-412A-9600-8271050BED58}" destId="{F0C44D0B-DBEC-4EC7-A5DC-5526B94D7B7F}" srcOrd="0" destOrd="0" presId="urn:microsoft.com/office/officeart/2005/8/layout/hierarchy1"/>
-    <dgm:cxn modelId="{4CDDB545-85AB-4E6D-8603-0AED309A93DB}" srcId="{A0C052F7-8892-41EC-8574-9D187E83A1F4}" destId="{74CEB8FD-15FF-412A-9600-8271050BED58}" srcOrd="2" destOrd="0" parTransId="{076117A5-CE37-4461-A9CB-732EDE5945BE}" sibTransId="{A02A87E7-AA65-4156-BD9A-490DB22929CE}"/>
-    <dgm:cxn modelId="{06283B69-7F0D-41FA-A992-E164905A4D35}" type="presOf" srcId="{53ECB418-F142-4673-9A50-F16BB291B098}" destId="{25BBB2D9-3631-4FBD-BF4D-CEEC5CAFFFAE}" srcOrd="0" destOrd="0" presId="urn:microsoft.com/office/officeart/2005/8/layout/hierarchy1"/>
+    <dgm:cxn modelId="{E0844C43-9D34-274F-A66D-7400F160C813}" type="presOf" srcId="{D30E055E-D607-49F8-85CD-B84BB4CE6177}" destId="{99AC887F-33B1-5C4B-A7EA-E6254A4B2B6D}" srcOrd="0" destOrd="0" presId="urn:microsoft.com/office/officeart/2005/8/layout/hierarchy1"/>
+    <dgm:cxn modelId="{4CDDB545-85AB-4E6D-8603-0AED309A93DB}" srcId="{E23C31D8-D3AC-425A-AAB0-275257CEEBA5}" destId="{74CEB8FD-15FF-412A-9600-8271050BED58}" srcOrd="3" destOrd="0" parTransId="{076117A5-CE37-4461-A9CB-732EDE5945BE}" sibTransId="{A02A87E7-AA65-4156-BD9A-490DB22929CE}"/>
+    <dgm:cxn modelId="{825EBD48-6CE0-5A45-93A8-47003CBB260E}" type="presOf" srcId="{0128EE23-9AAA-49DE-A11C-D667C6948C9E}" destId="{424A924C-A6C9-7E49-A58A-5491C147BDA0}" srcOrd="0" destOrd="0" presId="urn:microsoft.com/office/officeart/2005/8/layout/hierarchy1"/>
+    <dgm:cxn modelId="{33F00A4F-191F-4916-8B03-ABDC6BA36EE4}" srcId="{78843328-906C-4924-BD0D-2FB02D997F23}" destId="{6796CB94-8280-43F3-AAA0-6734710FAFF4}" srcOrd="0" destOrd="0" parTransId="{CD756865-78CE-44C1-811F-E0312E421B0E}" sibTransId="{D61EB397-9B5D-4F6D-AF9A-52382DBB3E06}"/>
+    <dgm:cxn modelId="{3D34E853-D3DF-A046-8EE0-C2CE8F2C9324}" type="presOf" srcId="{78843328-906C-4924-BD0D-2FB02D997F23}" destId="{52354F52-903C-964E-9C70-F0085EDCEA54}" srcOrd="0" destOrd="0" presId="urn:microsoft.com/office/officeart/2005/8/layout/hierarchy1"/>
+    <dgm:cxn modelId="{CF978D59-11CE-9940-89C5-745F9CE321E4}" type="presOf" srcId="{F6742098-15D4-40B6-851F-521E7185192E}" destId="{F91058B3-518B-9B4B-9248-C5D4B7CD7348}" srcOrd="0" destOrd="0" presId="urn:microsoft.com/office/officeart/2005/8/layout/hierarchy1"/>
+    <dgm:cxn modelId="{A272935B-B37E-014D-9978-7EA572AAB369}" type="presOf" srcId="{94C49DB8-46D8-4526-A99A-7DE191796341}" destId="{A457EF02-6141-BD41-B5FB-062B73745800}" srcOrd="0" destOrd="0" presId="urn:microsoft.com/office/officeart/2005/8/layout/hierarchy1"/>
     <dgm:cxn modelId="{14EBCB6B-FA8C-493A-A420-C4ACDA651630}" srcId="{E23C31D8-D3AC-425A-AAB0-275257CEEBA5}" destId="{BBCEB914-6A20-4D4C-B68C-4463DAD087AC}" srcOrd="0" destOrd="0" parTransId="{E3B1403E-AB6F-4FCF-AD1E-F3CE23E9E79A}" sibTransId="{78ADBFA3-758A-4356-B2F6-BCB278DE751C}"/>
-    <dgm:cxn modelId="{33F00A4F-191F-4916-8B03-ABDC6BA36EE4}" srcId="{78843328-906C-4924-BD0D-2FB02D997F23}" destId="{6796CB94-8280-43F3-AAA0-6734710FAFF4}" srcOrd="0" destOrd="0" parTransId="{CD756865-78CE-44C1-811F-E0312E421B0E}" sibTransId="{D61EB397-9B5D-4F6D-AF9A-52382DBB3E06}"/>
-    <dgm:cxn modelId="{8BB1E650-7516-4D78-9C99-236263ED187D}" type="presOf" srcId="{6796CB94-8280-43F3-AAA0-6734710FAFF4}" destId="{C903BF03-0D96-4C3E-BF6C-AC78B3361F84}" srcOrd="0" destOrd="0" presId="urn:microsoft.com/office/officeart/2005/8/layout/hierarchy1"/>
-    <dgm:cxn modelId="{F6E5E478-8141-41D5-B8F2-F8E7AD5CF625}" type="presOf" srcId="{7ABDAF2D-7AB6-4B4C-AA93-A07C5C1188AF}" destId="{1E8A9D08-188A-4ABC-AD24-B95FC4EF99F1}" srcOrd="0" destOrd="0" presId="urn:microsoft.com/office/officeart/2005/8/layout/hierarchy1"/>
-    <dgm:cxn modelId="{C7ED117F-18F6-4187-B365-8CFCC28E4898}" type="presOf" srcId="{BBCEB914-6A20-4D4C-B68C-4463DAD087AC}" destId="{18E153F8-1841-4496-8066-C80E747D7C35}" srcOrd="0" destOrd="0" presId="urn:microsoft.com/office/officeart/2005/8/layout/hierarchy1"/>
-    <dgm:cxn modelId="{0304028C-B252-4FB7-9558-1DA3CE6CDD9E}" srcId="{BBCEB914-6A20-4D4C-B68C-4463DAD087AC}" destId="{78843328-906C-4924-BD0D-2FB02D997F23}" srcOrd="0" destOrd="0" parTransId="{1426985E-D600-4C00-A345-1C80A96A5A22}" sibTransId="{019820A1-D751-48A0-9A21-2EA031DC25AC}"/>
-    <dgm:cxn modelId="{8FA3B68C-D201-4F94-AF6F-B563CD02B1C8}" type="presOf" srcId="{D30E055E-D607-49F8-85CD-B84BB4CE6177}" destId="{19A712F4-D926-4704-ACA3-CA8041362B98}" srcOrd="0" destOrd="0" presId="urn:microsoft.com/office/officeart/2005/8/layout/hierarchy1"/>
+    <dgm:cxn modelId="{758AFC71-CE51-B24F-8982-9F1E0D546FDC}" type="presOf" srcId="{7ABDAF2D-7AB6-4B4C-AA93-A07C5C1188AF}" destId="{383B2FC9-B311-4A4F-B20C-2AD448DEF120}" srcOrd="0" destOrd="0" presId="urn:microsoft.com/office/officeart/2005/8/layout/hierarchy1"/>
+    <dgm:cxn modelId="{0304028C-B252-4FB7-9558-1DA3CE6CDD9E}" srcId="{74CEB8FD-15FF-412A-9600-8271050BED58}" destId="{78843328-906C-4924-BD0D-2FB02D997F23}" srcOrd="0" destOrd="0" parTransId="{1426985E-D600-4C00-A345-1C80A96A5A22}" sibTransId="{019820A1-D751-48A0-9A21-2EA031DC25AC}"/>
     <dgm:cxn modelId="{A5882390-D9C1-4720-8D45-259C74AAFA08}" srcId="{A0C052F7-8892-41EC-8574-9D187E83A1F4}" destId="{E23C31D8-D3AC-425A-AAB0-275257CEEBA5}" srcOrd="0" destOrd="0" parTransId="{77626A35-49F4-4ABA-8F34-22446395EF85}" sibTransId="{7C7A2E0A-5E04-4E24-BB90-BEFD65F0D78A}"/>
-    <dgm:cxn modelId="{EA765493-0037-4BD0-B97E-57980A7C4823}" type="presOf" srcId="{F6742098-15D4-40B6-851F-521E7185192E}" destId="{CC8A275F-AD2B-4809-880E-7A32583020DC}" srcOrd="0" destOrd="0" presId="urn:microsoft.com/office/officeart/2005/8/layout/hierarchy1"/>
-    <dgm:cxn modelId="{A1E401A2-FE8A-41BA-A425-B640A04C753D}" type="presOf" srcId="{CD756865-78CE-44C1-811F-E0312E421B0E}" destId="{CA334296-A724-406C-A91A-6BBD1B0B3DC1}" srcOrd="0" destOrd="0" presId="urn:microsoft.com/office/officeart/2005/8/layout/hierarchy1"/>
-    <dgm:cxn modelId="{08EB67A9-07E4-409C-A2E0-66D0A0C6AF3F}" type="presOf" srcId="{1426985E-D600-4C00-A345-1C80A96A5A22}" destId="{060BA2E6-BC2F-4814-A85C-6DC7253BD97B}" srcOrd="0" destOrd="0" presId="urn:microsoft.com/office/officeart/2005/8/layout/hierarchy1"/>
-    <dgm:cxn modelId="{4F7DF2B8-4883-410C-ABE8-FB06D1C14AD4}" type="presOf" srcId="{11FBABEF-6C42-4A6F-BCA2-F180F73FA1CA}" destId="{835094C1-6C42-48BA-A297-CCAD381C1138}" srcOrd="0" destOrd="0" presId="urn:microsoft.com/office/officeart/2005/8/layout/hierarchy1"/>
+    <dgm:cxn modelId="{2E219198-6410-094A-AAF7-2472C39A95BD}" type="presOf" srcId="{CD756865-78CE-44C1-811F-E0312E421B0E}" destId="{7E2B656D-C82E-8444-99CA-19D3B6FACA64}" srcOrd="0" destOrd="0" presId="urn:microsoft.com/office/officeart/2005/8/layout/hierarchy1"/>
+    <dgm:cxn modelId="{0EE5AE9B-683B-264B-AA2E-A5F6C8F0E50D}" type="presOf" srcId="{A0182BB4-A04E-4566-95B9-F30C839836E6}" destId="{EBB40B41-17FA-664B-B3C4-90A585B668D5}" srcOrd="0" destOrd="0" presId="urn:microsoft.com/office/officeart/2005/8/layout/hierarchy1"/>
+    <dgm:cxn modelId="{100AF49E-2213-4843-BDBB-952034CDCA85}" type="presOf" srcId="{74CEB8FD-15FF-412A-9600-8271050BED58}" destId="{0F522DE3-D9B8-3542-BE72-F479BAA3FB13}" srcOrd="0" destOrd="0" presId="urn:microsoft.com/office/officeart/2005/8/layout/hierarchy1"/>
+    <dgm:cxn modelId="{BCBAB9AB-029E-5847-824C-0520C68D309B}" type="presOf" srcId="{48C58C6D-24C3-4822-BF0C-88AF81791917}" destId="{22A887B8-4862-A04B-A5C8-AF2EF10C6B45}" srcOrd="0" destOrd="0" presId="urn:microsoft.com/office/officeart/2005/8/layout/hierarchy1"/>
     <dgm:cxn modelId="{FDD35CC5-E258-40F2-A83B-639178609F3F}" srcId="{78843328-906C-4924-BD0D-2FB02D997F23}" destId="{28E1E02D-522A-4557-8F45-C854FA76D5A6}" srcOrd="3" destOrd="0" parTransId="{F6742098-15D4-40B6-851F-521E7185192E}" sibTransId="{80AA28FB-06D3-4A10-A76F-01E983E865B1}"/>
     <dgm:cxn modelId="{B1513EC6-3EA8-444D-86A7-CBDFE2B68CD6}" srcId="{78843328-906C-4924-BD0D-2FB02D997F23}" destId="{0128EE23-9AAA-49DE-A11C-D667C6948C9E}" srcOrd="2" destOrd="0" parTransId="{74BB6DDE-8B53-4F51-B942-95A1C0B261C8}" sibTransId="{3053A992-0684-4BFA-9627-E48968CB2501}"/>
-    <dgm:cxn modelId="{EFC9B0CE-BC1E-4488-8C99-E4CE1FC1BDCF}" srcId="{BBCEB914-6A20-4D4C-B68C-4463DAD087AC}" destId="{374E0AD8-B951-4B39-876A-D99BFA958D77}" srcOrd="1" destOrd="0" parTransId="{D30E055E-D607-49F8-85CD-B84BB4CE6177}" sibTransId="{5F944817-BA92-4EFE-A3E8-EEA8DCC65AFA}"/>
-    <dgm:cxn modelId="{790278E3-EA3A-48AF-BA5E-F4A28EEFBA51}" type="presOf" srcId="{0128EE23-9AAA-49DE-A11C-D667C6948C9E}" destId="{E1E4A42E-2D13-4D7D-A766-A7499CD73E67}" srcOrd="0" destOrd="0" presId="urn:microsoft.com/office/officeart/2005/8/layout/hierarchy1"/>
-    <dgm:cxn modelId="{9A884CE4-BA8B-4C62-94F0-C26518DC90BB}" type="presOf" srcId="{E23C31D8-D3AC-425A-AAB0-275257CEEBA5}" destId="{D93F9769-9FA5-42D0-B42A-B8F2351E4082}" srcOrd="0" destOrd="0" presId="urn:microsoft.com/office/officeart/2005/8/layout/hierarchy1"/>
-    <dgm:cxn modelId="{0BAB24E8-344D-4C29-A8B2-9D28A2622389}" type="presOf" srcId="{28E1E02D-522A-4557-8F45-C854FA76D5A6}" destId="{6A7714B3-215F-43AF-B3E3-668E1E0F1271}" srcOrd="0" destOrd="0" presId="urn:microsoft.com/office/officeart/2005/8/layout/hierarchy1"/>
-    <dgm:cxn modelId="{9B0485EB-2AE6-4FF1-9C71-E23CE7CBEDCB}" srcId="{A0C052F7-8892-41EC-8574-9D187E83A1F4}" destId="{48C58C6D-24C3-4822-BF0C-88AF81791917}" srcOrd="4" destOrd="0" parTransId="{94C49DB8-46D8-4526-A99A-7DE191796341}" sibTransId="{102541EE-3FDF-49F6-82DD-102ED86EF1B8}"/>
-    <dgm:cxn modelId="{039474F5-F1FD-41A5-8296-486A9BE320F1}" type="presOf" srcId="{A0182BB4-A04E-4566-95B9-F30C839836E6}" destId="{E60AB85E-9CF8-414F-B7FB-ACE9A6A94276}" srcOrd="0" destOrd="0" presId="urn:microsoft.com/office/officeart/2005/8/layout/hierarchy1"/>
-    <dgm:cxn modelId="{DB4907FF-91AE-4B27-8A3B-899BD3F7844C}" type="presOf" srcId="{78843328-906C-4924-BD0D-2FB02D997F23}" destId="{C97349B7-3A58-4D34-BBE2-11C9CC4C8382}" srcOrd="0" destOrd="0" presId="urn:microsoft.com/office/officeart/2005/8/layout/hierarchy1"/>
-    <dgm:cxn modelId="{40FC1764-4765-41EA-B13A-769B6C6A334E}" type="presParOf" srcId="{528D0D30-2D33-4EC2-AD47-2F7ABB88FBED}" destId="{3287B3C0-1ECF-48CD-B4F9-6D609A2AE1AF}" srcOrd="0" destOrd="0" presId="urn:microsoft.com/office/officeart/2005/8/layout/hierarchy1"/>
-    <dgm:cxn modelId="{F7627176-ED6A-4C5E-97FB-DECA8E186775}" type="presParOf" srcId="{3287B3C0-1ECF-48CD-B4F9-6D609A2AE1AF}" destId="{AF070645-8F75-4C92-B557-77AD4009AEF3}" srcOrd="0" destOrd="0" presId="urn:microsoft.com/office/officeart/2005/8/layout/hierarchy1"/>
-    <dgm:cxn modelId="{38AFDAE9-489A-481D-81C7-9896E8D3B0B8}" type="presParOf" srcId="{AF070645-8F75-4C92-B557-77AD4009AEF3}" destId="{08946C2F-2E8D-4153-9BFE-8B8C10E7904B}" srcOrd="0" destOrd="0" presId="urn:microsoft.com/office/officeart/2005/8/layout/hierarchy1"/>
-    <dgm:cxn modelId="{0355DA13-C561-4576-A05C-1227E0DF0BEB}" type="presParOf" srcId="{AF070645-8F75-4C92-B557-77AD4009AEF3}" destId="{D93F9769-9FA5-42D0-B42A-B8F2351E4082}" srcOrd="1" destOrd="0" presId="urn:microsoft.com/office/officeart/2005/8/layout/hierarchy1"/>
-    <dgm:cxn modelId="{049407BD-9BFA-4E43-866A-CB062D9E8C96}" type="presParOf" srcId="{3287B3C0-1ECF-48CD-B4F9-6D609A2AE1AF}" destId="{2100E223-4449-4EE2-9D56-294C16DDCB28}" srcOrd="1" destOrd="0" presId="urn:microsoft.com/office/officeart/2005/8/layout/hierarchy1"/>
-    <dgm:cxn modelId="{6309FB2C-36BD-4DD6-90C0-32CA4DC1882A}" type="presParOf" srcId="{2100E223-4449-4EE2-9D56-294C16DDCB28}" destId="{00AA4F40-9488-4F07-97A8-68324A222B93}" srcOrd="0" destOrd="0" presId="urn:microsoft.com/office/officeart/2005/8/layout/hierarchy1"/>
-    <dgm:cxn modelId="{74BDB430-1D14-46A3-8628-D6FA26440046}" type="presParOf" srcId="{2100E223-4449-4EE2-9D56-294C16DDCB28}" destId="{EAD25F60-C27C-4B18-9FB0-727D32102A26}" srcOrd="1" destOrd="0" presId="urn:microsoft.com/office/officeart/2005/8/layout/hierarchy1"/>
-    <dgm:cxn modelId="{77C2CCE9-24C1-4B53-B806-251C5535FF3B}" type="presParOf" srcId="{EAD25F60-C27C-4B18-9FB0-727D32102A26}" destId="{4581C209-CF93-4C41-A66D-4D1D14EBAD94}" srcOrd="0" destOrd="0" presId="urn:microsoft.com/office/officeart/2005/8/layout/hierarchy1"/>
-    <dgm:cxn modelId="{05591A0F-FEC6-4E87-8403-B21AB227C566}" type="presParOf" srcId="{4581C209-CF93-4C41-A66D-4D1D14EBAD94}" destId="{E643E68D-7A88-41E6-8531-06CAB73B8D1D}" srcOrd="0" destOrd="0" presId="urn:microsoft.com/office/officeart/2005/8/layout/hierarchy1"/>
-    <dgm:cxn modelId="{D3ABA208-FBAB-4A1D-BB11-E9806F111B7A}" type="presParOf" srcId="{4581C209-CF93-4C41-A66D-4D1D14EBAD94}" destId="{18E153F8-1841-4496-8066-C80E747D7C35}" srcOrd="1" destOrd="0" presId="urn:microsoft.com/office/officeart/2005/8/layout/hierarchy1"/>
-    <dgm:cxn modelId="{41D7AA4D-E55E-4833-AC79-CA363E322FB2}" type="presParOf" srcId="{EAD25F60-C27C-4B18-9FB0-727D32102A26}" destId="{80EAD981-9603-42A6-8927-C208461F0CBD}" srcOrd="1" destOrd="0" presId="urn:microsoft.com/office/officeart/2005/8/layout/hierarchy1"/>
-    <dgm:cxn modelId="{4EDC9B9B-0970-453D-B705-23647CF7B5BA}" type="presParOf" srcId="{80EAD981-9603-42A6-8927-C208461F0CBD}" destId="{060BA2E6-BC2F-4814-A85C-6DC7253BD97B}" srcOrd="0" destOrd="0" presId="urn:microsoft.com/office/officeart/2005/8/layout/hierarchy1"/>
-    <dgm:cxn modelId="{635FE04C-BD8D-483B-B874-0B8AB3DAF334}" type="presParOf" srcId="{80EAD981-9603-42A6-8927-C208461F0CBD}" destId="{381CE038-1E97-4A4B-8FF0-786A26DD5FFB}" srcOrd="1" destOrd="0" presId="urn:microsoft.com/office/officeart/2005/8/layout/hierarchy1"/>
-    <dgm:cxn modelId="{8DD768FC-19C9-4003-B938-E20FDFA73FB5}" type="presParOf" srcId="{381CE038-1E97-4A4B-8FF0-786A26DD5FFB}" destId="{78F26FC0-0EF5-42B7-8C5E-9D60AD92A37F}" srcOrd="0" destOrd="0" presId="urn:microsoft.com/office/officeart/2005/8/layout/hierarchy1"/>
-    <dgm:cxn modelId="{93BA777F-4912-4167-9F5C-4DBAFB148F01}" type="presParOf" srcId="{78F26FC0-0EF5-42B7-8C5E-9D60AD92A37F}" destId="{E0699E82-1611-4960-B549-DDF77DA1FB71}" srcOrd="0" destOrd="0" presId="urn:microsoft.com/office/officeart/2005/8/layout/hierarchy1"/>
-    <dgm:cxn modelId="{F95BEB8D-72EF-4F89-9DB4-97058BEBEC5D}" type="presParOf" srcId="{78F26FC0-0EF5-42B7-8C5E-9D60AD92A37F}" destId="{C97349B7-3A58-4D34-BBE2-11C9CC4C8382}" srcOrd="1" destOrd="0" presId="urn:microsoft.com/office/officeart/2005/8/layout/hierarchy1"/>
-    <dgm:cxn modelId="{25BE6B2E-12F6-452E-A79B-EB47D23C5A3C}" type="presParOf" srcId="{381CE038-1E97-4A4B-8FF0-786A26DD5FFB}" destId="{C55766E4-BD87-443D-AD06-41111BCCA9E8}" srcOrd="1" destOrd="0" presId="urn:microsoft.com/office/officeart/2005/8/layout/hierarchy1"/>
-    <dgm:cxn modelId="{A2457DF3-02AE-4E97-9D6E-4B42EB128B7D}" type="presParOf" srcId="{C55766E4-BD87-443D-AD06-41111BCCA9E8}" destId="{CA334296-A724-406C-A91A-6BBD1B0B3DC1}" srcOrd="0" destOrd="0" presId="urn:microsoft.com/office/officeart/2005/8/layout/hierarchy1"/>
-    <dgm:cxn modelId="{7DF96927-C27B-4C39-8C2B-8971BB9082E7}" type="presParOf" srcId="{C55766E4-BD87-443D-AD06-41111BCCA9E8}" destId="{B9677301-D2AD-46A6-B20F-2B9950FA223D}" srcOrd="1" destOrd="0" presId="urn:microsoft.com/office/officeart/2005/8/layout/hierarchy1"/>
-    <dgm:cxn modelId="{9F8C1AB0-87F0-4D6A-BBBB-C4D8E2D6B9FE}" type="presParOf" srcId="{B9677301-D2AD-46A6-B20F-2B9950FA223D}" destId="{5BAA20B7-E947-4937-8EA3-B37204FA4BD9}" srcOrd="0" destOrd="0" presId="urn:microsoft.com/office/officeart/2005/8/layout/hierarchy1"/>
-    <dgm:cxn modelId="{9C0F9F89-756B-4240-83C9-A8CA45DF66EB}" type="presParOf" srcId="{5BAA20B7-E947-4937-8EA3-B37204FA4BD9}" destId="{9D1C7C49-97ED-4C21-B919-DF2850165668}" srcOrd="0" destOrd="0" presId="urn:microsoft.com/office/officeart/2005/8/layout/hierarchy1"/>
-    <dgm:cxn modelId="{93EE768D-E151-47F7-BCBC-36C6D6C7A9DE}" type="presParOf" srcId="{5BAA20B7-E947-4937-8EA3-B37204FA4BD9}" destId="{C903BF03-0D96-4C3E-BF6C-AC78B3361F84}" srcOrd="1" destOrd="0" presId="urn:microsoft.com/office/officeart/2005/8/layout/hierarchy1"/>
-    <dgm:cxn modelId="{A448BB44-711D-4C62-B928-D7D36369D606}" type="presParOf" srcId="{B9677301-D2AD-46A6-B20F-2B9950FA223D}" destId="{31F5FAC6-E190-4D22-AA7D-0E9585D2B5CF}" srcOrd="1" destOrd="0" presId="urn:microsoft.com/office/officeart/2005/8/layout/hierarchy1"/>
-    <dgm:cxn modelId="{AC3AFBD3-CB98-4B09-B0A2-AE714B8BBAE7}" type="presParOf" srcId="{C55766E4-BD87-443D-AD06-41111BCCA9E8}" destId="{E60AB85E-9CF8-414F-B7FB-ACE9A6A94276}" srcOrd="2" destOrd="0" presId="urn:microsoft.com/office/officeart/2005/8/layout/hierarchy1"/>
-    <dgm:cxn modelId="{C13CD2ED-7006-4B42-8408-B6692FB1202F}" type="presParOf" srcId="{C55766E4-BD87-443D-AD06-41111BCCA9E8}" destId="{B417B829-AB66-466D-9F6B-F442DAC24757}" srcOrd="3" destOrd="0" presId="urn:microsoft.com/office/officeart/2005/8/layout/hierarchy1"/>
-    <dgm:cxn modelId="{4F9FEEC8-E420-40D0-B120-B5FA48BD2B6E}" type="presParOf" srcId="{B417B829-AB66-466D-9F6B-F442DAC24757}" destId="{8ACB5E48-1022-4BC8-A246-08BDB16138A7}" srcOrd="0" destOrd="0" presId="urn:microsoft.com/office/officeart/2005/8/layout/hierarchy1"/>
-    <dgm:cxn modelId="{4152D7C0-CFC9-44A4-A90B-03DF70247B9E}" type="presParOf" srcId="{8ACB5E48-1022-4BC8-A246-08BDB16138A7}" destId="{9B095961-EF97-4CE7-9715-3F40B20A25AB}" srcOrd="0" destOrd="0" presId="urn:microsoft.com/office/officeart/2005/8/layout/hierarchy1"/>
-    <dgm:cxn modelId="{B8A786A9-94B6-4DF2-8B45-1AC0EE5F6DB0}" type="presParOf" srcId="{8ACB5E48-1022-4BC8-A246-08BDB16138A7}" destId="{1E8A9D08-188A-4ABC-AD24-B95FC4EF99F1}" srcOrd="1" destOrd="0" presId="urn:microsoft.com/office/officeart/2005/8/layout/hierarchy1"/>
-    <dgm:cxn modelId="{9C5DB8E1-BF22-4501-AA90-501BAC9BA855}" type="presParOf" srcId="{B417B829-AB66-466D-9F6B-F442DAC24757}" destId="{2F69423F-3851-47AF-BF01-D5CEBB1F0023}" srcOrd="1" destOrd="0" presId="urn:microsoft.com/office/officeart/2005/8/layout/hierarchy1"/>
-    <dgm:cxn modelId="{8BBD8A85-9633-46B2-83BF-ED23CF8FE2B3}" type="presParOf" srcId="{C55766E4-BD87-443D-AD06-41111BCCA9E8}" destId="{7AD761FC-F065-4ACA-9B4E-6D3957656451}" srcOrd="4" destOrd="0" presId="urn:microsoft.com/office/officeart/2005/8/layout/hierarchy1"/>
-    <dgm:cxn modelId="{9E3536F4-56EC-4E99-8F2E-D6A3DBD34828}" type="presParOf" srcId="{C55766E4-BD87-443D-AD06-41111BCCA9E8}" destId="{1C509DDA-F4A3-45DF-B375-816C151A9848}" srcOrd="5" destOrd="0" presId="urn:microsoft.com/office/officeart/2005/8/layout/hierarchy1"/>
-    <dgm:cxn modelId="{4FB1E882-EEE5-480F-A3DF-5628890DF462}" type="presParOf" srcId="{1C509DDA-F4A3-45DF-B375-816C151A9848}" destId="{9EF31CAE-CFD9-47A7-9DC0-A910A6A5D27D}" srcOrd="0" destOrd="0" presId="urn:microsoft.com/office/officeart/2005/8/layout/hierarchy1"/>
-    <dgm:cxn modelId="{91583A37-4EF6-41E9-96F6-34CA63939E95}" type="presParOf" srcId="{9EF31CAE-CFD9-47A7-9DC0-A910A6A5D27D}" destId="{8A814E02-9FEC-4835-9266-F9D1EEB210CC}" srcOrd="0" destOrd="0" presId="urn:microsoft.com/office/officeart/2005/8/layout/hierarchy1"/>
-    <dgm:cxn modelId="{8AB0639B-39E2-4E92-B4A4-317939B4E661}" type="presParOf" srcId="{9EF31CAE-CFD9-47A7-9DC0-A910A6A5D27D}" destId="{E1E4A42E-2D13-4D7D-A766-A7499CD73E67}" srcOrd="1" destOrd="0" presId="urn:microsoft.com/office/officeart/2005/8/layout/hierarchy1"/>
-    <dgm:cxn modelId="{AD95AB95-E149-42A0-90FA-B4E2B5BE7E13}" type="presParOf" srcId="{1C509DDA-F4A3-45DF-B375-816C151A9848}" destId="{68EF1DF5-581A-4115-B778-32D9BD06CFEE}" srcOrd="1" destOrd="0" presId="urn:microsoft.com/office/officeart/2005/8/layout/hierarchy1"/>
-    <dgm:cxn modelId="{8BC333BA-C568-4969-93F6-EDF0936AC92A}" type="presParOf" srcId="{C55766E4-BD87-443D-AD06-41111BCCA9E8}" destId="{CC8A275F-AD2B-4809-880E-7A32583020DC}" srcOrd="6" destOrd="0" presId="urn:microsoft.com/office/officeart/2005/8/layout/hierarchy1"/>
-    <dgm:cxn modelId="{DD8430B0-B8F5-4E10-B3F5-C9D39BA80B93}" type="presParOf" srcId="{C55766E4-BD87-443D-AD06-41111BCCA9E8}" destId="{94303F46-E7F0-4295-AEE1-C71F0A866022}" srcOrd="7" destOrd="0" presId="urn:microsoft.com/office/officeart/2005/8/layout/hierarchy1"/>
-    <dgm:cxn modelId="{79C5B087-B3DE-4557-8C49-7475E8A47F9F}" type="presParOf" srcId="{94303F46-E7F0-4295-AEE1-C71F0A866022}" destId="{BDFECF95-C9CE-4F93-AAC2-99112DE99128}" srcOrd="0" destOrd="0" presId="urn:microsoft.com/office/officeart/2005/8/layout/hierarchy1"/>
-    <dgm:cxn modelId="{B5FB9E21-F4A3-4FDD-827A-CFF69DE977CE}" type="presParOf" srcId="{BDFECF95-C9CE-4F93-AAC2-99112DE99128}" destId="{22283078-E456-4BA5-ACD1-CAB945606245}" srcOrd="0" destOrd="0" presId="urn:microsoft.com/office/officeart/2005/8/layout/hierarchy1"/>
-    <dgm:cxn modelId="{5004EDFC-578A-42A6-A6FA-17A09EAEAA2B}" type="presParOf" srcId="{BDFECF95-C9CE-4F93-AAC2-99112DE99128}" destId="{6A7714B3-215F-43AF-B3E3-668E1E0F1271}" srcOrd="1" destOrd="0" presId="urn:microsoft.com/office/officeart/2005/8/layout/hierarchy1"/>
-    <dgm:cxn modelId="{65741E68-B5FC-40C7-ACD0-F905F50D55F3}" type="presParOf" srcId="{94303F46-E7F0-4295-AEE1-C71F0A866022}" destId="{C26AA891-A36E-4C27-BCDE-B6B67DDF27FA}" srcOrd="1" destOrd="0" presId="urn:microsoft.com/office/officeart/2005/8/layout/hierarchy1"/>
-    <dgm:cxn modelId="{B9BB02D3-62CF-4DD5-A65A-4B5409D316FD}" type="presParOf" srcId="{80EAD981-9603-42A6-8927-C208461F0CBD}" destId="{19A712F4-D926-4704-ACA3-CA8041362B98}" srcOrd="2" destOrd="0" presId="urn:microsoft.com/office/officeart/2005/8/layout/hierarchy1"/>
-    <dgm:cxn modelId="{2B6E539F-F933-4372-BDD4-C47F40200A93}" type="presParOf" srcId="{80EAD981-9603-42A6-8927-C208461F0CBD}" destId="{703765E8-F9EF-4461-8A73-D54138EF8DC1}" srcOrd="3" destOrd="0" presId="urn:microsoft.com/office/officeart/2005/8/layout/hierarchy1"/>
-    <dgm:cxn modelId="{E8AA8885-4040-4A4C-972D-200E657F930D}" type="presParOf" srcId="{703765E8-F9EF-4461-8A73-D54138EF8DC1}" destId="{2F8B6C04-0345-4168-81B1-5A9B681FBB9C}" srcOrd="0" destOrd="0" presId="urn:microsoft.com/office/officeart/2005/8/layout/hierarchy1"/>
-    <dgm:cxn modelId="{9DCEA822-9580-4693-8D1B-D99411D5D7C5}" type="presParOf" srcId="{2F8B6C04-0345-4168-81B1-5A9B681FBB9C}" destId="{35568C11-3B94-408D-8217-0898C81C0278}" srcOrd="0" destOrd="0" presId="urn:microsoft.com/office/officeart/2005/8/layout/hierarchy1"/>
-    <dgm:cxn modelId="{862712AD-FBCE-4AA7-8052-04FA5BBC9DED}" type="presParOf" srcId="{2F8B6C04-0345-4168-81B1-5A9B681FBB9C}" destId="{93BBEF11-035C-4D84-8357-D8F86E0B6105}" srcOrd="1" destOrd="0" presId="urn:microsoft.com/office/officeart/2005/8/layout/hierarchy1"/>
-    <dgm:cxn modelId="{E220006D-8DBB-4C0B-B5E6-1B3DA4EC81B1}" type="presParOf" srcId="{703765E8-F9EF-4461-8A73-D54138EF8DC1}" destId="{C3BB6071-F0FB-4E5A-BD68-EC34A7A27FAD}" srcOrd="1" destOrd="0" presId="urn:microsoft.com/office/officeart/2005/8/layout/hierarchy1"/>
-    <dgm:cxn modelId="{E386DECB-3FBF-4773-A5DB-960AC11AC722}" type="presParOf" srcId="{528D0D30-2D33-4EC2-AD47-2F7ABB88FBED}" destId="{3C0BBE62-614C-462D-9550-8DE14C696243}" srcOrd="1" destOrd="0" presId="urn:microsoft.com/office/officeart/2005/8/layout/hierarchy1"/>
-    <dgm:cxn modelId="{877EA3DE-1CE9-4F69-A24A-853A4D3A913F}" type="presParOf" srcId="{3C0BBE62-614C-462D-9550-8DE14C696243}" destId="{AFAF7BDF-26B3-445A-8C52-FB83492C7F8B}" srcOrd="0" destOrd="0" presId="urn:microsoft.com/office/officeart/2005/8/layout/hierarchy1"/>
-    <dgm:cxn modelId="{87100399-62A5-4C5F-B812-C2BED5260BD1}" type="presParOf" srcId="{AFAF7BDF-26B3-445A-8C52-FB83492C7F8B}" destId="{904EFECA-047E-45E3-8C4E-ED289A715E23}" srcOrd="0" destOrd="0" presId="urn:microsoft.com/office/officeart/2005/8/layout/hierarchy1"/>
-    <dgm:cxn modelId="{66217A38-DCB8-4F5E-B7F2-ADE669D1FC2D}" type="presParOf" srcId="{AFAF7BDF-26B3-445A-8C52-FB83492C7F8B}" destId="{25BBB2D9-3631-4FBD-BF4D-CEEC5CAFFFAE}" srcOrd="1" destOrd="0" presId="urn:microsoft.com/office/officeart/2005/8/layout/hierarchy1"/>
-    <dgm:cxn modelId="{9AA7FBD3-FD73-4A10-8450-D6ECD43E9A31}" type="presParOf" srcId="{3C0BBE62-614C-462D-9550-8DE14C696243}" destId="{322F4565-07B0-4F54-B2F7-B72096512B3E}" srcOrd="1" destOrd="0" presId="urn:microsoft.com/office/officeart/2005/8/layout/hierarchy1"/>
-    <dgm:cxn modelId="{2F4906F0-3203-4253-981C-DDAEDC378883}" type="presParOf" srcId="{528D0D30-2D33-4EC2-AD47-2F7ABB88FBED}" destId="{80752E3B-B17A-4609-BCE8-5730C62FB87C}" srcOrd="2" destOrd="0" presId="urn:microsoft.com/office/officeart/2005/8/layout/hierarchy1"/>
-    <dgm:cxn modelId="{4A808FF3-9BE8-4B83-81FA-C2617B8B12FB}" type="presParOf" srcId="{80752E3B-B17A-4609-BCE8-5730C62FB87C}" destId="{E72715EC-E535-42C7-B079-928CA873DC0E}" srcOrd="0" destOrd="0" presId="urn:microsoft.com/office/officeart/2005/8/layout/hierarchy1"/>
-    <dgm:cxn modelId="{09EC1ACE-2E2F-425D-8AC7-ACF36C4E5ED2}" type="presParOf" srcId="{E72715EC-E535-42C7-B079-928CA873DC0E}" destId="{BF1D155D-345E-4E6D-9D48-95854F58DD89}" srcOrd="0" destOrd="0" presId="urn:microsoft.com/office/officeart/2005/8/layout/hierarchy1"/>
-    <dgm:cxn modelId="{5F66DD8C-09E3-462D-BA38-F9A3FB92EC79}" type="presParOf" srcId="{E72715EC-E535-42C7-B079-928CA873DC0E}" destId="{F0C44D0B-DBEC-4EC7-A5DC-5526B94D7B7F}" srcOrd="1" destOrd="0" presId="urn:microsoft.com/office/officeart/2005/8/layout/hierarchy1"/>
-    <dgm:cxn modelId="{A6E5F756-E7A9-45D8-B650-7E82D189F1BB}" type="presParOf" srcId="{80752E3B-B17A-4609-BCE8-5730C62FB87C}" destId="{CC0DFED7-AE4F-44AD-BA20-4E371D8C6B08}" srcOrd="1" destOrd="0" presId="urn:microsoft.com/office/officeart/2005/8/layout/hierarchy1"/>
-    <dgm:cxn modelId="{DCFF4888-FD07-4474-999E-A3CEF72D11BA}" type="presParOf" srcId="{528D0D30-2D33-4EC2-AD47-2F7ABB88FBED}" destId="{C8AB7B1F-F186-40B2-AF67-821451E95766}" srcOrd="3" destOrd="0" presId="urn:microsoft.com/office/officeart/2005/8/layout/hierarchy1"/>
-    <dgm:cxn modelId="{EFEB0074-F262-48F5-8660-4E4D348A9472}" type="presParOf" srcId="{C8AB7B1F-F186-40B2-AF67-821451E95766}" destId="{87504BAB-0B6F-4337-96C2-87D28F8342AA}" srcOrd="0" destOrd="0" presId="urn:microsoft.com/office/officeart/2005/8/layout/hierarchy1"/>
-    <dgm:cxn modelId="{EAB54525-E19E-465A-9A92-E8CEA6C160AF}" type="presParOf" srcId="{87504BAB-0B6F-4337-96C2-87D28F8342AA}" destId="{E6D57BCF-B9A3-4CD3-83B3-8F8B66EB32FB}" srcOrd="0" destOrd="0" presId="urn:microsoft.com/office/officeart/2005/8/layout/hierarchy1"/>
-    <dgm:cxn modelId="{A2E471FD-7F9E-41DD-889D-EE3148F17B2F}" type="presParOf" srcId="{87504BAB-0B6F-4337-96C2-87D28F8342AA}" destId="{835094C1-6C42-48BA-A297-CCAD381C1138}" srcOrd="1" destOrd="0" presId="urn:microsoft.com/office/officeart/2005/8/layout/hierarchy1"/>
-    <dgm:cxn modelId="{94B1C632-EA59-4F54-9A81-154F073F773F}" type="presParOf" srcId="{C8AB7B1F-F186-40B2-AF67-821451E95766}" destId="{3AFFEA8B-6445-464B-B54A-77FE18C5D307}" srcOrd="1" destOrd="0" presId="urn:microsoft.com/office/officeart/2005/8/layout/hierarchy1"/>
-    <dgm:cxn modelId="{47D1AB28-BAD8-48A8-89B9-E46C895506A8}" type="presParOf" srcId="{528D0D30-2D33-4EC2-AD47-2F7ABB88FBED}" destId="{A227F808-5A6F-4499-A501-FD276F6C2E52}" srcOrd="4" destOrd="0" presId="urn:microsoft.com/office/officeart/2005/8/layout/hierarchy1"/>
-    <dgm:cxn modelId="{5E8F7606-4D78-46ED-8C86-870924AEB45B}" type="presParOf" srcId="{A227F808-5A6F-4499-A501-FD276F6C2E52}" destId="{FDDA6D9C-F386-4A1C-BC04-B91611B746FB}" srcOrd="0" destOrd="0" presId="urn:microsoft.com/office/officeart/2005/8/layout/hierarchy1"/>
-    <dgm:cxn modelId="{58A9DBDD-E342-41E0-9BFF-D3FDA3A22D4B}" type="presParOf" srcId="{FDDA6D9C-F386-4A1C-BC04-B91611B746FB}" destId="{08959B5D-762C-44E4-92B0-95599D3AD295}" srcOrd="0" destOrd="0" presId="urn:microsoft.com/office/officeart/2005/8/layout/hierarchy1"/>
-    <dgm:cxn modelId="{D435C720-8574-472B-8C03-1FD3CDFC2907}" type="presParOf" srcId="{FDDA6D9C-F386-4A1C-BC04-B91611B746FB}" destId="{EBCA1C42-7D11-4FFB-AA6A-94DEA5511FA7}" srcOrd="1" destOrd="0" presId="urn:microsoft.com/office/officeart/2005/8/layout/hierarchy1"/>
-    <dgm:cxn modelId="{2791D672-B2A3-43B7-BB36-5DFBC094CA91}" type="presParOf" srcId="{A227F808-5A6F-4499-A501-FD276F6C2E52}" destId="{4633B20E-F8CE-47C1-BF06-90ADF5186C6B}" srcOrd="1" destOrd="0" presId="urn:microsoft.com/office/officeart/2005/8/layout/hierarchy1"/>
+    <dgm:cxn modelId="{EFC9B0CE-BC1E-4488-8C99-E4CE1FC1BDCF}" srcId="{E23C31D8-D3AC-425A-AAB0-275257CEEBA5}" destId="{374E0AD8-B951-4B39-876A-D99BFA958D77}" srcOrd="1" destOrd="0" parTransId="{D30E055E-D607-49F8-85CD-B84BB4CE6177}" sibTransId="{5F944817-BA92-4EFE-A3E8-EEA8DCC65AFA}"/>
+    <dgm:cxn modelId="{62E7EED0-0F9E-8E4A-AE69-8D111B70DCBA}" type="presOf" srcId="{74BB6DDE-8B53-4F51-B942-95A1C0B261C8}" destId="{167BB921-9B78-3F49-BAE0-034F4BBC19D9}" srcOrd="0" destOrd="0" presId="urn:microsoft.com/office/officeart/2005/8/layout/hierarchy1"/>
+    <dgm:cxn modelId="{E2690CD1-CFB9-8745-87B4-BB6A35EE5B46}" type="presOf" srcId="{374E0AD8-B951-4B39-876A-D99BFA958D77}" destId="{43DD81C4-94F9-3348-8F6E-DD1CAAC37F14}" srcOrd="0" destOrd="0" presId="urn:microsoft.com/office/officeart/2005/8/layout/hierarchy1"/>
+    <dgm:cxn modelId="{88AF31D5-73FE-684E-92D9-10A42C33205E}" type="presOf" srcId="{076117A5-CE37-4461-A9CB-732EDE5945BE}" destId="{A1E4A5CD-BF3B-7A4E-BE82-6B3CC2E56B81}" srcOrd="0" destOrd="0" presId="urn:microsoft.com/office/officeart/2005/8/layout/hierarchy1"/>
+    <dgm:cxn modelId="{CFEE7FDB-F4B4-2349-9DB0-36CC1A2ECAEB}" type="presOf" srcId="{E23C31D8-D3AC-425A-AAB0-275257CEEBA5}" destId="{D93F9769-9FA5-42D0-B42A-B8F2351E4082}" srcOrd="0" destOrd="0" presId="urn:microsoft.com/office/officeart/2005/8/layout/hierarchy1"/>
+    <dgm:cxn modelId="{6C7D12E9-F057-2848-AA38-3A5981ECA807}" type="presOf" srcId="{6796CB94-8280-43F3-AAA0-6734710FAFF4}" destId="{EF0E4FE6-1AC1-BE44-B1A4-30FD7443D3BC}" srcOrd="0" destOrd="0" presId="urn:microsoft.com/office/officeart/2005/8/layout/hierarchy1"/>
+    <dgm:cxn modelId="{9B0485EB-2AE6-4FF1-9C71-E23CE7CBEDCB}" srcId="{E23C31D8-D3AC-425A-AAB0-275257CEEBA5}" destId="{48C58C6D-24C3-4822-BF0C-88AF81791917}" srcOrd="2" destOrd="0" parTransId="{94C49DB8-46D8-4526-A99A-7DE191796341}" sibTransId="{102541EE-3FDF-49F6-82DD-102ED86EF1B8}"/>
+    <dgm:cxn modelId="{EE7EA6F6-7E06-E44B-A62F-42B72ECBBBB3}" type="presOf" srcId="{28E1E02D-522A-4557-8F45-C854FA76D5A6}" destId="{06D1F2E0-29F1-FA41-B53E-B71E7EBE1937}" srcOrd="0" destOrd="0" presId="urn:microsoft.com/office/officeart/2005/8/layout/hierarchy1"/>
+    <dgm:cxn modelId="{584084E8-8E34-854E-A470-C9ECBEFE7A65}" type="presParOf" srcId="{528D0D30-2D33-4EC2-AD47-2F7ABB88FBED}" destId="{3287B3C0-1ECF-48CD-B4F9-6D609A2AE1AF}" srcOrd="0" destOrd="0" presId="urn:microsoft.com/office/officeart/2005/8/layout/hierarchy1"/>
+    <dgm:cxn modelId="{E19B3DB1-D894-2541-9252-D7D9D0AD927F}" type="presParOf" srcId="{3287B3C0-1ECF-48CD-B4F9-6D609A2AE1AF}" destId="{AF070645-8F75-4C92-B557-77AD4009AEF3}" srcOrd="0" destOrd="0" presId="urn:microsoft.com/office/officeart/2005/8/layout/hierarchy1"/>
+    <dgm:cxn modelId="{9B68E5C4-F305-C445-A7B2-5FBC0FEBF610}" type="presParOf" srcId="{AF070645-8F75-4C92-B557-77AD4009AEF3}" destId="{08946C2F-2E8D-4153-9BFE-8B8C10E7904B}" srcOrd="0" destOrd="0" presId="urn:microsoft.com/office/officeart/2005/8/layout/hierarchy1"/>
+    <dgm:cxn modelId="{7C9EC5F1-CA30-8741-98F2-A90886057727}" type="presParOf" srcId="{AF070645-8F75-4C92-B557-77AD4009AEF3}" destId="{D93F9769-9FA5-42D0-B42A-B8F2351E4082}" srcOrd="1" destOrd="0" presId="urn:microsoft.com/office/officeart/2005/8/layout/hierarchy1"/>
+    <dgm:cxn modelId="{BD631F25-D109-E748-B607-D201AC079B75}" type="presParOf" srcId="{3287B3C0-1ECF-48CD-B4F9-6D609A2AE1AF}" destId="{2100E223-4449-4EE2-9D56-294C16DDCB28}" srcOrd="1" destOrd="0" presId="urn:microsoft.com/office/officeart/2005/8/layout/hierarchy1"/>
+    <dgm:cxn modelId="{EDEE1C1D-9A69-EC4C-B813-F32C474058C9}" type="presParOf" srcId="{2100E223-4449-4EE2-9D56-294C16DDCB28}" destId="{0BDF7E12-6962-274E-85CD-EB37CA7EB5C9}" srcOrd="0" destOrd="0" presId="urn:microsoft.com/office/officeart/2005/8/layout/hierarchy1"/>
+    <dgm:cxn modelId="{2FDF56A6-D136-8E40-90CF-0F126246E833}" type="presParOf" srcId="{2100E223-4449-4EE2-9D56-294C16DDCB28}" destId="{0B572A04-FAB2-4146-A413-45BEC5877EF3}" srcOrd="1" destOrd="0" presId="urn:microsoft.com/office/officeart/2005/8/layout/hierarchy1"/>
+    <dgm:cxn modelId="{A91D887A-F796-194E-9C2F-9924DAC42552}" type="presParOf" srcId="{0B572A04-FAB2-4146-A413-45BEC5877EF3}" destId="{1A1BF2CC-DEFD-A249-8CD5-89E37709568A}" srcOrd="0" destOrd="0" presId="urn:microsoft.com/office/officeart/2005/8/layout/hierarchy1"/>
+    <dgm:cxn modelId="{17F8BD26-F0D8-444E-A5B1-320595DEB54A}" type="presParOf" srcId="{1A1BF2CC-DEFD-A249-8CD5-89E37709568A}" destId="{F69FCAD8-18CC-A848-A59B-CDA048317AA9}" srcOrd="0" destOrd="0" presId="urn:microsoft.com/office/officeart/2005/8/layout/hierarchy1"/>
+    <dgm:cxn modelId="{1850EA8A-0F26-0340-87D5-D57CDB122264}" type="presParOf" srcId="{1A1BF2CC-DEFD-A249-8CD5-89E37709568A}" destId="{60886B65-FBD7-3244-B035-C27610542378}" srcOrd="1" destOrd="0" presId="urn:microsoft.com/office/officeart/2005/8/layout/hierarchy1"/>
+    <dgm:cxn modelId="{6E0D850D-095E-0C4A-AD26-DE738F546A0C}" type="presParOf" srcId="{0B572A04-FAB2-4146-A413-45BEC5877EF3}" destId="{C4BDF23B-66AA-754B-8A81-5E5EA19AEFAD}" srcOrd="1" destOrd="0" presId="urn:microsoft.com/office/officeart/2005/8/layout/hierarchy1"/>
+    <dgm:cxn modelId="{C0963E20-78FA-5A40-A812-2A943AF77911}" type="presParOf" srcId="{2100E223-4449-4EE2-9D56-294C16DDCB28}" destId="{99AC887F-33B1-5C4B-A7EA-E6254A4B2B6D}" srcOrd="2" destOrd="0" presId="urn:microsoft.com/office/officeart/2005/8/layout/hierarchy1"/>
+    <dgm:cxn modelId="{C22D1024-ABA3-DB45-9D73-5266703774F5}" type="presParOf" srcId="{2100E223-4449-4EE2-9D56-294C16DDCB28}" destId="{14035768-E76C-6040-A187-B880B4B39641}" srcOrd="3" destOrd="0" presId="urn:microsoft.com/office/officeart/2005/8/layout/hierarchy1"/>
+    <dgm:cxn modelId="{6DCE7FE3-9421-064B-9743-E527CB6168E0}" type="presParOf" srcId="{14035768-E76C-6040-A187-B880B4B39641}" destId="{19D33241-189B-144B-A203-8E4B205E82E2}" srcOrd="0" destOrd="0" presId="urn:microsoft.com/office/officeart/2005/8/layout/hierarchy1"/>
+    <dgm:cxn modelId="{B52237BA-D98E-CD42-AEC2-AADEBDB2C968}" type="presParOf" srcId="{19D33241-189B-144B-A203-8E4B205E82E2}" destId="{B25A926C-83AC-6341-BA31-F6A7AF7BB34E}" srcOrd="0" destOrd="0" presId="urn:microsoft.com/office/officeart/2005/8/layout/hierarchy1"/>
+    <dgm:cxn modelId="{E9D348DB-6DF8-5048-8C8F-2508120C4584}" type="presParOf" srcId="{19D33241-189B-144B-A203-8E4B205E82E2}" destId="{43DD81C4-94F9-3348-8F6E-DD1CAAC37F14}" srcOrd="1" destOrd="0" presId="urn:microsoft.com/office/officeart/2005/8/layout/hierarchy1"/>
+    <dgm:cxn modelId="{F10419F6-E299-7646-B469-7AFAE6B87EC9}" type="presParOf" srcId="{14035768-E76C-6040-A187-B880B4B39641}" destId="{5884C76D-B718-8648-BD19-B4C78BC226AD}" srcOrd="1" destOrd="0" presId="urn:microsoft.com/office/officeart/2005/8/layout/hierarchy1"/>
+    <dgm:cxn modelId="{1F0AF33D-FAF2-F04F-85B5-FE621E7B0EF4}" type="presParOf" srcId="{2100E223-4449-4EE2-9D56-294C16DDCB28}" destId="{A457EF02-6141-BD41-B5FB-062B73745800}" srcOrd="4" destOrd="0" presId="urn:microsoft.com/office/officeart/2005/8/layout/hierarchy1"/>
+    <dgm:cxn modelId="{377ECAC4-048B-BA43-AC2A-1E5498CEF145}" type="presParOf" srcId="{2100E223-4449-4EE2-9D56-294C16DDCB28}" destId="{32D8A7EF-6037-3C45-89F2-5BEEF1A1BDEF}" srcOrd="5" destOrd="0" presId="urn:microsoft.com/office/officeart/2005/8/layout/hierarchy1"/>
+    <dgm:cxn modelId="{CF1B23FA-E051-5B42-B527-22342157412B}" type="presParOf" srcId="{32D8A7EF-6037-3C45-89F2-5BEEF1A1BDEF}" destId="{C210AFE1-5557-CE42-BA74-83069D1916B8}" srcOrd="0" destOrd="0" presId="urn:microsoft.com/office/officeart/2005/8/layout/hierarchy1"/>
+    <dgm:cxn modelId="{7418A351-AE5A-D342-8CD5-0F17FEC016E2}" type="presParOf" srcId="{C210AFE1-5557-CE42-BA74-83069D1916B8}" destId="{53EA03DA-1543-1E4A-89F5-CE677A06B0D4}" srcOrd="0" destOrd="0" presId="urn:microsoft.com/office/officeart/2005/8/layout/hierarchy1"/>
+    <dgm:cxn modelId="{18D9064B-C572-064D-8F37-C8436EF60438}" type="presParOf" srcId="{C210AFE1-5557-CE42-BA74-83069D1916B8}" destId="{22A887B8-4862-A04B-A5C8-AF2EF10C6B45}" srcOrd="1" destOrd="0" presId="urn:microsoft.com/office/officeart/2005/8/layout/hierarchy1"/>
+    <dgm:cxn modelId="{C57E53EF-82FD-7641-A731-CA966BAADE51}" type="presParOf" srcId="{32D8A7EF-6037-3C45-89F2-5BEEF1A1BDEF}" destId="{1F7BE7E7-6747-A24F-8706-50C67C0DB330}" srcOrd="1" destOrd="0" presId="urn:microsoft.com/office/officeart/2005/8/layout/hierarchy1"/>
+    <dgm:cxn modelId="{3A48DB0D-2BA3-9C43-AC5E-B460C62B2333}" type="presParOf" srcId="{2100E223-4449-4EE2-9D56-294C16DDCB28}" destId="{A1E4A5CD-BF3B-7A4E-BE82-6B3CC2E56B81}" srcOrd="6" destOrd="0" presId="urn:microsoft.com/office/officeart/2005/8/layout/hierarchy1"/>
+    <dgm:cxn modelId="{935CBF80-749B-8A41-94B7-9872D01EDEDC}" type="presParOf" srcId="{2100E223-4449-4EE2-9D56-294C16DDCB28}" destId="{5F87D028-F7F4-5746-87BD-3C392AFB80BD}" srcOrd="7" destOrd="0" presId="urn:microsoft.com/office/officeart/2005/8/layout/hierarchy1"/>
+    <dgm:cxn modelId="{27567133-914C-1A4B-B062-CCF14A23AD15}" type="presParOf" srcId="{5F87D028-F7F4-5746-87BD-3C392AFB80BD}" destId="{C4C886F9-2B94-4848-B3EA-CFE528921D5F}" srcOrd="0" destOrd="0" presId="urn:microsoft.com/office/officeart/2005/8/layout/hierarchy1"/>
+    <dgm:cxn modelId="{F8460E53-E14D-5047-9C93-36F0913009D2}" type="presParOf" srcId="{C4C886F9-2B94-4848-B3EA-CFE528921D5F}" destId="{FB8DD86C-0B47-AE4E-85D0-59C116CCBB62}" srcOrd="0" destOrd="0" presId="urn:microsoft.com/office/officeart/2005/8/layout/hierarchy1"/>
+    <dgm:cxn modelId="{980618C0-3DCD-5F42-BFE4-60BFB375B6A1}" type="presParOf" srcId="{C4C886F9-2B94-4848-B3EA-CFE528921D5F}" destId="{0F522DE3-D9B8-3542-BE72-F479BAA3FB13}" srcOrd="1" destOrd="0" presId="urn:microsoft.com/office/officeart/2005/8/layout/hierarchy1"/>
+    <dgm:cxn modelId="{4FF38316-0D79-3345-B357-610AA2B0B995}" type="presParOf" srcId="{5F87D028-F7F4-5746-87BD-3C392AFB80BD}" destId="{2F2E419F-015F-5943-9474-E804406BE4F3}" srcOrd="1" destOrd="0" presId="urn:microsoft.com/office/officeart/2005/8/layout/hierarchy1"/>
+    <dgm:cxn modelId="{86AD76EA-C497-854E-B474-3259F75D996F}" type="presParOf" srcId="{2F2E419F-015F-5943-9474-E804406BE4F3}" destId="{A87B2D47-FF3A-0C4A-BF84-6D8831E376F4}" srcOrd="0" destOrd="0" presId="urn:microsoft.com/office/officeart/2005/8/layout/hierarchy1"/>
+    <dgm:cxn modelId="{A4647515-BEE3-C842-BE53-5B94E1AF4DA5}" type="presParOf" srcId="{2F2E419F-015F-5943-9474-E804406BE4F3}" destId="{F00CD17C-C067-1B4D-AF5E-E2647EDA20B8}" srcOrd="1" destOrd="0" presId="urn:microsoft.com/office/officeart/2005/8/layout/hierarchy1"/>
+    <dgm:cxn modelId="{B57E3CC4-73A3-6448-B3C7-BACEEC29A353}" type="presParOf" srcId="{F00CD17C-C067-1B4D-AF5E-E2647EDA20B8}" destId="{8E818DD1-24A9-B14A-AABE-3E0277CEE382}" srcOrd="0" destOrd="0" presId="urn:microsoft.com/office/officeart/2005/8/layout/hierarchy1"/>
+    <dgm:cxn modelId="{69359B13-F4C9-554F-80E1-1EC8713C0C4E}" type="presParOf" srcId="{8E818DD1-24A9-B14A-AABE-3E0277CEE382}" destId="{7078F264-EA29-3949-89F1-AEBE9C767A77}" srcOrd="0" destOrd="0" presId="urn:microsoft.com/office/officeart/2005/8/layout/hierarchy1"/>
+    <dgm:cxn modelId="{A6CBBEC9-B200-AD41-A3FD-B000F15B03DB}" type="presParOf" srcId="{8E818DD1-24A9-B14A-AABE-3E0277CEE382}" destId="{52354F52-903C-964E-9C70-F0085EDCEA54}" srcOrd="1" destOrd="0" presId="urn:microsoft.com/office/officeart/2005/8/layout/hierarchy1"/>
+    <dgm:cxn modelId="{ACB2A7A5-7996-904A-A48F-6D4A81DBFB84}" type="presParOf" srcId="{F00CD17C-C067-1B4D-AF5E-E2647EDA20B8}" destId="{551BDD7A-8F86-B24E-8BE2-8371BC1553E7}" srcOrd="1" destOrd="0" presId="urn:microsoft.com/office/officeart/2005/8/layout/hierarchy1"/>
+    <dgm:cxn modelId="{B58FD355-A77A-F941-B8AB-ACC288F0A545}" type="presParOf" srcId="{551BDD7A-8F86-B24E-8BE2-8371BC1553E7}" destId="{7E2B656D-C82E-8444-99CA-19D3B6FACA64}" srcOrd="0" destOrd="0" presId="urn:microsoft.com/office/officeart/2005/8/layout/hierarchy1"/>
+    <dgm:cxn modelId="{849586F8-6E30-784A-9D82-63A387136B7A}" type="presParOf" srcId="{551BDD7A-8F86-B24E-8BE2-8371BC1553E7}" destId="{2117A2A7-54DE-F441-B042-B55AA639DE28}" srcOrd="1" destOrd="0" presId="urn:microsoft.com/office/officeart/2005/8/layout/hierarchy1"/>
+    <dgm:cxn modelId="{53908CEF-10BB-204F-A609-8D0478F1B7C8}" type="presParOf" srcId="{2117A2A7-54DE-F441-B042-B55AA639DE28}" destId="{29031202-9ABA-D44A-8FD6-B8317F9CAF63}" srcOrd="0" destOrd="0" presId="urn:microsoft.com/office/officeart/2005/8/layout/hierarchy1"/>
+    <dgm:cxn modelId="{B898A5D3-B63C-EA46-B43F-3570FF2C21AE}" type="presParOf" srcId="{29031202-9ABA-D44A-8FD6-B8317F9CAF63}" destId="{3B375CF9-B02A-5D4D-933E-07834968E434}" srcOrd="0" destOrd="0" presId="urn:microsoft.com/office/officeart/2005/8/layout/hierarchy1"/>
+    <dgm:cxn modelId="{5D47237A-18CB-D141-ABBB-AD20D5E64AE3}" type="presParOf" srcId="{29031202-9ABA-D44A-8FD6-B8317F9CAF63}" destId="{EF0E4FE6-1AC1-BE44-B1A4-30FD7443D3BC}" srcOrd="1" destOrd="0" presId="urn:microsoft.com/office/officeart/2005/8/layout/hierarchy1"/>
+    <dgm:cxn modelId="{3AAC6ABE-01EA-074A-A9DC-D18A017AE30B}" type="presParOf" srcId="{2117A2A7-54DE-F441-B042-B55AA639DE28}" destId="{BE1D5A24-8FFB-6648-9C0B-38DF676DB0BE}" srcOrd="1" destOrd="0" presId="urn:microsoft.com/office/officeart/2005/8/layout/hierarchy1"/>
+    <dgm:cxn modelId="{96D9DA61-32BD-BA43-86AA-0E4FDFE8C47E}" type="presParOf" srcId="{551BDD7A-8F86-B24E-8BE2-8371BC1553E7}" destId="{EBB40B41-17FA-664B-B3C4-90A585B668D5}" srcOrd="2" destOrd="0" presId="urn:microsoft.com/office/officeart/2005/8/layout/hierarchy1"/>
+    <dgm:cxn modelId="{34F57551-EC08-E049-BEAC-C6C23E4D040B}" type="presParOf" srcId="{551BDD7A-8F86-B24E-8BE2-8371BC1553E7}" destId="{3EDDA0DD-B02D-B147-B0BE-FF8E5B50D558}" srcOrd="3" destOrd="0" presId="urn:microsoft.com/office/officeart/2005/8/layout/hierarchy1"/>
+    <dgm:cxn modelId="{750F91F3-93B9-C64B-956C-DF4E679F0404}" type="presParOf" srcId="{3EDDA0DD-B02D-B147-B0BE-FF8E5B50D558}" destId="{24EC06F1-7D22-D441-A320-915B6830F29C}" srcOrd="0" destOrd="0" presId="urn:microsoft.com/office/officeart/2005/8/layout/hierarchy1"/>
+    <dgm:cxn modelId="{ED90364D-9B6C-084F-853B-A3D0AC6FA7DB}" type="presParOf" srcId="{24EC06F1-7D22-D441-A320-915B6830F29C}" destId="{DBF3BB4C-1F54-4448-91A2-357930BB67E8}" srcOrd="0" destOrd="0" presId="urn:microsoft.com/office/officeart/2005/8/layout/hierarchy1"/>
+    <dgm:cxn modelId="{A5E75E88-9B0D-0345-B82A-609566909919}" type="presParOf" srcId="{24EC06F1-7D22-D441-A320-915B6830F29C}" destId="{383B2FC9-B311-4A4F-B20C-2AD448DEF120}" srcOrd="1" destOrd="0" presId="urn:microsoft.com/office/officeart/2005/8/layout/hierarchy1"/>
+    <dgm:cxn modelId="{E4D5B828-9CED-954F-9E7A-C3F491C6EF70}" type="presParOf" srcId="{3EDDA0DD-B02D-B147-B0BE-FF8E5B50D558}" destId="{7A0F3779-50B9-3A47-A9D2-3EF534BC4A8A}" srcOrd="1" destOrd="0" presId="urn:microsoft.com/office/officeart/2005/8/layout/hierarchy1"/>
+    <dgm:cxn modelId="{C72038A2-4360-B141-873E-4341BEC33F37}" type="presParOf" srcId="{551BDD7A-8F86-B24E-8BE2-8371BC1553E7}" destId="{167BB921-9B78-3F49-BAE0-034F4BBC19D9}" srcOrd="4" destOrd="0" presId="urn:microsoft.com/office/officeart/2005/8/layout/hierarchy1"/>
+    <dgm:cxn modelId="{6F56FEF0-1463-344D-8F65-43E7D8E3C6DF}" type="presParOf" srcId="{551BDD7A-8F86-B24E-8BE2-8371BC1553E7}" destId="{9E989B97-F661-7348-B821-B302B8E6EA19}" srcOrd="5" destOrd="0" presId="urn:microsoft.com/office/officeart/2005/8/layout/hierarchy1"/>
+    <dgm:cxn modelId="{6F2A3BAC-CBCA-0246-9C75-0E8CB4EBED15}" type="presParOf" srcId="{9E989B97-F661-7348-B821-B302B8E6EA19}" destId="{6EA69BAC-0720-344F-9A66-B922869B27D1}" srcOrd="0" destOrd="0" presId="urn:microsoft.com/office/officeart/2005/8/layout/hierarchy1"/>
+    <dgm:cxn modelId="{F9581ED3-FA6C-454B-B2B2-3320C5C2AC8A}" type="presParOf" srcId="{6EA69BAC-0720-344F-9A66-B922869B27D1}" destId="{493AC69D-AB27-EE4B-83D4-41285055D9B8}" srcOrd="0" destOrd="0" presId="urn:microsoft.com/office/officeart/2005/8/layout/hierarchy1"/>
+    <dgm:cxn modelId="{D0B250CC-401E-2942-9C79-1F2E96EFBED7}" type="presParOf" srcId="{6EA69BAC-0720-344F-9A66-B922869B27D1}" destId="{424A924C-A6C9-7E49-A58A-5491C147BDA0}" srcOrd="1" destOrd="0" presId="urn:microsoft.com/office/officeart/2005/8/layout/hierarchy1"/>
+    <dgm:cxn modelId="{E29A7A74-A487-2C40-A99D-1E2286FE505D}" type="presParOf" srcId="{9E989B97-F661-7348-B821-B302B8E6EA19}" destId="{8CA14ECD-01CC-644E-9A64-73A3B053D22F}" srcOrd="1" destOrd="0" presId="urn:microsoft.com/office/officeart/2005/8/layout/hierarchy1"/>
+    <dgm:cxn modelId="{86717B6E-F118-9245-9F69-EC0C2CFE24B5}" type="presParOf" srcId="{551BDD7A-8F86-B24E-8BE2-8371BC1553E7}" destId="{F91058B3-518B-9B4B-9248-C5D4B7CD7348}" srcOrd="6" destOrd="0" presId="urn:microsoft.com/office/officeart/2005/8/layout/hierarchy1"/>
+    <dgm:cxn modelId="{B0644E5E-EE54-DD43-8A85-703CD0DE8C53}" type="presParOf" srcId="{551BDD7A-8F86-B24E-8BE2-8371BC1553E7}" destId="{98059102-3C96-4641-9676-7D641D5B0F3F}" srcOrd="7" destOrd="0" presId="urn:microsoft.com/office/officeart/2005/8/layout/hierarchy1"/>
+    <dgm:cxn modelId="{04AF7B53-7C04-A84D-934B-F45BC716448E}" type="presParOf" srcId="{98059102-3C96-4641-9676-7D641D5B0F3F}" destId="{05E25E38-0214-9247-B5D0-A344539286ED}" srcOrd="0" destOrd="0" presId="urn:microsoft.com/office/officeart/2005/8/layout/hierarchy1"/>
+    <dgm:cxn modelId="{F6DD6C80-42E0-4D49-9E97-EEA5ECD35F33}" type="presParOf" srcId="{05E25E38-0214-9247-B5D0-A344539286ED}" destId="{47E08C33-E9D9-E64A-9614-C2C145183E9A}" srcOrd="0" destOrd="0" presId="urn:microsoft.com/office/officeart/2005/8/layout/hierarchy1"/>
+    <dgm:cxn modelId="{0EAFBAC1-2F58-4044-99FC-1DA678011AA3}" type="presParOf" srcId="{05E25E38-0214-9247-B5D0-A344539286ED}" destId="{06D1F2E0-29F1-FA41-B53E-B71E7EBE1937}" srcOrd="1" destOrd="0" presId="urn:microsoft.com/office/officeart/2005/8/layout/hierarchy1"/>
+    <dgm:cxn modelId="{E609B56A-4E4C-1D47-BE3B-201DC823BC5C}" type="presParOf" srcId="{98059102-3C96-4641-9676-7D641D5B0F3F}" destId="{7EC3FE7B-E9EF-844D-9E79-DC23A0F24195}" srcOrd="1" destOrd="0" presId="urn:microsoft.com/office/officeart/2005/8/layout/hierarchy1"/>
+    <dgm:cxn modelId="{5F3C06BB-A480-AF42-BD54-1FD91AA2D222}" type="presParOf" srcId="{528D0D30-2D33-4EC2-AD47-2F7ABB88FBED}" destId="{9CCEA304-0603-804D-AFA2-7FA9C8670113}" srcOrd="1" destOrd="0" presId="urn:microsoft.com/office/officeart/2005/8/layout/hierarchy1"/>
+    <dgm:cxn modelId="{7FDB834B-F091-AB4D-B2DB-2E91C1DF2240}" type="presParOf" srcId="{9CCEA304-0603-804D-AFA2-7FA9C8670113}" destId="{5E8C38BE-1926-E849-8013-2674C0B39085}" srcOrd="0" destOrd="0" presId="urn:microsoft.com/office/officeart/2005/8/layout/hierarchy1"/>
+    <dgm:cxn modelId="{5CA4D45A-1BBF-2748-B172-1F114808FE21}" type="presParOf" srcId="{5E8C38BE-1926-E849-8013-2674C0B39085}" destId="{74789294-2F5B-9040-BF5F-AC429ECD8B9D}" srcOrd="0" destOrd="0" presId="urn:microsoft.com/office/officeart/2005/8/layout/hierarchy1"/>
+    <dgm:cxn modelId="{794CC1AE-3268-2C4F-93B6-B52F000983F0}" type="presParOf" srcId="{5E8C38BE-1926-E849-8013-2674C0B39085}" destId="{09C1D2D3-B245-CC4E-ACCE-BD041DCECD09}" srcOrd="1" destOrd="0" presId="urn:microsoft.com/office/officeart/2005/8/layout/hierarchy1"/>
+    <dgm:cxn modelId="{DE979420-BC44-3848-B26E-D89A47D9523E}" type="presParOf" srcId="{9CCEA304-0603-804D-AFA2-7FA9C8670113}" destId="{DCA8393C-52F8-4A41-A8FD-C56512D5FC70}" srcOrd="1" destOrd="0" presId="urn:microsoft.com/office/officeart/2005/8/layout/hierarchy1"/>
+    <dgm:cxn modelId="{B8EDAFF6-DCD0-984F-9D53-6EF1C66B93C4}" type="presParOf" srcId="{528D0D30-2D33-4EC2-AD47-2F7ABB88FBED}" destId="{C8AB7B1F-F186-40B2-AF67-821451E95766}" srcOrd="2" destOrd="0" presId="urn:microsoft.com/office/officeart/2005/8/layout/hierarchy1"/>
+    <dgm:cxn modelId="{A76CFD3D-6BD4-B740-A60B-3227EA9BECD8}" type="presParOf" srcId="{C8AB7B1F-F186-40B2-AF67-821451E95766}" destId="{87504BAB-0B6F-4337-96C2-87D28F8342AA}" srcOrd="0" destOrd="0" presId="urn:microsoft.com/office/officeart/2005/8/layout/hierarchy1"/>
+    <dgm:cxn modelId="{3C9EE0E6-807E-CB42-9A4B-558A63BAD6BF}" type="presParOf" srcId="{87504BAB-0B6F-4337-96C2-87D28F8342AA}" destId="{E6D57BCF-B9A3-4CD3-83B3-8F8B66EB32FB}" srcOrd="0" destOrd="0" presId="urn:microsoft.com/office/officeart/2005/8/layout/hierarchy1"/>
+    <dgm:cxn modelId="{D6201359-0491-1F47-957D-18D18523E3F8}" type="presParOf" srcId="{87504BAB-0B6F-4337-96C2-87D28F8342AA}" destId="{835094C1-6C42-48BA-A297-CCAD381C1138}" srcOrd="1" destOrd="0" presId="urn:microsoft.com/office/officeart/2005/8/layout/hierarchy1"/>
+    <dgm:cxn modelId="{C13F5297-9FA3-BC4B-955E-B1FDB823B1D6}" type="presParOf" srcId="{C8AB7B1F-F186-40B2-AF67-821451E95766}" destId="{3AFFEA8B-6445-464B-B54A-77FE18C5D307}" srcOrd="1" destOrd="0" presId="urn:microsoft.com/office/officeart/2005/8/layout/hierarchy1"/>
   </dgm:cxnLst>
   <dgm:bg/>
   <dgm:whole/>
@@ -3211,15 +3215,15 @@
       <dsp:cNvGrpSpPr/>
     </dsp:nvGrpSpPr>
     <dsp:grpSpPr/>
-    <dsp:sp modelId="{19A712F4-D926-4704-ACA3-CA8041362B98}">
+    <dsp:sp modelId="{F91058B3-518B-9B4B-9248-C5D4B7CD7348}">
       <dsp:nvSpPr>
         <dsp:cNvPr id="0" name=""/>
         <dsp:cNvSpPr/>
       </dsp:nvSpPr>
       <dsp:spPr>
         <a:xfrm>
-          <a:off x="3323263" y="2951405"/>
-          <a:ext cx="1034139" cy="349313"/>
+          <a:off x="6001544" y="4222117"/>
+          <a:ext cx="2639451" cy="418713"/>
         </a:xfrm>
         <a:custGeom>
           <a:avLst/>
@@ -3233,13 +3237,13 @@
                 <a:pt x="0" y="0"/>
               </a:moveTo>
               <a:lnTo>
-                <a:pt x="0" y="245019"/>
+                <a:pt x="0" y="285340"/>
               </a:lnTo>
               <a:lnTo>
-                <a:pt x="1034139" y="245019"/>
+                <a:pt x="2639451" y="285340"/>
               </a:lnTo>
               <a:lnTo>
-                <a:pt x="1034139" y="349313"/>
+                <a:pt x="2639451" y="418713"/>
               </a:lnTo>
             </a:path>
           </a:pathLst>
@@ -3272,15 +3276,15 @@
         <a:fontRef idx="minor"/>
       </dsp:style>
     </dsp:sp>
-    <dsp:sp modelId="{CC8A275F-AD2B-4809-880E-7A32583020DC}">
+    <dsp:sp modelId="{167BB921-9B78-3F49-BAE0-034F4BBC19D9}">
       <dsp:nvSpPr>
         <dsp:cNvPr id="0" name=""/>
         <dsp:cNvSpPr/>
       </dsp:nvSpPr>
       <dsp:spPr>
         <a:xfrm>
-          <a:off x="2635266" y="3993720"/>
-          <a:ext cx="2063990" cy="327423"/>
+          <a:off x="6001544" y="4222117"/>
+          <a:ext cx="879817" cy="418713"/>
         </a:xfrm>
         <a:custGeom>
           <a:avLst/>
@@ -3294,13 +3298,13 @@
                 <a:pt x="0" y="0"/>
               </a:moveTo>
               <a:lnTo>
-                <a:pt x="0" y="223129"/>
+                <a:pt x="0" y="285340"/>
               </a:lnTo>
               <a:lnTo>
-                <a:pt x="2063990" y="223129"/>
+                <a:pt x="879817" y="285340"/>
               </a:lnTo>
               <a:lnTo>
-                <a:pt x="2063990" y="327423"/>
+                <a:pt x="879817" y="418713"/>
               </a:lnTo>
             </a:path>
           </a:pathLst>
@@ -3333,15 +3337,15 @@
         <a:fontRef idx="minor"/>
       </dsp:style>
     </dsp:sp>
-    <dsp:sp modelId="{7AD761FC-F065-4ACA-9B4E-6D3957656451}">
+    <dsp:sp modelId="{EBB40B41-17FA-664B-B3C4-90A585B668D5}">
       <dsp:nvSpPr>
         <dsp:cNvPr id="0" name=""/>
         <dsp:cNvSpPr/>
       </dsp:nvSpPr>
       <dsp:spPr>
         <a:xfrm>
-          <a:off x="2635266" y="3993720"/>
-          <a:ext cx="687996" cy="327423"/>
+          <a:off x="5121727" y="4222117"/>
+          <a:ext cx="879817" cy="418713"/>
         </a:xfrm>
         <a:custGeom>
           <a:avLst/>
@@ -3352,16 +3356,16 @@
           <a:pathLst>
             <a:path>
               <a:moveTo>
-                <a:pt x="0" y="0"/>
+                <a:pt x="879817" y="0"/>
               </a:moveTo>
               <a:lnTo>
-                <a:pt x="0" y="223129"/>
+                <a:pt x="879817" y="285340"/>
               </a:lnTo>
               <a:lnTo>
-                <a:pt x="687996" y="223129"/>
+                <a:pt x="0" y="285340"/>
               </a:lnTo>
               <a:lnTo>
-                <a:pt x="687996" y="327423"/>
+                <a:pt x="0" y="418713"/>
               </a:lnTo>
             </a:path>
           </a:pathLst>
@@ -3394,15 +3398,15 @@
         <a:fontRef idx="minor"/>
       </dsp:style>
     </dsp:sp>
-    <dsp:sp modelId="{E60AB85E-9CF8-414F-B7FB-ACE9A6A94276}">
+    <dsp:sp modelId="{7E2B656D-C82E-8444-99CA-19D3B6FACA64}">
       <dsp:nvSpPr>
         <dsp:cNvPr id="0" name=""/>
         <dsp:cNvSpPr/>
       </dsp:nvSpPr>
       <dsp:spPr>
         <a:xfrm>
-          <a:off x="1947270" y="3993720"/>
-          <a:ext cx="687996" cy="327423"/>
+          <a:off x="3362092" y="4222117"/>
+          <a:ext cx="2639451" cy="418713"/>
         </a:xfrm>
         <a:custGeom>
           <a:avLst/>
@@ -3413,16 +3417,16 @@
           <a:pathLst>
             <a:path>
               <a:moveTo>
-                <a:pt x="687996" y="0"/>
+                <a:pt x="2639451" y="0"/>
               </a:moveTo>
               <a:lnTo>
-                <a:pt x="687996" y="223129"/>
+                <a:pt x="2639451" y="285340"/>
               </a:lnTo>
               <a:lnTo>
-                <a:pt x="0" y="223129"/>
+                <a:pt x="0" y="285340"/>
               </a:lnTo>
               <a:lnTo>
-                <a:pt x="0" y="327423"/>
+                <a:pt x="0" y="418713"/>
               </a:lnTo>
             </a:path>
           </a:pathLst>
@@ -3455,15 +3459,15 @@
         <a:fontRef idx="minor"/>
       </dsp:style>
     </dsp:sp>
-    <dsp:sp modelId="{CA334296-A724-406C-A91A-6BBD1B0B3DC1}">
+    <dsp:sp modelId="{A87B2D47-FF3A-0C4A-BF84-6D8831E376F4}">
       <dsp:nvSpPr>
         <dsp:cNvPr id="0" name=""/>
         <dsp:cNvSpPr/>
       </dsp:nvSpPr>
       <dsp:spPr>
         <a:xfrm>
-          <a:off x="571276" y="3993720"/>
-          <a:ext cx="2063990" cy="327423"/>
+          <a:off x="5955824" y="2889194"/>
+          <a:ext cx="91440" cy="418713"/>
         </a:xfrm>
         <a:custGeom>
           <a:avLst/>
@@ -3474,16 +3478,10 @@
           <a:pathLst>
             <a:path>
               <a:moveTo>
-                <a:pt x="2063990" y="0"/>
+                <a:pt x="45720" y="0"/>
               </a:moveTo>
               <a:lnTo>
-                <a:pt x="2063990" y="223129"/>
-              </a:lnTo>
-              <a:lnTo>
-                <a:pt x="0" y="223129"/>
-              </a:lnTo>
-              <a:lnTo>
-                <a:pt x="0" y="327423"/>
+                <a:pt x="45720" y="418713"/>
               </a:lnTo>
             </a:path>
           </a:pathLst>
@@ -3516,15 +3514,15 @@
         <a:fontRef idx="minor"/>
       </dsp:style>
     </dsp:sp>
-    <dsp:sp modelId="{060BA2E6-BC2F-4814-A85C-6DC7253BD97B}">
+    <dsp:sp modelId="{A1E4A5CD-BF3B-7A4E-BE82-6B3CC2E56B81}">
       <dsp:nvSpPr>
         <dsp:cNvPr id="0" name=""/>
         <dsp:cNvSpPr/>
       </dsp:nvSpPr>
       <dsp:spPr>
         <a:xfrm>
-          <a:off x="2635266" y="2951405"/>
-          <a:ext cx="687996" cy="327423"/>
+          <a:off x="3362092" y="1556271"/>
+          <a:ext cx="2639451" cy="418713"/>
         </a:xfrm>
         <a:custGeom>
           <a:avLst/>
@@ -3535,16 +3533,16 @@
           <a:pathLst>
             <a:path>
               <a:moveTo>
-                <a:pt x="687996" y="0"/>
+                <a:pt x="0" y="0"/>
               </a:moveTo>
               <a:lnTo>
-                <a:pt x="687996" y="223129"/>
+                <a:pt x="0" y="285340"/>
               </a:lnTo>
               <a:lnTo>
-                <a:pt x="0" y="223129"/>
+                <a:pt x="2639451" y="285340"/>
               </a:lnTo>
               <a:lnTo>
-                <a:pt x="0" y="327423"/>
+                <a:pt x="2639451" y="418713"/>
               </a:lnTo>
             </a:path>
           </a:pathLst>
@@ -3553,7 +3551,7 @@
         <a:ln w="19050" cap="rnd" cmpd="sng" algn="ctr">
           <a:solidFill>
             <a:schemeClr val="accent1">
-              <a:shade val="80000"/>
+              <a:shade val="60000"/>
               <a:hueOff val="0"/>
               <a:satOff val="0"/>
               <a:lumOff val="0"/>
@@ -3577,15 +3575,15 @@
         <a:fontRef idx="minor"/>
       </dsp:style>
     </dsp:sp>
-    <dsp:sp modelId="{00AA4F40-9488-4F07-97A8-68324A222B93}">
+    <dsp:sp modelId="{A457EF02-6141-BD41-B5FB-062B73745800}">
       <dsp:nvSpPr>
         <dsp:cNvPr id="0" name=""/>
         <dsp:cNvSpPr/>
       </dsp:nvSpPr>
       <dsp:spPr>
         <a:xfrm>
-          <a:off x="3277543" y="1909090"/>
-          <a:ext cx="91440" cy="327423"/>
+          <a:off x="3362092" y="1556271"/>
+          <a:ext cx="879817" cy="418713"/>
         </a:xfrm>
         <a:custGeom>
           <a:avLst/>
@@ -3596,10 +3594,138 @@
           <a:pathLst>
             <a:path>
               <a:moveTo>
-                <a:pt x="45720" y="0"/>
+                <a:pt x="0" y="0"/>
               </a:moveTo>
               <a:lnTo>
-                <a:pt x="45720" y="327423"/>
+                <a:pt x="0" y="285340"/>
+              </a:lnTo>
+              <a:lnTo>
+                <a:pt x="879817" y="285340"/>
+              </a:lnTo>
+              <a:lnTo>
+                <a:pt x="879817" y="418713"/>
+              </a:lnTo>
+            </a:path>
+          </a:pathLst>
+        </a:custGeom>
+        <a:noFill/>
+        <a:ln w="19050" cap="rnd" cmpd="sng" algn="ctr">
+          <a:solidFill>
+            <a:schemeClr val="accent1">
+              <a:shade val="60000"/>
+              <a:hueOff val="0"/>
+              <a:satOff val="0"/>
+              <a:lumOff val="0"/>
+              <a:alphaOff val="0"/>
+            </a:schemeClr>
+          </a:solidFill>
+          <a:prstDash val="solid"/>
+        </a:ln>
+        <a:effectLst/>
+      </dsp:spPr>
+      <dsp:style>
+        <a:lnRef idx="2">
+          <a:scrgbClr r="0" g="0" b="0"/>
+        </a:lnRef>
+        <a:fillRef idx="0">
+          <a:scrgbClr r="0" g="0" b="0"/>
+        </a:fillRef>
+        <a:effectRef idx="0">
+          <a:scrgbClr r="0" g="0" b="0"/>
+        </a:effectRef>
+        <a:fontRef idx="minor"/>
+      </dsp:style>
+    </dsp:sp>
+    <dsp:sp modelId="{99AC887F-33B1-5C4B-A7EA-E6254A4B2B6D}">
+      <dsp:nvSpPr>
+        <dsp:cNvPr id="0" name=""/>
+        <dsp:cNvSpPr/>
+      </dsp:nvSpPr>
+      <dsp:spPr>
+        <a:xfrm>
+          <a:off x="2482275" y="1556271"/>
+          <a:ext cx="879817" cy="418713"/>
+        </a:xfrm>
+        <a:custGeom>
+          <a:avLst/>
+          <a:gdLst/>
+          <a:ahLst/>
+          <a:cxnLst/>
+          <a:rect l="0" t="0" r="0" b="0"/>
+          <a:pathLst>
+            <a:path>
+              <a:moveTo>
+                <a:pt x="879817" y="0"/>
+              </a:moveTo>
+              <a:lnTo>
+                <a:pt x="879817" y="285340"/>
+              </a:lnTo>
+              <a:lnTo>
+                <a:pt x="0" y="285340"/>
+              </a:lnTo>
+              <a:lnTo>
+                <a:pt x="0" y="418713"/>
+              </a:lnTo>
+            </a:path>
+          </a:pathLst>
+        </a:custGeom>
+        <a:noFill/>
+        <a:ln w="19050" cap="rnd" cmpd="sng" algn="ctr">
+          <a:solidFill>
+            <a:schemeClr val="accent1">
+              <a:shade val="60000"/>
+              <a:hueOff val="0"/>
+              <a:satOff val="0"/>
+              <a:lumOff val="0"/>
+              <a:alphaOff val="0"/>
+            </a:schemeClr>
+          </a:solidFill>
+          <a:prstDash val="solid"/>
+        </a:ln>
+        <a:effectLst/>
+      </dsp:spPr>
+      <dsp:style>
+        <a:lnRef idx="2">
+          <a:scrgbClr r="0" g="0" b="0"/>
+        </a:lnRef>
+        <a:fillRef idx="0">
+          <a:scrgbClr r="0" g="0" b="0"/>
+        </a:fillRef>
+        <a:effectRef idx="0">
+          <a:scrgbClr r="0" g="0" b="0"/>
+        </a:effectRef>
+        <a:fontRef idx="minor"/>
+      </dsp:style>
+    </dsp:sp>
+    <dsp:sp modelId="{0BDF7E12-6962-274E-85CD-EB37CA7EB5C9}">
+      <dsp:nvSpPr>
+        <dsp:cNvPr id="0" name=""/>
+        <dsp:cNvSpPr/>
+      </dsp:nvSpPr>
+      <dsp:spPr>
+        <a:xfrm>
+          <a:off x="722640" y="1556271"/>
+          <a:ext cx="2639451" cy="418713"/>
+        </a:xfrm>
+        <a:custGeom>
+          <a:avLst/>
+          <a:gdLst/>
+          <a:ahLst/>
+          <a:cxnLst/>
+          <a:rect l="0" t="0" r="0" b="0"/>
+          <a:pathLst>
+            <a:path>
+              <a:moveTo>
+                <a:pt x="2639451" y="0"/>
+              </a:moveTo>
+              <a:lnTo>
+                <a:pt x="2639451" y="285340"/>
+              </a:lnTo>
+              <a:lnTo>
+                <a:pt x="0" y="285340"/>
+              </a:lnTo>
+              <a:lnTo>
+                <a:pt x="0" y="418713"/>
               </a:lnTo>
             </a:path>
           </a:pathLst>
@@ -3639,8 +3765,8 @@
       </dsp:nvSpPr>
       <dsp:spPr>
         <a:xfrm>
-          <a:off x="2760357" y="1194199"/>
-          <a:ext cx="1125812" cy="714891"/>
+          <a:off x="2642242" y="642060"/>
+          <a:ext cx="1439701" cy="914210"/>
         </a:xfrm>
         <a:prstGeom prst="roundRect">
           <a:avLst>
@@ -3690,8 +3816,8 @@
       </dsp:nvSpPr>
       <dsp:spPr>
         <a:xfrm>
-          <a:off x="2885447" y="1313034"/>
-          <a:ext cx="1125812" cy="714891"/>
+          <a:off x="2802208" y="794029"/>
+          <a:ext cx="1439701" cy="914210"/>
         </a:xfrm>
         <a:prstGeom prst="roundRect">
           <a:avLst>
@@ -3733,12 +3859,12 @@
         <a:fontRef idx="minor"/>
       </dsp:style>
       <dsp:txBody>
-        <a:bodyPr spcFirstLastPara="0" vert="horz" wrap="square" lIns="49530" tIns="49530" rIns="49530" bIns="49530" numCol="1" spcCol="1270" anchor="ctr" anchorCtr="0">
+        <a:bodyPr spcFirstLastPara="0" vert="horz" wrap="square" lIns="64770" tIns="64770" rIns="64770" bIns="64770" numCol="1" spcCol="1270" anchor="ctr" anchorCtr="0">
           <a:noAutofit/>
         </a:bodyPr>
         <a:lstStyle/>
         <a:p>
-          <a:pPr marL="0" lvl="0" indent="0" algn="ctr" defTabSz="577850">
+          <a:pPr marL="0" lvl="0" indent="0" algn="ctr" defTabSz="755650">
             <a:lnSpc>
               <a:spcPct val="90000"/>
             </a:lnSpc>
@@ -3751,25 +3877,25 @@
             <a:buNone/>
           </a:pPr>
           <a:r>
-            <a:rPr lang="en-US" sz="1300" kern="1200" dirty="0"/>
+            <a:rPr lang="en-US" sz="1700" kern="1200" dirty="0"/>
             <a:t>Environment</a:t>
           </a:r>
         </a:p>
       </dsp:txBody>
       <dsp:txXfrm>
-        <a:off x="2906385" y="1333972"/>
-        <a:ext cx="1083936" cy="673015"/>
+        <a:off x="2828984" y="820805"/>
+        <a:ext cx="1386149" cy="860658"/>
       </dsp:txXfrm>
     </dsp:sp>
-    <dsp:sp modelId="{E643E68D-7A88-41E6-8531-06CAB73B8D1D}">
+    <dsp:sp modelId="{F69FCAD8-18CC-A848-A59B-CDA048317AA9}">
       <dsp:nvSpPr>
         <dsp:cNvPr id="0" name=""/>
         <dsp:cNvSpPr/>
       </dsp:nvSpPr>
       <dsp:spPr>
         <a:xfrm>
-          <a:off x="2760357" y="2236514"/>
-          <a:ext cx="1125812" cy="714891"/>
+          <a:off x="2790" y="1974984"/>
+          <a:ext cx="1439701" cy="914210"/>
         </a:xfrm>
         <a:prstGeom prst="roundRect">
           <a:avLst>
@@ -3812,15 +3938,15 @@
         </a:fontRef>
       </dsp:style>
     </dsp:sp>
-    <dsp:sp modelId="{18E153F8-1841-4496-8066-C80E747D7C35}">
+    <dsp:sp modelId="{60886B65-FBD7-3244-B035-C27610542378}">
       <dsp:nvSpPr>
         <dsp:cNvPr id="0" name=""/>
         <dsp:cNvSpPr/>
       </dsp:nvSpPr>
       <dsp:spPr>
         <a:xfrm>
-          <a:off x="2885447" y="2355349"/>
-          <a:ext cx="1125812" cy="714891"/>
+          <a:off x="162756" y="2126952"/>
+          <a:ext cx="1439701" cy="914210"/>
         </a:xfrm>
         <a:prstGeom prst="roundRect">
           <a:avLst>
@@ -3862,12 +3988,12 @@
         <a:fontRef idx="minor"/>
       </dsp:style>
       <dsp:txBody>
-        <a:bodyPr spcFirstLastPara="0" vert="horz" wrap="square" lIns="49530" tIns="49530" rIns="49530" bIns="49530" numCol="1" spcCol="1270" anchor="ctr" anchorCtr="0">
+        <a:bodyPr spcFirstLastPara="0" vert="horz" wrap="square" lIns="64770" tIns="64770" rIns="64770" bIns="64770" numCol="1" spcCol="1270" anchor="ctr" anchorCtr="0">
           <a:noAutofit/>
         </a:bodyPr>
         <a:lstStyle/>
         <a:p>
-          <a:pPr marL="0" lvl="0" indent="0" algn="ctr" defTabSz="577850">
+          <a:pPr marL="0" lvl="0" indent="0" algn="ctr" defTabSz="755650">
             <a:lnSpc>
               <a:spcPct val="90000"/>
             </a:lnSpc>
@@ -3880,29 +4006,29 @@
             <a:buNone/>
           </a:pPr>
           <a:r>
-            <a:rPr lang="en-US" sz="1300" kern="1200" dirty="0" err="1"/>
+            <a:rPr lang="en-US" sz="1700" kern="1200" dirty="0" err="1"/>
             <a:t>PyGame</a:t>
           </a:r>
           <a:r>
-            <a:rPr lang="en-US" sz="1300" kern="1200" dirty="0"/>
+            <a:rPr lang="en-US" sz="1700" kern="1200" dirty="0"/>
             <a:t> Handler</a:t>
           </a:r>
         </a:p>
       </dsp:txBody>
       <dsp:txXfrm>
-        <a:off x="2906385" y="2376287"/>
-        <a:ext cx="1083936" cy="673015"/>
+        <a:off x="189532" y="2153728"/>
+        <a:ext cx="1386149" cy="860658"/>
       </dsp:txXfrm>
     </dsp:sp>
-    <dsp:sp modelId="{E0699E82-1611-4960-B549-DDF77DA1FB71}">
+    <dsp:sp modelId="{B25A926C-83AC-6341-BA31-F6A7AF7BB34E}">
       <dsp:nvSpPr>
         <dsp:cNvPr id="0" name=""/>
         <dsp:cNvSpPr/>
       </dsp:nvSpPr>
       <dsp:spPr>
         <a:xfrm>
-          <a:off x="2072360" y="3278829"/>
-          <a:ext cx="1125812" cy="714891"/>
+          <a:off x="1762424" y="1974984"/>
+          <a:ext cx="1439701" cy="914210"/>
         </a:xfrm>
         <a:prstGeom prst="roundRect">
           <a:avLst>
@@ -3945,15 +4071,15 @@
         </a:fontRef>
       </dsp:style>
     </dsp:sp>
-    <dsp:sp modelId="{C97349B7-3A58-4D34-BBE2-11C9CC4C8382}">
+    <dsp:sp modelId="{43DD81C4-94F9-3348-8F6E-DD1CAAC37F14}">
       <dsp:nvSpPr>
         <dsp:cNvPr id="0" name=""/>
         <dsp:cNvSpPr/>
       </dsp:nvSpPr>
       <dsp:spPr>
         <a:xfrm>
-          <a:off x="2197450" y="3397664"/>
-          <a:ext cx="1125812" cy="714891"/>
+          <a:off x="1922391" y="2126952"/>
+          <a:ext cx="1439701" cy="914210"/>
         </a:xfrm>
         <a:prstGeom prst="roundRect">
           <a:avLst>
@@ -3971,12 +4097,7 @@
         </a:solidFill>
         <a:ln w="19050" cap="rnd" cmpd="sng" algn="ctr">
           <a:solidFill>
-            <a:schemeClr val="accent1">
-              <a:hueOff val="0"/>
-              <a:satOff val="0"/>
-              <a:lumOff val="0"/>
-              <a:alphaOff val="0"/>
-            </a:schemeClr>
+            <a:srgbClr val="FF0000"/>
           </a:solidFill>
           <a:prstDash val="solid"/>
         </a:ln>
@@ -3995,12 +4116,12 @@
         <a:fontRef idx="minor"/>
       </dsp:style>
       <dsp:txBody>
-        <a:bodyPr spcFirstLastPara="0" vert="horz" wrap="square" lIns="49530" tIns="49530" rIns="49530" bIns="49530" numCol="1" spcCol="1270" anchor="ctr" anchorCtr="0">
+        <a:bodyPr spcFirstLastPara="0" vert="horz" wrap="square" lIns="64770" tIns="64770" rIns="64770" bIns="64770" numCol="1" spcCol="1270" anchor="ctr" anchorCtr="0">
           <a:noAutofit/>
         </a:bodyPr>
         <a:lstStyle/>
         <a:p>
-          <a:pPr marL="0" lvl="0" indent="0" algn="ctr" defTabSz="577850">
+          <a:pPr marL="0" lvl="0" indent="0" algn="ctr" defTabSz="755650">
             <a:lnSpc>
               <a:spcPct val="90000"/>
             </a:lnSpc>
@@ -4013,25 +4134,25 @@
             <a:buNone/>
           </a:pPr>
           <a:r>
-            <a:rPr lang="en-US" sz="1300" kern="1200" dirty="0"/>
-            <a:t>Drone</a:t>
+            <a:rPr lang="en-US" sz="1700" kern="1200" dirty="0"/>
+            <a:t>RL</a:t>
           </a:r>
         </a:p>
       </dsp:txBody>
       <dsp:txXfrm>
-        <a:off x="2218388" y="3418602"/>
-        <a:ext cx="1083936" cy="673015"/>
+        <a:off x="1949167" y="2153728"/>
+        <a:ext cx="1386149" cy="860658"/>
       </dsp:txXfrm>
     </dsp:sp>
-    <dsp:sp modelId="{9D1C7C49-97ED-4C21-B919-DF2850165668}">
+    <dsp:sp modelId="{53EA03DA-1543-1E4A-89F5-CE677A06B0D4}">
       <dsp:nvSpPr>
         <dsp:cNvPr id="0" name=""/>
         <dsp:cNvSpPr/>
       </dsp:nvSpPr>
       <dsp:spPr>
         <a:xfrm>
-          <a:off x="8370" y="4321144"/>
-          <a:ext cx="1125812" cy="714891"/>
+          <a:off x="3522059" y="1974984"/>
+          <a:ext cx="1439701" cy="914210"/>
         </a:xfrm>
         <a:prstGeom prst="roundRect">
           <a:avLst>
@@ -4074,15 +4195,15 @@
         </a:fontRef>
       </dsp:style>
     </dsp:sp>
-    <dsp:sp modelId="{C903BF03-0D96-4C3E-BF6C-AC78B3361F84}">
+    <dsp:sp modelId="{22A887B8-4862-A04B-A5C8-AF2EF10C6B45}">
       <dsp:nvSpPr>
         <dsp:cNvPr id="0" name=""/>
         <dsp:cNvSpPr/>
       </dsp:nvSpPr>
       <dsp:spPr>
         <a:xfrm>
-          <a:off x="133460" y="4439979"/>
-          <a:ext cx="1125812" cy="714891"/>
+          <a:off x="3682026" y="2126952"/>
+          <a:ext cx="1439701" cy="914210"/>
         </a:xfrm>
         <a:prstGeom prst="roundRect">
           <a:avLst>
@@ -4124,12 +4245,12 @@
         <a:fontRef idx="minor"/>
       </dsp:style>
       <dsp:txBody>
-        <a:bodyPr spcFirstLastPara="0" vert="horz" wrap="square" lIns="49530" tIns="49530" rIns="49530" bIns="49530" numCol="1" spcCol="1270" anchor="ctr" anchorCtr="0">
+        <a:bodyPr spcFirstLastPara="0" vert="horz" wrap="square" lIns="64770" tIns="64770" rIns="64770" bIns="64770" numCol="1" spcCol="1270" anchor="ctr" anchorCtr="0">
           <a:noAutofit/>
         </a:bodyPr>
         <a:lstStyle/>
         <a:p>
-          <a:pPr marL="0" lvl="0" indent="0" algn="ctr" defTabSz="577850">
+          <a:pPr marL="0" lvl="0" indent="0" algn="ctr" defTabSz="755650">
             <a:lnSpc>
               <a:spcPct val="90000"/>
             </a:lnSpc>
@@ -4142,25 +4263,25 @@
             <a:buNone/>
           </a:pPr>
           <a:r>
-            <a:rPr lang="en-US" sz="1300" kern="1200" dirty="0"/>
-            <a:t>GPS</a:t>
+            <a:rPr lang="en-US" sz="1700" kern="1200" dirty="0"/>
+            <a:t>Graph server</a:t>
           </a:r>
         </a:p>
       </dsp:txBody>
       <dsp:txXfrm>
-        <a:off x="154398" y="4460917"/>
-        <a:ext cx="1083936" cy="673015"/>
+        <a:off x="3708802" y="2153728"/>
+        <a:ext cx="1386149" cy="860658"/>
       </dsp:txXfrm>
     </dsp:sp>
-    <dsp:sp modelId="{9B095961-EF97-4CE7-9715-3F40B20A25AB}">
+    <dsp:sp modelId="{FB8DD86C-0B47-AE4E-85D0-59C116CCBB62}">
       <dsp:nvSpPr>
         <dsp:cNvPr id="0" name=""/>
         <dsp:cNvSpPr/>
       </dsp:nvSpPr>
       <dsp:spPr>
         <a:xfrm>
-          <a:off x="1384363" y="4321144"/>
-          <a:ext cx="1125812" cy="714891"/>
+          <a:off x="5281694" y="1974984"/>
+          <a:ext cx="1439701" cy="914210"/>
         </a:xfrm>
         <a:prstGeom prst="roundRect">
           <a:avLst>
@@ -4203,15 +4324,15 @@
         </a:fontRef>
       </dsp:style>
     </dsp:sp>
-    <dsp:sp modelId="{1E8A9D08-188A-4ABC-AD24-B95FC4EF99F1}">
+    <dsp:sp modelId="{0F522DE3-D9B8-3542-BE72-F479BAA3FB13}">
       <dsp:nvSpPr>
         <dsp:cNvPr id="0" name=""/>
         <dsp:cNvSpPr/>
       </dsp:nvSpPr>
       <dsp:spPr>
         <a:xfrm>
-          <a:off x="1509454" y="4439979"/>
-          <a:ext cx="1125812" cy="714891"/>
+          <a:off x="5441660" y="2126952"/>
+          <a:ext cx="1439701" cy="914210"/>
         </a:xfrm>
         <a:prstGeom prst="roundRect">
           <a:avLst>
@@ -4253,12 +4374,12 @@
         <a:fontRef idx="minor"/>
       </dsp:style>
       <dsp:txBody>
-        <a:bodyPr spcFirstLastPara="0" vert="horz" wrap="square" lIns="49530" tIns="49530" rIns="49530" bIns="49530" numCol="1" spcCol="1270" anchor="ctr" anchorCtr="0">
+        <a:bodyPr spcFirstLastPara="0" vert="horz" wrap="square" lIns="64770" tIns="64770" rIns="64770" bIns="64770" numCol="1" spcCol="1270" anchor="ctr" anchorCtr="0">
           <a:noAutofit/>
         </a:bodyPr>
         <a:lstStyle/>
         <a:p>
-          <a:pPr marL="0" lvl="0" indent="0" algn="ctr" defTabSz="577850">
+          <a:pPr marL="0" lvl="0" indent="0" algn="ctr" defTabSz="755650">
             <a:lnSpc>
               <a:spcPct val="90000"/>
             </a:lnSpc>
@@ -4271,25 +4392,25 @@
             <a:buNone/>
           </a:pPr>
           <a:r>
-            <a:rPr lang="en-US" sz="1300" kern="1200" dirty="0"/>
-            <a:t>Radar</a:t>
+            <a:rPr lang="en-US" sz="1700" kern="1200" dirty="0"/>
+            <a:t>Drone server</a:t>
           </a:r>
         </a:p>
       </dsp:txBody>
       <dsp:txXfrm>
-        <a:off x="1530392" y="4460917"/>
-        <a:ext cx="1083936" cy="673015"/>
+        <a:off x="5468436" y="2153728"/>
+        <a:ext cx="1386149" cy="860658"/>
       </dsp:txXfrm>
     </dsp:sp>
-    <dsp:sp modelId="{8A814E02-9FEC-4835-9266-F9D1EEB210CC}">
+    <dsp:sp modelId="{7078F264-EA29-3949-89F1-AEBE9C767A77}">
       <dsp:nvSpPr>
         <dsp:cNvPr id="0" name=""/>
         <dsp:cNvSpPr/>
       </dsp:nvSpPr>
       <dsp:spPr>
         <a:xfrm>
-          <a:off x="2760357" y="4321144"/>
-          <a:ext cx="1125812" cy="714891"/>
+          <a:off x="5281694" y="3307907"/>
+          <a:ext cx="1439701" cy="914210"/>
         </a:xfrm>
         <a:prstGeom prst="roundRect">
           <a:avLst>
@@ -4332,15 +4453,15 @@
         </a:fontRef>
       </dsp:style>
     </dsp:sp>
-    <dsp:sp modelId="{E1E4A42E-2D13-4D7D-A766-A7499CD73E67}">
+    <dsp:sp modelId="{52354F52-903C-964E-9C70-F0085EDCEA54}">
       <dsp:nvSpPr>
         <dsp:cNvPr id="0" name=""/>
         <dsp:cNvSpPr/>
       </dsp:nvSpPr>
       <dsp:spPr>
         <a:xfrm>
-          <a:off x="2885447" y="4439979"/>
-          <a:ext cx="1125812" cy="714891"/>
+          <a:off x="5441660" y="3459875"/>
+          <a:ext cx="1439701" cy="914210"/>
         </a:xfrm>
         <a:prstGeom prst="roundRect">
           <a:avLst>
@@ -4382,12 +4503,12 @@
         <a:fontRef idx="minor"/>
       </dsp:style>
       <dsp:txBody>
-        <a:bodyPr spcFirstLastPara="0" vert="horz" wrap="square" lIns="49530" tIns="49530" rIns="49530" bIns="49530" numCol="1" spcCol="1270" anchor="ctr" anchorCtr="0">
+        <a:bodyPr spcFirstLastPara="0" vert="horz" wrap="square" lIns="64770" tIns="64770" rIns="64770" bIns="64770" numCol="1" spcCol="1270" anchor="ctr" anchorCtr="0">
           <a:noAutofit/>
         </a:bodyPr>
         <a:lstStyle/>
         <a:p>
-          <a:pPr marL="0" lvl="0" indent="0" algn="ctr" defTabSz="577850">
+          <a:pPr marL="0" lvl="0" indent="0" algn="ctr" defTabSz="755650">
             <a:lnSpc>
               <a:spcPct val="90000"/>
             </a:lnSpc>
@@ -4400,25 +4521,25 @@
             <a:buNone/>
           </a:pPr>
           <a:r>
-            <a:rPr lang="en-US" sz="1300" kern="1200" dirty="0"/>
-            <a:t>Motion Controller</a:t>
+            <a:rPr lang="en-US" sz="1700" kern="1200" dirty="0"/>
+            <a:t>Drone</a:t>
           </a:r>
         </a:p>
       </dsp:txBody>
       <dsp:txXfrm>
-        <a:off x="2906385" y="4460917"/>
-        <a:ext cx="1083936" cy="673015"/>
+        <a:off x="5468436" y="3486651"/>
+        <a:ext cx="1386149" cy="860658"/>
       </dsp:txXfrm>
     </dsp:sp>
-    <dsp:sp modelId="{22283078-E456-4BA5-ACD1-CAB945606245}">
+    <dsp:sp modelId="{3B375CF9-B02A-5D4D-933E-07834968E434}">
       <dsp:nvSpPr>
         <dsp:cNvPr id="0" name=""/>
         <dsp:cNvSpPr/>
       </dsp:nvSpPr>
       <dsp:spPr>
         <a:xfrm>
-          <a:off x="4136350" y="4321144"/>
-          <a:ext cx="1125812" cy="714891"/>
+          <a:off x="2642242" y="4640830"/>
+          <a:ext cx="1439701" cy="914210"/>
         </a:xfrm>
         <a:prstGeom prst="roundRect">
           <a:avLst>
@@ -4461,15 +4582,15 @@
         </a:fontRef>
       </dsp:style>
     </dsp:sp>
-    <dsp:sp modelId="{6A7714B3-215F-43AF-B3E3-668E1E0F1271}">
+    <dsp:sp modelId="{EF0E4FE6-1AC1-BE44-B1A4-30FD7443D3BC}">
       <dsp:nvSpPr>
         <dsp:cNvPr id="0" name=""/>
         <dsp:cNvSpPr/>
       </dsp:nvSpPr>
       <dsp:spPr>
         <a:xfrm>
-          <a:off x="4261440" y="4439979"/>
-          <a:ext cx="1125812" cy="714891"/>
+          <a:off x="2802208" y="4792798"/>
+          <a:ext cx="1439701" cy="914210"/>
         </a:xfrm>
         <a:prstGeom prst="roundRect">
           <a:avLst>
@@ -4511,12 +4632,12 @@
         <a:fontRef idx="minor"/>
       </dsp:style>
       <dsp:txBody>
-        <a:bodyPr spcFirstLastPara="0" vert="horz" wrap="square" lIns="49530" tIns="49530" rIns="49530" bIns="49530" numCol="1" spcCol="1270" anchor="ctr" anchorCtr="0">
+        <a:bodyPr spcFirstLastPara="0" vert="horz" wrap="square" lIns="64770" tIns="64770" rIns="64770" bIns="64770" numCol="1" spcCol="1270" anchor="ctr" anchorCtr="0">
           <a:noAutofit/>
         </a:bodyPr>
         <a:lstStyle/>
         <a:p>
-          <a:pPr marL="0" lvl="0" indent="0" algn="ctr" defTabSz="577850">
+          <a:pPr marL="0" lvl="0" indent="0" algn="ctr" defTabSz="755650">
             <a:lnSpc>
               <a:spcPct val="90000"/>
             </a:lnSpc>
@@ -4529,25 +4650,25 @@
             <a:buNone/>
           </a:pPr>
           <a:r>
-            <a:rPr lang="en-US" sz="1300" kern="1200" dirty="0"/>
-            <a:t>Power management</a:t>
+            <a:rPr lang="en-US" sz="1700" kern="1200" dirty="0"/>
+            <a:t>GPS</a:t>
           </a:r>
         </a:p>
       </dsp:txBody>
       <dsp:txXfrm>
-        <a:off x="4282378" y="4460917"/>
-        <a:ext cx="1083936" cy="673015"/>
+        <a:off x="2828984" y="4819574"/>
+        <a:ext cx="1386149" cy="860658"/>
       </dsp:txXfrm>
     </dsp:sp>
-    <dsp:sp modelId="{35568C11-3B94-408D-8217-0898C81C0278}">
+    <dsp:sp modelId="{DBF3BB4C-1F54-4448-91A2-357930BB67E8}">
       <dsp:nvSpPr>
         <dsp:cNvPr id="0" name=""/>
         <dsp:cNvSpPr/>
       </dsp:nvSpPr>
       <dsp:spPr>
         <a:xfrm>
-          <a:off x="3794496" y="3300719"/>
-          <a:ext cx="1125812" cy="714891"/>
+          <a:off x="4401876" y="4640830"/>
+          <a:ext cx="1439701" cy="914210"/>
         </a:xfrm>
         <a:prstGeom prst="roundRect">
           <a:avLst>
@@ -4590,15 +4711,15 @@
         </a:fontRef>
       </dsp:style>
     </dsp:sp>
-    <dsp:sp modelId="{93BBEF11-035C-4D84-8357-D8F86E0B6105}">
+    <dsp:sp modelId="{383B2FC9-B311-4A4F-B20C-2AD448DEF120}">
       <dsp:nvSpPr>
         <dsp:cNvPr id="0" name=""/>
         <dsp:cNvSpPr/>
       </dsp:nvSpPr>
       <dsp:spPr>
         <a:xfrm>
-          <a:off x="3919586" y="3419554"/>
-          <a:ext cx="1125812" cy="714891"/>
+          <a:off x="4561843" y="4792798"/>
+          <a:ext cx="1439701" cy="914210"/>
         </a:xfrm>
         <a:prstGeom prst="roundRect">
           <a:avLst>
@@ -4616,7 +4737,12 @@
         </a:solidFill>
         <a:ln w="19050" cap="rnd" cmpd="sng" algn="ctr">
           <a:solidFill>
-            <a:srgbClr val="FF0000"/>
+            <a:schemeClr val="accent1">
+              <a:hueOff val="0"/>
+              <a:satOff val="0"/>
+              <a:lumOff val="0"/>
+              <a:alphaOff val="0"/>
+            </a:schemeClr>
           </a:solidFill>
           <a:prstDash val="solid"/>
         </a:ln>
@@ -4635,12 +4761,12 @@
         <a:fontRef idx="minor"/>
       </dsp:style>
       <dsp:txBody>
-        <a:bodyPr spcFirstLastPara="0" vert="horz" wrap="square" lIns="49530" tIns="49530" rIns="49530" bIns="49530" numCol="1" spcCol="1270" anchor="ctr" anchorCtr="0">
+        <a:bodyPr spcFirstLastPara="0" vert="horz" wrap="square" lIns="64770" tIns="64770" rIns="64770" bIns="64770" numCol="1" spcCol="1270" anchor="ctr" anchorCtr="0">
           <a:noAutofit/>
         </a:bodyPr>
         <a:lstStyle/>
         <a:p>
-          <a:pPr marL="0" lvl="0" indent="0" algn="ctr" defTabSz="577850">
+          <a:pPr marL="0" lvl="0" indent="0" algn="ctr" defTabSz="755650">
             <a:lnSpc>
               <a:spcPct val="90000"/>
             </a:lnSpc>
@@ -4653,25 +4779,25 @@
             <a:buNone/>
           </a:pPr>
           <a:r>
-            <a:rPr lang="en-US" sz="1300" kern="1200" dirty="0"/>
-            <a:t>RL</a:t>
+            <a:rPr lang="en-US" sz="1700" kern="1200" dirty="0"/>
+            <a:t>Radar</a:t>
           </a:r>
         </a:p>
       </dsp:txBody>
       <dsp:txXfrm>
-        <a:off x="3940524" y="3440492"/>
-        <a:ext cx="1083936" cy="673015"/>
+        <a:off x="4588619" y="4819574"/>
+        <a:ext cx="1386149" cy="860658"/>
       </dsp:txXfrm>
     </dsp:sp>
-    <dsp:sp modelId="{904EFECA-047E-45E3-8C4E-ED289A715E23}">
+    <dsp:sp modelId="{493AC69D-AB27-EE4B-83D4-41285055D9B8}">
       <dsp:nvSpPr>
         <dsp:cNvPr id="0" name=""/>
         <dsp:cNvSpPr/>
       </dsp:nvSpPr>
       <dsp:spPr>
         <a:xfrm>
-          <a:off x="4136350" y="1194199"/>
-          <a:ext cx="1125812" cy="714891"/>
+          <a:off x="6161511" y="4640830"/>
+          <a:ext cx="1439701" cy="914210"/>
         </a:xfrm>
         <a:prstGeom prst="roundRect">
           <a:avLst>
@@ -4714,15 +4840,15 @@
         </a:fontRef>
       </dsp:style>
     </dsp:sp>
-    <dsp:sp modelId="{25BBB2D9-3631-4FBD-BF4D-CEEC5CAFFFAE}">
+    <dsp:sp modelId="{424A924C-A6C9-7E49-A58A-5491C147BDA0}">
       <dsp:nvSpPr>
         <dsp:cNvPr id="0" name=""/>
         <dsp:cNvSpPr/>
       </dsp:nvSpPr>
       <dsp:spPr>
         <a:xfrm>
-          <a:off x="4261440" y="1313034"/>
-          <a:ext cx="1125812" cy="714891"/>
+          <a:off x="6321478" y="4792798"/>
+          <a:ext cx="1439701" cy="914210"/>
         </a:xfrm>
         <a:prstGeom prst="roundRect">
           <a:avLst>
@@ -4764,12 +4890,12 @@
         <a:fontRef idx="minor"/>
       </dsp:style>
       <dsp:txBody>
-        <a:bodyPr spcFirstLastPara="0" vert="horz" wrap="square" lIns="49530" tIns="49530" rIns="49530" bIns="49530" numCol="1" spcCol="1270" anchor="ctr" anchorCtr="0">
+        <a:bodyPr spcFirstLastPara="0" vert="horz" wrap="square" lIns="64770" tIns="64770" rIns="64770" bIns="64770" numCol="1" spcCol="1270" anchor="ctr" anchorCtr="0">
           <a:noAutofit/>
         </a:bodyPr>
         <a:lstStyle/>
         <a:p>
-          <a:pPr marL="0" lvl="0" indent="0" algn="ctr" defTabSz="577850">
+          <a:pPr marL="0" lvl="0" indent="0" algn="ctr" defTabSz="755650">
             <a:lnSpc>
               <a:spcPct val="90000"/>
             </a:lnSpc>
@@ -4782,25 +4908,25 @@
             <a:buNone/>
           </a:pPr>
           <a:r>
-            <a:rPr lang="en-US" sz="1300" kern="1200" dirty="0"/>
-            <a:t>Pre-game map generator</a:t>
+            <a:rPr lang="en-US" sz="1700" kern="1200" dirty="0"/>
+            <a:t>Motion Controller</a:t>
           </a:r>
         </a:p>
       </dsp:txBody>
       <dsp:txXfrm>
-        <a:off x="4282378" y="1333972"/>
-        <a:ext cx="1083936" cy="673015"/>
+        <a:off x="6348254" y="4819574"/>
+        <a:ext cx="1386149" cy="860658"/>
       </dsp:txXfrm>
     </dsp:sp>
-    <dsp:sp modelId="{BF1D155D-345E-4E6D-9D48-95854F58DD89}">
+    <dsp:sp modelId="{47E08C33-E9D9-E64A-9614-C2C145183E9A}">
       <dsp:nvSpPr>
         <dsp:cNvPr id="0" name=""/>
         <dsp:cNvSpPr/>
       </dsp:nvSpPr>
       <dsp:spPr>
         <a:xfrm>
-          <a:off x="5512343" y="1194199"/>
-          <a:ext cx="1125812" cy="714891"/>
+          <a:off x="7921146" y="4640830"/>
+          <a:ext cx="1439701" cy="914210"/>
         </a:xfrm>
         <a:prstGeom prst="roundRect">
           <a:avLst>
@@ -4843,15 +4969,15 @@
         </a:fontRef>
       </dsp:style>
     </dsp:sp>
-    <dsp:sp modelId="{F0C44D0B-DBEC-4EC7-A5DC-5526B94D7B7F}">
+    <dsp:sp modelId="{06D1F2E0-29F1-FA41-B53E-B71E7EBE1937}">
       <dsp:nvSpPr>
         <dsp:cNvPr id="0" name=""/>
         <dsp:cNvSpPr/>
       </dsp:nvSpPr>
       <dsp:spPr>
         <a:xfrm>
-          <a:off x="5637434" y="1313034"/>
-          <a:ext cx="1125812" cy="714891"/>
+          <a:off x="8081112" y="4792798"/>
+          <a:ext cx="1439701" cy="914210"/>
         </a:xfrm>
         <a:prstGeom prst="roundRect">
           <a:avLst>
@@ -4893,12 +5019,12 @@
         <a:fontRef idx="minor"/>
       </dsp:style>
       <dsp:txBody>
-        <a:bodyPr spcFirstLastPara="0" vert="horz" wrap="square" lIns="49530" tIns="49530" rIns="49530" bIns="49530" numCol="1" spcCol="1270" anchor="ctr" anchorCtr="0">
+        <a:bodyPr spcFirstLastPara="0" vert="horz" wrap="square" lIns="64770" tIns="64770" rIns="64770" bIns="64770" numCol="1" spcCol="1270" anchor="ctr" anchorCtr="0">
           <a:noAutofit/>
         </a:bodyPr>
         <a:lstStyle/>
         <a:p>
-          <a:pPr marL="0" lvl="0" indent="0" algn="ctr" defTabSz="577850">
+          <a:pPr marL="0" lvl="0" indent="0" algn="ctr" defTabSz="755650">
             <a:lnSpc>
               <a:spcPct val="90000"/>
             </a:lnSpc>
@@ -4911,18 +5037,143 @@
             <a:buNone/>
           </a:pPr>
           <a:r>
-            <a:rPr lang="en-US" sz="1300" kern="1200"/>
-            <a:t>Graph </a:t>
-          </a:r>
-          <a:r>
-            <a:rPr lang="en-US" sz="1300" kern="1200" dirty="0"/>
-            <a:t>server</a:t>
+            <a:rPr lang="en-US" sz="1700" kern="1200" dirty="0"/>
+            <a:t>Power management</a:t>
           </a:r>
         </a:p>
       </dsp:txBody>
       <dsp:txXfrm>
-        <a:off x="5658372" y="1333972"/>
-        <a:ext cx="1083936" cy="673015"/>
+        <a:off x="8107888" y="4819574"/>
+        <a:ext cx="1386149" cy="860658"/>
+      </dsp:txXfrm>
+    </dsp:sp>
+    <dsp:sp modelId="{74789294-2F5B-9040-BF5F-AC429ECD8B9D}">
+      <dsp:nvSpPr>
+        <dsp:cNvPr id="0" name=""/>
+        <dsp:cNvSpPr/>
+      </dsp:nvSpPr>
+      <dsp:spPr>
+        <a:xfrm>
+          <a:off x="4401876" y="642060"/>
+          <a:ext cx="1439701" cy="914210"/>
+        </a:xfrm>
+        <a:prstGeom prst="roundRect">
+          <a:avLst>
+            <a:gd name="adj" fmla="val 10000"/>
+          </a:avLst>
+        </a:prstGeom>
+        <a:solidFill>
+          <a:schemeClr val="accent1">
+            <a:hueOff val="0"/>
+            <a:satOff val="0"/>
+            <a:lumOff val="0"/>
+            <a:alphaOff val="0"/>
+          </a:schemeClr>
+        </a:solidFill>
+        <a:ln w="19050" cap="rnd" cmpd="sng" algn="ctr">
+          <a:solidFill>
+            <a:schemeClr val="lt1">
+              <a:hueOff val="0"/>
+              <a:satOff val="0"/>
+              <a:lumOff val="0"/>
+              <a:alphaOff val="0"/>
+            </a:schemeClr>
+          </a:solidFill>
+          <a:prstDash val="solid"/>
+        </a:ln>
+        <a:effectLst/>
+      </dsp:spPr>
+      <dsp:style>
+        <a:lnRef idx="2">
+          <a:scrgbClr r="0" g="0" b="0"/>
+        </a:lnRef>
+        <a:fillRef idx="1">
+          <a:scrgbClr r="0" g="0" b="0"/>
+        </a:fillRef>
+        <a:effectRef idx="0">
+          <a:scrgbClr r="0" g="0" b="0"/>
+        </a:effectRef>
+        <a:fontRef idx="minor">
+          <a:schemeClr val="lt1"/>
+        </a:fontRef>
+      </dsp:style>
+    </dsp:sp>
+    <dsp:sp modelId="{09C1D2D3-B245-CC4E-ACCE-BD041DCECD09}">
+      <dsp:nvSpPr>
+        <dsp:cNvPr id="0" name=""/>
+        <dsp:cNvSpPr/>
+      </dsp:nvSpPr>
+      <dsp:spPr>
+        <a:xfrm>
+          <a:off x="4561843" y="794029"/>
+          <a:ext cx="1439701" cy="914210"/>
+        </a:xfrm>
+        <a:prstGeom prst="roundRect">
+          <a:avLst>
+            <a:gd name="adj" fmla="val 10000"/>
+          </a:avLst>
+        </a:prstGeom>
+        <a:solidFill>
+          <a:schemeClr val="lt1">
+            <a:alpha val="90000"/>
+            <a:hueOff val="0"/>
+            <a:satOff val="0"/>
+            <a:lumOff val="0"/>
+            <a:alphaOff val="0"/>
+          </a:schemeClr>
+        </a:solidFill>
+        <a:ln w="19050" cap="rnd" cmpd="sng" algn="ctr">
+          <a:solidFill>
+            <a:schemeClr val="accent1">
+              <a:hueOff val="0"/>
+              <a:satOff val="0"/>
+              <a:lumOff val="0"/>
+              <a:alphaOff val="0"/>
+            </a:schemeClr>
+          </a:solidFill>
+          <a:prstDash val="solid"/>
+        </a:ln>
+        <a:effectLst/>
+      </dsp:spPr>
+      <dsp:style>
+        <a:lnRef idx="2">
+          <a:scrgbClr r="0" g="0" b="0"/>
+        </a:lnRef>
+        <a:fillRef idx="1">
+          <a:scrgbClr r="0" g="0" b="0"/>
+        </a:fillRef>
+        <a:effectRef idx="0">
+          <a:scrgbClr r="0" g="0" b="0"/>
+        </a:effectRef>
+        <a:fontRef idx="minor"/>
+      </dsp:style>
+      <dsp:txBody>
+        <a:bodyPr spcFirstLastPara="0" vert="horz" wrap="square" lIns="64770" tIns="64770" rIns="64770" bIns="64770" numCol="1" spcCol="1270" anchor="ctr" anchorCtr="0">
+          <a:noAutofit/>
+        </a:bodyPr>
+        <a:lstStyle/>
+        <a:p>
+          <a:pPr marL="0" lvl="0" indent="0" algn="ctr" defTabSz="755650">
+            <a:lnSpc>
+              <a:spcPct val="90000"/>
+            </a:lnSpc>
+            <a:spcBef>
+              <a:spcPct val="0"/>
+            </a:spcBef>
+            <a:spcAft>
+              <a:spcPct val="35000"/>
+            </a:spcAft>
+            <a:buNone/>
+          </a:pPr>
+          <a:r>
+            <a:rPr lang="en-US" sz="1700" kern="1200" dirty="0"/>
+            <a:t>Pre-game map generator</a:t>
+          </a:r>
+        </a:p>
+      </dsp:txBody>
+      <dsp:txXfrm>
+        <a:off x="4588619" y="820805"/>
+        <a:ext cx="1386149" cy="860658"/>
       </dsp:txXfrm>
     </dsp:sp>
     <dsp:sp modelId="{E6D57BCF-B9A3-4CD3-83B3-8F8B66EB32FB}">
@@ -4932,8 +5183,8 @@
       </dsp:nvSpPr>
       <dsp:spPr>
         <a:xfrm>
-          <a:off x="6888337" y="1194199"/>
-          <a:ext cx="1125812" cy="714891"/>
+          <a:off x="6161511" y="642060"/>
+          <a:ext cx="1439701" cy="914210"/>
         </a:xfrm>
         <a:prstGeom prst="roundRect">
           <a:avLst>
@@ -4983,8 +5234,8 @@
       </dsp:nvSpPr>
       <dsp:spPr>
         <a:xfrm>
-          <a:off x="7013427" y="1313034"/>
-          <a:ext cx="1125812" cy="714891"/>
+          <a:off x="6321478" y="794029"/>
+          <a:ext cx="1439701" cy="914210"/>
         </a:xfrm>
         <a:prstGeom prst="roundRect">
           <a:avLst>
@@ -5026,12 +5277,12 @@
         <a:fontRef idx="minor"/>
       </dsp:style>
       <dsp:txBody>
-        <a:bodyPr spcFirstLastPara="0" vert="horz" wrap="square" lIns="49530" tIns="49530" rIns="49530" bIns="49530" numCol="1" spcCol="1270" anchor="ctr" anchorCtr="0">
+        <a:bodyPr spcFirstLastPara="0" vert="horz" wrap="square" lIns="64770" tIns="64770" rIns="64770" bIns="64770" numCol="1" spcCol="1270" anchor="ctr" anchorCtr="0">
           <a:noAutofit/>
         </a:bodyPr>
         <a:lstStyle/>
         <a:p>
-          <a:pPr marL="0" lvl="0" indent="0" algn="ctr" defTabSz="577850">
+          <a:pPr marL="0" lvl="0" indent="0" algn="ctr" defTabSz="755650">
             <a:lnSpc>
               <a:spcPct val="90000"/>
             </a:lnSpc>
@@ -5044,147 +5295,14 @@
             <a:buNone/>
           </a:pPr>
           <a:r>
-            <a:rPr lang="en-US" sz="1300" kern="1200" dirty="0"/>
+            <a:rPr lang="en-US" sz="1700" kern="1200" dirty="0"/>
             <a:t>Environment info server</a:t>
           </a:r>
         </a:p>
       </dsp:txBody>
       <dsp:txXfrm>
-        <a:off x="7034365" y="1333972"/>
-        <a:ext cx="1083936" cy="673015"/>
-      </dsp:txXfrm>
-    </dsp:sp>
-    <dsp:sp modelId="{08959B5D-762C-44E4-92B0-95599D3AD295}">
-      <dsp:nvSpPr>
-        <dsp:cNvPr id="0" name=""/>
-        <dsp:cNvSpPr/>
-      </dsp:nvSpPr>
-      <dsp:spPr>
-        <a:xfrm>
-          <a:off x="8264330" y="1194199"/>
-          <a:ext cx="1125812" cy="714891"/>
-        </a:xfrm>
-        <a:prstGeom prst="roundRect">
-          <a:avLst>
-            <a:gd name="adj" fmla="val 10000"/>
-          </a:avLst>
-        </a:prstGeom>
-        <a:solidFill>
-          <a:schemeClr val="accent1">
-            <a:hueOff val="0"/>
-            <a:satOff val="0"/>
-            <a:lumOff val="0"/>
-            <a:alphaOff val="0"/>
-          </a:schemeClr>
-        </a:solidFill>
-        <a:ln w="19050" cap="rnd" cmpd="sng" algn="ctr">
-          <a:solidFill>
-            <a:schemeClr val="lt1">
-              <a:hueOff val="0"/>
-              <a:satOff val="0"/>
-              <a:lumOff val="0"/>
-              <a:alphaOff val="0"/>
-            </a:schemeClr>
-          </a:solidFill>
-          <a:prstDash val="solid"/>
-        </a:ln>
-        <a:effectLst/>
-      </dsp:spPr>
-      <dsp:style>
-        <a:lnRef idx="2">
-          <a:scrgbClr r="0" g="0" b="0"/>
-        </a:lnRef>
-        <a:fillRef idx="1">
-          <a:scrgbClr r="0" g="0" b="0"/>
-        </a:fillRef>
-        <a:effectRef idx="0">
-          <a:scrgbClr r="0" g="0" b="0"/>
-        </a:effectRef>
-        <a:fontRef idx="minor">
-          <a:schemeClr val="lt1"/>
-        </a:fontRef>
-      </dsp:style>
-    </dsp:sp>
-    <dsp:sp modelId="{EBCA1C42-7D11-4FFB-AA6A-94DEA5511FA7}">
-      <dsp:nvSpPr>
-        <dsp:cNvPr id="0" name=""/>
-        <dsp:cNvSpPr/>
-      </dsp:nvSpPr>
-      <dsp:spPr>
-        <a:xfrm>
-          <a:off x="8389420" y="1313034"/>
-          <a:ext cx="1125812" cy="714891"/>
-        </a:xfrm>
-        <a:prstGeom prst="roundRect">
-          <a:avLst>
-            <a:gd name="adj" fmla="val 10000"/>
-          </a:avLst>
-        </a:prstGeom>
-        <a:solidFill>
-          <a:schemeClr val="lt1">
-            <a:alpha val="90000"/>
-            <a:hueOff val="0"/>
-            <a:satOff val="0"/>
-            <a:lumOff val="0"/>
-            <a:alphaOff val="0"/>
-          </a:schemeClr>
-        </a:solidFill>
-        <a:ln w="19050" cap="rnd" cmpd="sng" algn="ctr">
-          <a:solidFill>
-            <a:schemeClr val="accent1">
-              <a:hueOff val="0"/>
-              <a:satOff val="0"/>
-              <a:lumOff val="0"/>
-              <a:alphaOff val="0"/>
-            </a:schemeClr>
-          </a:solidFill>
-          <a:prstDash val="solid"/>
-        </a:ln>
-        <a:effectLst/>
-      </dsp:spPr>
-      <dsp:style>
-        <a:lnRef idx="2">
-          <a:scrgbClr r="0" g="0" b="0"/>
-        </a:lnRef>
-        <a:fillRef idx="1">
-          <a:scrgbClr r="0" g="0" b="0"/>
-        </a:fillRef>
-        <a:effectRef idx="0">
-          <a:scrgbClr r="0" g="0" b="0"/>
-        </a:effectRef>
-        <a:fontRef idx="minor"/>
-      </dsp:style>
-      <dsp:txBody>
-        <a:bodyPr spcFirstLastPara="0" vert="horz" wrap="square" lIns="49530" tIns="49530" rIns="49530" bIns="49530" numCol="1" spcCol="1270" anchor="ctr" anchorCtr="0">
-          <a:noAutofit/>
-        </a:bodyPr>
-        <a:lstStyle/>
-        <a:p>
-          <a:pPr marL="0" lvl="0" indent="0" algn="ctr" defTabSz="577850">
-            <a:lnSpc>
-              <a:spcPct val="90000"/>
-            </a:lnSpc>
-            <a:spcBef>
-              <a:spcPct val="0"/>
-            </a:spcBef>
-            <a:spcAft>
-              <a:spcPct val="35000"/>
-            </a:spcAft>
-            <a:buNone/>
-          </a:pPr>
-          <a:r>
-            <a:rPr lang="en-US" sz="1300" kern="1200"/>
-            <a:t>Drone </a:t>
-          </a:r>
-          <a:r>
-            <a:rPr lang="en-US" sz="1300" kern="1200" dirty="0"/>
-            <a:t>server</a:t>
-          </a:r>
-        </a:p>
-      </dsp:txBody>
-      <dsp:txXfrm>
-        <a:off x="8410358" y="1333972"/>
-        <a:ext cx="1083936" cy="673015"/>
+        <a:off x="6348254" y="820805"/>
+        <a:ext cx="1386149" cy="860658"/>
       </dsp:txXfrm>
     </dsp:sp>
   </dsp:spTree>
@@ -8178,7 +8296,7 @@
           <a:p>
             <a:fld id="{B3B7A677-FBB3-1E46-8BD0-0AD2CBC8FEDE}" type="datetimeFigureOut">
               <a:rPr lang="en-IL" smtClean="0"/>
-              <a:t>04/13/2024</a:t>
+              <a:t>18/04/2024</a:t>
             </a:fld>
             <a:endParaRPr lang="en-IL"/>
           </a:p>
@@ -9253,7 +9371,7 @@
           <a:p>
             <a:fld id="{56332E43-BAAC-405E-8CED-B029CA0EF2C0}" type="datetimeFigureOut">
               <a:rPr lang="en-US" smtClean="0"/>
-              <a:t>4/13/2024</a:t>
+              <a:t>4/18/24</a:t>
             </a:fld>
             <a:endParaRPr lang="en-US"/>
           </a:p>
@@ -9504,7 +9622,7 @@
           <a:p>
             <a:fld id="{56332E43-BAAC-405E-8CED-B029CA0EF2C0}" type="datetimeFigureOut">
               <a:rPr lang="en-US" smtClean="0"/>
-              <a:t>4/13/2024</a:t>
+              <a:t>4/18/24</a:t>
             </a:fld>
             <a:endParaRPr lang="en-US"/>
           </a:p>
@@ -9818,7 +9936,7 @@
           <a:p>
             <a:fld id="{56332E43-BAAC-405E-8CED-B029CA0EF2C0}" type="datetimeFigureOut">
               <a:rPr lang="en-US" smtClean="0"/>
-              <a:t>4/13/2024</a:t>
+              <a:t>4/18/24</a:t>
             </a:fld>
             <a:endParaRPr lang="en-US"/>
           </a:p>
@@ -10159,7 +10277,7 @@
           <a:p>
             <a:fld id="{56332E43-BAAC-405E-8CED-B029CA0EF2C0}" type="datetimeFigureOut">
               <a:rPr lang="en-US" smtClean="0"/>
-              <a:t>4/13/2024</a:t>
+              <a:t>4/18/24</a:t>
             </a:fld>
             <a:endParaRPr lang="en-US"/>
           </a:p>
@@ -10473,7 +10591,7 @@
           <a:p>
             <a:fld id="{56332E43-BAAC-405E-8CED-B029CA0EF2C0}" type="datetimeFigureOut">
               <a:rPr lang="en-US" smtClean="0"/>
-              <a:t>4/13/2024</a:t>
+              <a:t>4/18/24</a:t>
             </a:fld>
             <a:endParaRPr lang="en-US"/>
           </a:p>
@@ -10866,7 +10984,7 @@
           <a:p>
             <a:fld id="{56332E43-BAAC-405E-8CED-B029CA0EF2C0}" type="datetimeFigureOut">
               <a:rPr lang="en-US" smtClean="0"/>
-              <a:t>4/13/2024</a:t>
+              <a:t>4/18/24</a:t>
             </a:fld>
             <a:endParaRPr lang="en-US"/>
           </a:p>
@@ -11036,7 +11154,7 @@
           <a:p>
             <a:fld id="{56332E43-BAAC-405E-8CED-B029CA0EF2C0}" type="datetimeFigureOut">
               <a:rPr lang="en-US" smtClean="0"/>
-              <a:t>4/13/2024</a:t>
+              <a:t>4/18/24</a:t>
             </a:fld>
             <a:endParaRPr lang="en-US"/>
           </a:p>
@@ -11216,7 +11334,7 @@
           <a:p>
             <a:fld id="{56332E43-BAAC-405E-8CED-B029CA0EF2C0}" type="datetimeFigureOut">
               <a:rPr lang="en-US" smtClean="0"/>
-              <a:t>4/13/2024</a:t>
+              <a:t>4/18/24</a:t>
             </a:fld>
             <a:endParaRPr lang="en-US"/>
           </a:p>
@@ -11392,7 +11510,7 @@
           <a:p>
             <a:fld id="{56332E43-BAAC-405E-8CED-B029CA0EF2C0}" type="datetimeFigureOut">
               <a:rPr lang="en-US" smtClean="0"/>
-              <a:t>4/13/2024</a:t>
+              <a:t>4/18/24</a:t>
             </a:fld>
             <a:endParaRPr lang="en-US"/>
           </a:p>
@@ -11639,7 +11757,7 @@
           <a:p>
             <a:fld id="{56332E43-BAAC-405E-8CED-B029CA0EF2C0}" type="datetimeFigureOut">
               <a:rPr lang="en-US" smtClean="0"/>
-              <a:t>4/13/2024</a:t>
+              <a:t>4/18/24</a:t>
             </a:fld>
             <a:endParaRPr lang="en-US"/>
           </a:p>
@@ -11871,7 +11989,7 @@
           <a:p>
             <a:fld id="{56332E43-BAAC-405E-8CED-B029CA0EF2C0}" type="datetimeFigureOut">
               <a:rPr lang="en-US" smtClean="0"/>
-              <a:t>4/13/2024</a:t>
+              <a:t>4/18/24</a:t>
             </a:fld>
             <a:endParaRPr lang="en-US"/>
           </a:p>
@@ -12245,7 +12363,7 @@
           <a:p>
             <a:fld id="{56332E43-BAAC-405E-8CED-B029CA0EF2C0}" type="datetimeFigureOut">
               <a:rPr lang="en-US" smtClean="0"/>
-              <a:t>4/13/2024</a:t>
+              <a:t>4/18/24</a:t>
             </a:fld>
             <a:endParaRPr lang="en-US"/>
           </a:p>
@@ -12368,7 +12486,7 @@
           <a:p>
             <a:fld id="{56332E43-BAAC-405E-8CED-B029CA0EF2C0}" type="datetimeFigureOut">
               <a:rPr lang="en-US" smtClean="0"/>
-              <a:t>4/13/2024</a:t>
+              <a:t>4/18/24</a:t>
             </a:fld>
             <a:endParaRPr lang="en-US"/>
           </a:p>
@@ -12463,7 +12581,7 @@
           <a:p>
             <a:fld id="{56332E43-BAAC-405E-8CED-B029CA0EF2C0}" type="datetimeFigureOut">
               <a:rPr lang="en-US" smtClean="0"/>
-              <a:t>4/13/2024</a:t>
+              <a:t>4/18/24</a:t>
             </a:fld>
             <a:endParaRPr lang="en-US"/>
           </a:p>
@@ -12718,7 +12836,7 @@
           <a:p>
             <a:fld id="{56332E43-BAAC-405E-8CED-B029CA0EF2C0}" type="datetimeFigureOut">
               <a:rPr lang="en-US" smtClean="0"/>
-              <a:t>4/13/2024</a:t>
+              <a:t>4/18/24</a:t>
             </a:fld>
             <a:endParaRPr lang="en-US"/>
           </a:p>
@@ -12981,7 +13099,7 @@
           <a:p>
             <a:fld id="{56332E43-BAAC-405E-8CED-B029CA0EF2C0}" type="datetimeFigureOut">
               <a:rPr lang="en-US" smtClean="0"/>
-              <a:t>4/13/2024</a:t>
+              <a:t>4/18/24</a:t>
             </a:fld>
             <a:endParaRPr lang="en-US"/>
           </a:p>
@@ -13724,7 +13842,7 @@
           <a:p>
             <a:fld id="{56332E43-BAAC-405E-8CED-B029CA0EF2C0}" type="datetimeFigureOut">
               <a:rPr lang="en-US" smtClean="0"/>
-              <a:t>4/13/2024</a:t>
+              <a:t>4/18/24</a:t>
             </a:fld>
             <a:endParaRPr lang="en-US"/>
           </a:p>
@@ -16321,7 +16439,7 @@
           <p:nvPr>
             <p:extLst>
               <p:ext uri="{D42A27DB-BD31-4B8C-83A1-F6EECF244321}">
-                <p14:modId xmlns:p14="http://schemas.microsoft.com/office/powerpoint/2010/main" val="4293894102"/>
+                <p14:modId xmlns:p14="http://schemas.microsoft.com/office/powerpoint/2010/main" val="1080891568"/>
               </p:ext>
             </p:extLst>
           </p:nvPr>

--- a/Docs/Project_601.pptx
+++ b/Docs/Project_601.pptx
@@ -2699,15 +2699,15 @@
     <dgm:cxn modelId="{F600BF1B-28A6-7540-A4ED-79A26F78E40D}" type="presOf" srcId="{BBCEB914-6A20-4D4C-B68C-4463DAD087AC}" destId="{60886B65-FBD7-3244-B035-C27610542378}" srcOrd="0" destOrd="0" presId="urn:microsoft.com/office/officeart/2005/8/layout/hierarchy1"/>
     <dgm:cxn modelId="{F2211033-DAA5-4013-BB28-6BE7B56C3ADE}" srcId="{A0C052F7-8892-41EC-8574-9D187E83A1F4}" destId="{11FBABEF-6C42-4A6F-BCA2-F180F73FA1CA}" srcOrd="2" destOrd="0" parTransId="{F8BA1E54-2E61-4053-8994-F14D29BFC330}" sibTransId="{C6BE0FAE-2162-412F-B29C-991C2B6D5E64}"/>
     <dgm:cxn modelId="{BEDB1A3F-5FC8-474E-9F5B-C96E7DE85544}" type="presOf" srcId="{A0C052F7-8892-41EC-8574-9D187E83A1F4}" destId="{528D0D30-2D33-4EC2-AD47-2F7ABB88FBED}" srcOrd="0" destOrd="0" presId="urn:microsoft.com/office/officeart/2005/8/layout/hierarchy1"/>
+    <dgm:cxn modelId="{A272935B-B37E-014D-9978-7EA572AAB369}" type="presOf" srcId="{94C49DB8-46D8-4526-A99A-7DE191796341}" destId="{A457EF02-6141-BD41-B5FB-062B73745800}" srcOrd="0" destOrd="0" presId="urn:microsoft.com/office/officeart/2005/8/layout/hierarchy1"/>
     <dgm:cxn modelId="{E0844C43-9D34-274F-A66D-7400F160C813}" type="presOf" srcId="{D30E055E-D607-49F8-85CD-B84BB4CE6177}" destId="{99AC887F-33B1-5C4B-A7EA-E6254A4B2B6D}" srcOrd="0" destOrd="0" presId="urn:microsoft.com/office/officeart/2005/8/layout/hierarchy1"/>
     <dgm:cxn modelId="{4CDDB545-85AB-4E6D-8603-0AED309A93DB}" srcId="{E23C31D8-D3AC-425A-AAB0-275257CEEBA5}" destId="{74CEB8FD-15FF-412A-9600-8271050BED58}" srcOrd="3" destOrd="0" parTransId="{076117A5-CE37-4461-A9CB-732EDE5945BE}" sibTransId="{A02A87E7-AA65-4156-BD9A-490DB22929CE}"/>
     <dgm:cxn modelId="{825EBD48-6CE0-5A45-93A8-47003CBB260E}" type="presOf" srcId="{0128EE23-9AAA-49DE-A11C-D667C6948C9E}" destId="{424A924C-A6C9-7E49-A58A-5491C147BDA0}" srcOrd="0" destOrd="0" presId="urn:microsoft.com/office/officeart/2005/8/layout/hierarchy1"/>
+    <dgm:cxn modelId="{14EBCB6B-FA8C-493A-A420-C4ACDA651630}" srcId="{E23C31D8-D3AC-425A-AAB0-275257CEEBA5}" destId="{BBCEB914-6A20-4D4C-B68C-4463DAD087AC}" srcOrd="0" destOrd="0" parTransId="{E3B1403E-AB6F-4FCF-AD1E-F3CE23E9E79A}" sibTransId="{78ADBFA3-758A-4356-B2F6-BCB278DE751C}"/>
     <dgm:cxn modelId="{33F00A4F-191F-4916-8B03-ABDC6BA36EE4}" srcId="{78843328-906C-4924-BD0D-2FB02D997F23}" destId="{6796CB94-8280-43F3-AAA0-6734710FAFF4}" srcOrd="0" destOrd="0" parTransId="{CD756865-78CE-44C1-811F-E0312E421B0E}" sibTransId="{D61EB397-9B5D-4F6D-AF9A-52382DBB3E06}"/>
+    <dgm:cxn modelId="{758AFC71-CE51-B24F-8982-9F1E0D546FDC}" type="presOf" srcId="{7ABDAF2D-7AB6-4B4C-AA93-A07C5C1188AF}" destId="{383B2FC9-B311-4A4F-B20C-2AD448DEF120}" srcOrd="0" destOrd="0" presId="urn:microsoft.com/office/officeart/2005/8/layout/hierarchy1"/>
     <dgm:cxn modelId="{3D34E853-D3DF-A046-8EE0-C2CE8F2C9324}" type="presOf" srcId="{78843328-906C-4924-BD0D-2FB02D997F23}" destId="{52354F52-903C-964E-9C70-F0085EDCEA54}" srcOrd="0" destOrd="0" presId="urn:microsoft.com/office/officeart/2005/8/layout/hierarchy1"/>
     <dgm:cxn modelId="{CF978D59-11CE-9940-89C5-745F9CE321E4}" type="presOf" srcId="{F6742098-15D4-40B6-851F-521E7185192E}" destId="{F91058B3-518B-9B4B-9248-C5D4B7CD7348}" srcOrd="0" destOrd="0" presId="urn:microsoft.com/office/officeart/2005/8/layout/hierarchy1"/>
-    <dgm:cxn modelId="{A272935B-B37E-014D-9978-7EA572AAB369}" type="presOf" srcId="{94C49DB8-46D8-4526-A99A-7DE191796341}" destId="{A457EF02-6141-BD41-B5FB-062B73745800}" srcOrd="0" destOrd="0" presId="urn:microsoft.com/office/officeart/2005/8/layout/hierarchy1"/>
-    <dgm:cxn modelId="{14EBCB6B-FA8C-493A-A420-C4ACDA651630}" srcId="{E23C31D8-D3AC-425A-AAB0-275257CEEBA5}" destId="{BBCEB914-6A20-4D4C-B68C-4463DAD087AC}" srcOrd="0" destOrd="0" parTransId="{E3B1403E-AB6F-4FCF-AD1E-F3CE23E9E79A}" sibTransId="{78ADBFA3-758A-4356-B2F6-BCB278DE751C}"/>
-    <dgm:cxn modelId="{758AFC71-CE51-B24F-8982-9F1E0D546FDC}" type="presOf" srcId="{7ABDAF2D-7AB6-4B4C-AA93-A07C5C1188AF}" destId="{383B2FC9-B311-4A4F-B20C-2AD448DEF120}" srcOrd="0" destOrd="0" presId="urn:microsoft.com/office/officeart/2005/8/layout/hierarchy1"/>
     <dgm:cxn modelId="{0304028C-B252-4FB7-9558-1DA3CE6CDD9E}" srcId="{74CEB8FD-15FF-412A-9600-8271050BED58}" destId="{78843328-906C-4924-BD0D-2FB02D997F23}" srcOrd="0" destOrd="0" parTransId="{1426985E-D600-4C00-A345-1C80A96A5A22}" sibTransId="{019820A1-D751-48A0-9A21-2EA031DC25AC}"/>
     <dgm:cxn modelId="{A5882390-D9C1-4720-8D45-259C74AAFA08}" srcId="{A0C052F7-8892-41EC-8574-9D187E83A1F4}" destId="{E23C31D8-D3AC-425A-AAB0-275257CEEBA5}" srcOrd="0" destOrd="0" parTransId="{77626A35-49F4-4ABA-8F34-22446395EF85}" sibTransId="{7C7A2E0A-5E04-4E24-BB90-BEFD65F0D78A}"/>
     <dgm:cxn modelId="{2E219198-6410-094A-AAF7-2472C39A95BD}" type="presOf" srcId="{CD756865-78CE-44C1-811F-E0312E421B0E}" destId="{7E2B656D-C82E-8444-99CA-19D3B6FACA64}" srcOrd="0" destOrd="0" presId="urn:microsoft.com/office/officeart/2005/8/layout/hierarchy1"/>
@@ -8296,7 +8296,7 @@
           <a:p>
             <a:fld id="{B3B7A677-FBB3-1E46-8BD0-0AD2CBC8FEDE}" type="datetimeFigureOut">
               <a:rPr lang="en-IL" smtClean="0"/>
-              <a:t>18/04/2024</a:t>
+              <a:t>04/19/2024</a:t>
             </a:fld>
             <a:endParaRPr lang="en-IL"/>
           </a:p>
@@ -9371,7 +9371,7 @@
           <a:p>
             <a:fld id="{56332E43-BAAC-405E-8CED-B029CA0EF2C0}" type="datetimeFigureOut">
               <a:rPr lang="en-US" smtClean="0"/>
-              <a:t>4/18/24</a:t>
+              <a:t>4/19/2024</a:t>
             </a:fld>
             <a:endParaRPr lang="en-US"/>
           </a:p>
@@ -9622,7 +9622,7 @@
           <a:p>
             <a:fld id="{56332E43-BAAC-405E-8CED-B029CA0EF2C0}" type="datetimeFigureOut">
               <a:rPr lang="en-US" smtClean="0"/>
-              <a:t>4/18/24</a:t>
+              <a:t>4/19/2024</a:t>
             </a:fld>
             <a:endParaRPr lang="en-US"/>
           </a:p>
@@ -9936,7 +9936,7 @@
           <a:p>
             <a:fld id="{56332E43-BAAC-405E-8CED-B029CA0EF2C0}" type="datetimeFigureOut">
               <a:rPr lang="en-US" smtClean="0"/>
-              <a:t>4/18/24</a:t>
+              <a:t>4/19/2024</a:t>
             </a:fld>
             <a:endParaRPr lang="en-US"/>
           </a:p>
@@ -10277,7 +10277,7 @@
           <a:p>
             <a:fld id="{56332E43-BAAC-405E-8CED-B029CA0EF2C0}" type="datetimeFigureOut">
               <a:rPr lang="en-US" smtClean="0"/>
-              <a:t>4/18/24</a:t>
+              <a:t>4/19/2024</a:t>
             </a:fld>
             <a:endParaRPr lang="en-US"/>
           </a:p>
@@ -10591,7 +10591,7 @@
           <a:p>
             <a:fld id="{56332E43-BAAC-405E-8CED-B029CA0EF2C0}" type="datetimeFigureOut">
               <a:rPr lang="en-US" smtClean="0"/>
-              <a:t>4/18/24</a:t>
+              <a:t>4/19/2024</a:t>
             </a:fld>
             <a:endParaRPr lang="en-US"/>
           </a:p>
@@ -10984,7 +10984,7 @@
           <a:p>
             <a:fld id="{56332E43-BAAC-405E-8CED-B029CA0EF2C0}" type="datetimeFigureOut">
               <a:rPr lang="en-US" smtClean="0"/>
-              <a:t>4/18/24</a:t>
+              <a:t>4/19/2024</a:t>
             </a:fld>
             <a:endParaRPr lang="en-US"/>
           </a:p>
@@ -11154,7 +11154,7 @@
           <a:p>
             <a:fld id="{56332E43-BAAC-405E-8CED-B029CA0EF2C0}" type="datetimeFigureOut">
               <a:rPr lang="en-US" smtClean="0"/>
-              <a:t>4/18/24</a:t>
+              <a:t>4/19/2024</a:t>
             </a:fld>
             <a:endParaRPr lang="en-US"/>
           </a:p>
@@ -11334,7 +11334,7 @@
           <a:p>
             <a:fld id="{56332E43-BAAC-405E-8CED-B029CA0EF2C0}" type="datetimeFigureOut">
               <a:rPr lang="en-US" smtClean="0"/>
-              <a:t>4/18/24</a:t>
+              <a:t>4/19/2024</a:t>
             </a:fld>
             <a:endParaRPr lang="en-US"/>
           </a:p>
@@ -11510,7 +11510,7 @@
           <a:p>
             <a:fld id="{56332E43-BAAC-405E-8CED-B029CA0EF2C0}" type="datetimeFigureOut">
               <a:rPr lang="en-US" smtClean="0"/>
-              <a:t>4/18/24</a:t>
+              <a:t>4/19/2024</a:t>
             </a:fld>
             <a:endParaRPr lang="en-US"/>
           </a:p>
@@ -11757,7 +11757,7 @@
           <a:p>
             <a:fld id="{56332E43-BAAC-405E-8CED-B029CA0EF2C0}" type="datetimeFigureOut">
               <a:rPr lang="en-US" smtClean="0"/>
-              <a:t>4/18/24</a:t>
+              <a:t>4/19/2024</a:t>
             </a:fld>
             <a:endParaRPr lang="en-US"/>
           </a:p>
@@ -11989,7 +11989,7 @@
           <a:p>
             <a:fld id="{56332E43-BAAC-405E-8CED-B029CA0EF2C0}" type="datetimeFigureOut">
               <a:rPr lang="en-US" smtClean="0"/>
-              <a:t>4/18/24</a:t>
+              <a:t>4/19/2024</a:t>
             </a:fld>
             <a:endParaRPr lang="en-US"/>
           </a:p>
@@ -12363,7 +12363,7 @@
           <a:p>
             <a:fld id="{56332E43-BAAC-405E-8CED-B029CA0EF2C0}" type="datetimeFigureOut">
               <a:rPr lang="en-US" smtClean="0"/>
-              <a:t>4/18/24</a:t>
+              <a:t>4/19/2024</a:t>
             </a:fld>
             <a:endParaRPr lang="en-US"/>
           </a:p>
@@ -12486,7 +12486,7 @@
           <a:p>
             <a:fld id="{56332E43-BAAC-405E-8CED-B029CA0EF2C0}" type="datetimeFigureOut">
               <a:rPr lang="en-US" smtClean="0"/>
-              <a:t>4/18/24</a:t>
+              <a:t>4/19/2024</a:t>
             </a:fld>
             <a:endParaRPr lang="en-US"/>
           </a:p>
@@ -12581,7 +12581,7 @@
           <a:p>
             <a:fld id="{56332E43-BAAC-405E-8CED-B029CA0EF2C0}" type="datetimeFigureOut">
               <a:rPr lang="en-US" smtClean="0"/>
-              <a:t>4/18/24</a:t>
+              <a:t>4/19/2024</a:t>
             </a:fld>
             <a:endParaRPr lang="en-US"/>
           </a:p>
@@ -12836,7 +12836,7 @@
           <a:p>
             <a:fld id="{56332E43-BAAC-405E-8CED-B029CA0EF2C0}" type="datetimeFigureOut">
               <a:rPr lang="en-US" smtClean="0"/>
-              <a:t>4/18/24</a:t>
+              <a:t>4/19/2024</a:t>
             </a:fld>
             <a:endParaRPr lang="en-US"/>
           </a:p>
@@ -13099,7 +13099,7 @@
           <a:p>
             <a:fld id="{56332E43-BAAC-405E-8CED-B029CA0EF2C0}" type="datetimeFigureOut">
               <a:rPr lang="en-US" smtClean="0"/>
-              <a:t>4/18/24</a:t>
+              <a:t>4/19/2024</a:t>
             </a:fld>
             <a:endParaRPr lang="en-US"/>
           </a:p>
@@ -13842,7 +13842,7 @@
           <a:p>
             <a:fld id="{56332E43-BAAC-405E-8CED-B029CA0EF2C0}" type="datetimeFigureOut">
               <a:rPr lang="en-US" smtClean="0"/>
-              <a:t>4/18/24</a:t>
+              <a:t>4/19/2024</a:t>
             </a:fld>
             <a:endParaRPr lang="en-US"/>
           </a:p>
@@ -17069,8 +17069,8 @@
         </p:nvSpPr>
         <p:spPr>
           <a:xfrm>
-            <a:off x="640080" y="2872899"/>
-            <a:ext cx="8785274" cy="3818458"/>
+            <a:off x="640080" y="2230734"/>
+            <a:ext cx="8785274" cy="4912799"/>
           </a:xfrm>
         </p:spPr>
         <p:txBody>
@@ -17089,7 +17089,7 @@
                 </a:highlight>
                 <a:latin typeface="Söhne"/>
               </a:rPr>
-              <a:t>Introduction of novel training approach</a:t>
+              <a:t>We created a centralized controller that manages all drones in the simulation</a:t>
             </a:r>
           </a:p>
           <a:p>
@@ -17103,7 +17103,7 @@
                 </a:highlight>
                 <a:latin typeface="Söhne"/>
               </a:rPr>
-              <a:t>Centralized controller manages all drones in simulation</a:t>
+              <a:t> The preflight phase involves map transformation into a 3D graph this stage takes some time for a new map.</a:t>
             </a:r>
           </a:p>
           <a:p>
@@ -17117,21 +17117,7 @@
                 </a:highlight>
                 <a:latin typeface="Söhne"/>
               </a:rPr>
-              <a:t>Preflight phase involves map transformation into a 3D graph</a:t>
-            </a:r>
-          </a:p>
-          <a:p>
-            <a:r>
-              <a:rPr lang="en-US" sz="2000" dirty="0">
-                <a:solidFill>
-                  <a:srgbClr val="0D0D0D"/>
-                </a:solidFill>
-                <a:highlight>
-                  <a:srgbClr val="FFFFFF"/>
-                </a:highlight>
-                <a:latin typeface="Söhne"/>
-              </a:rPr>
-              <a:t>Controller calculates the shortest path for each drone</a:t>
+              <a:t>Controller calculates the shortest path for each drone from the 3D graph</a:t>
             </a:r>
           </a:p>
           <a:p>
@@ -17159,10 +17145,11 @@
                 </a:highlight>
                 <a:latin typeface="Söhne"/>
               </a:rPr>
-              <a:t>KD-Q-Learning utilized for collision avoidance</a:t>
+              <a:t>Tasks:</a:t>
             </a:r>
           </a:p>
           <a:p>
+            <a:pPr lvl="1"/>
             <a:r>
               <a:rPr lang="en-US" sz="2000" dirty="0">
                 <a:solidFill>
@@ -17173,8 +17160,50 @@
                 </a:highlight>
                 <a:latin typeface="Söhne"/>
               </a:rPr>
-              <a:t>Controller trained to minimize deviations from shortest paths and avoid collisions</a:t>
+              <a:t>Implement collision detection algorithms for real-time avoidance.</a:t>
             </a:r>
+          </a:p>
+          <a:p>
+            <a:pPr lvl="1"/>
+            <a:r>
+              <a:rPr lang="en-US" sz="2000" dirty="0">
+                <a:solidFill>
+                  <a:srgbClr val="0D0D0D"/>
+                </a:solidFill>
+                <a:highlight>
+                  <a:srgbClr val="FFFFFF"/>
+                </a:highlight>
+                <a:latin typeface="Söhne"/>
+              </a:rPr>
+              <a:t>Enable the controller to guide drones in route deviation and collision avoidance.</a:t>
+            </a:r>
+          </a:p>
+          <a:p>
+            <a:pPr lvl="1"/>
+            <a:r>
+              <a:rPr lang="en-US" sz="2000" dirty="0">
+                <a:solidFill>
+                  <a:srgbClr val="0D0D0D"/>
+                </a:solidFill>
+                <a:highlight>
+                  <a:srgbClr val="FFFFFF"/>
+                </a:highlight>
+                <a:latin typeface="Söhne"/>
+              </a:rPr>
+              <a:t>Train the controller to allocate tasks based on drone capabilities and task requirements.</a:t>
+            </a:r>
+            <a:endParaRPr lang="en-US" b="0" i="0" dirty="0">
+              <a:solidFill>
+                <a:srgbClr val="0D0D0D"/>
+              </a:solidFill>
+              <a:effectLst/>
+              <a:highlight>
+                <a:srgbClr val="FFFFFF"/>
+              </a:highlight>
+              <a:latin typeface="Söhne"/>
+            </a:endParaRPr>
+          </a:p>
+          <a:p>
             <a:endParaRPr lang="en-US" sz="2000" dirty="0"/>
           </a:p>
         </p:txBody>
